--- a/lectures/01-Overview.pptx
+++ b/lectures/01-Overview.pptx
@@ -336,7 +336,7 @@
           <a:p>
             <a:fld id="{08BD4FA9-F3CE-45B3-A980-C331C6F1EF65}" type="datetimeFigureOut">
               <a:rPr lang="en-US" smtClean="0"/>
-              <a:t>12/5/2022</a:t>
+              <a:t>12/12/2022</a:t>
             </a:fld>
             <a:endParaRPr lang="en-US"/>
           </a:p>
@@ -501,7 +501,7 @@
           <a:p>
             <a:fld id="{AE868E6B-2B58-4827-9AA6-AB8949EE5698}" type="datetimeFigureOut">
               <a:rPr lang="en-US" smtClean="0"/>
-              <a:t>12/5/2022</a:t>
+              <a:t>12/12/2022</a:t>
             </a:fld>
             <a:endParaRPr lang="en-US"/>
           </a:p>
@@ -1936,7 +1936,7 @@
           <a:p>
             <a:fld id="{EAAD3657-2200-4D14-82C0-10C39B0F0F06}" type="datetime1">
               <a:rPr lang="en-US" smtClean="0"/>
-              <a:t>12/5/2022</a:t>
+              <a:t>12/12/2022</a:t>
             </a:fld>
             <a:endParaRPr lang="en-US"/>
           </a:p>
@@ -2104,7 +2104,7 @@
           <a:p>
             <a:fld id="{11BBAF55-A85E-4993-914E-FC1E5AA7DF24}" type="datetime1">
               <a:rPr lang="en-US" smtClean="0"/>
-              <a:t>12/5/2022</a:t>
+              <a:t>12/12/2022</a:t>
             </a:fld>
             <a:endParaRPr lang="en-US"/>
           </a:p>
@@ -2282,7 +2282,7 @@
           <a:p>
             <a:fld id="{39816E07-E1DB-44A4-A5E5-9F4B54E8C933}" type="datetime1">
               <a:rPr lang="en-US" smtClean="0"/>
-              <a:t>12/5/2022</a:t>
+              <a:t>12/12/2022</a:t>
             </a:fld>
             <a:endParaRPr lang="en-US"/>
           </a:p>
@@ -2467,7 +2467,7 @@
           <a:p>
             <a:fld id="{C2B1AD17-B813-4477-8AFE-B1860CC59113}" type="datetime1">
               <a:rPr lang="en-US" smtClean="0"/>
-              <a:t>12/5/2022</a:t>
+              <a:t>12/12/2022</a:t>
             </a:fld>
             <a:endParaRPr lang="en-US"/>
           </a:p>
@@ -2712,7 +2712,7 @@
           <a:p>
             <a:fld id="{D0975C0D-5C9E-48CC-8D31-F42D19FA8F7A}" type="datetime1">
               <a:rPr lang="en-US" smtClean="0"/>
-              <a:t>12/5/2022</a:t>
+              <a:t>12/12/2022</a:t>
             </a:fld>
             <a:endParaRPr lang="en-US"/>
           </a:p>
@@ -2997,7 +2997,7 @@
           <a:p>
             <a:fld id="{28657551-0F2B-4F09-86FD-F7994CE83DC5}" type="datetime1">
               <a:rPr lang="en-US" smtClean="0"/>
-              <a:t>12/5/2022</a:t>
+              <a:t>12/12/2022</a:t>
             </a:fld>
             <a:endParaRPr lang="en-US"/>
           </a:p>
@@ -3416,7 +3416,7 @@
           <a:p>
             <a:fld id="{3929D2B2-4200-46B9-96C3-02A55D5FAA00}" type="datetime1">
               <a:rPr lang="en-US" smtClean="0"/>
-              <a:t>12/5/2022</a:t>
+              <a:t>12/12/2022</a:t>
             </a:fld>
             <a:endParaRPr lang="en-US"/>
           </a:p>
@@ -3533,7 +3533,7 @@
           <a:p>
             <a:fld id="{41FF7722-74E8-497F-A072-89677A2C2373}" type="datetime1">
               <a:rPr lang="en-US" smtClean="0"/>
-              <a:t>12/5/2022</a:t>
+              <a:t>12/12/2022</a:t>
             </a:fld>
             <a:endParaRPr lang="en-US"/>
           </a:p>
@@ -3628,7 +3628,7 @@
           <a:p>
             <a:fld id="{BD26212E-B46B-426F-AE59-AA326827D9E0}" type="datetime1">
               <a:rPr lang="en-US" smtClean="0"/>
-              <a:t>12/5/2022</a:t>
+              <a:t>12/12/2022</a:t>
             </a:fld>
             <a:endParaRPr lang="en-US"/>
           </a:p>
@@ -3903,7 +3903,7 @@
           <a:p>
             <a:fld id="{FB9B81E8-09EA-4684-A39F-38DE1E49D20C}" type="datetime1">
               <a:rPr lang="en-US" smtClean="0"/>
-              <a:t>12/5/2022</a:t>
+              <a:t>12/12/2022</a:t>
             </a:fld>
             <a:endParaRPr lang="en-US"/>
           </a:p>
@@ -4155,7 +4155,7 @@
           <a:p>
             <a:fld id="{35C5CC5F-056C-4047-9A5C-9F5B4BED129B}" type="datetime1">
               <a:rPr lang="en-US" smtClean="0"/>
-              <a:t>12/5/2022</a:t>
+              <a:t>12/12/2022</a:t>
             </a:fld>
             <a:endParaRPr lang="en-US"/>
           </a:p>
@@ -4369,7 +4369,7 @@
           <a:p>
             <a:fld id="{E8171053-07BD-4A17-AC24-0A22EAA36098}" type="datetime1">
               <a:rPr lang="en-US" smtClean="0"/>
-              <a:t>12/5/2022</a:t>
+              <a:t>12/12/2022</a:t>
             </a:fld>
             <a:endParaRPr lang="en-US"/>
           </a:p>
@@ -9125,6 +9125,18 @@
   <p:clrMapOvr>
     <a:masterClrMapping/>
   </p:clrMapOvr>
+  <mc:AlternateContent xmlns:mc="http://schemas.openxmlformats.org/markup-compatibility/2006">
+    <mc:Choice xmlns:p14="http://schemas.microsoft.com/office/powerpoint/2010/main" Requires="p14">
+      <p:transition spd="slow" p14:dur="2000">
+        <p14:prism isContent="1"/>
+      </p:transition>
+    </mc:Choice>
+    <mc:Fallback>
+      <p:transition spd="slow">
+        <p:fade/>
+      </p:transition>
+    </mc:Fallback>
+  </mc:AlternateContent>
 </p:sld>
 </file>
 
@@ -26261,6 +26273,18 @@
   <p:clrMapOvr>
     <a:masterClrMapping/>
   </p:clrMapOvr>
+  <mc:AlternateContent xmlns:mc="http://schemas.openxmlformats.org/markup-compatibility/2006">
+    <mc:Choice xmlns:p14="http://schemas.microsoft.com/office/powerpoint/2010/main" Requires="p14">
+      <p:transition spd="slow" p14:dur="2000">
+        <p14:prism isContent="1"/>
+      </p:transition>
+    </mc:Choice>
+    <mc:Fallback>
+      <p:transition spd="slow">
+        <p:fade/>
+      </p:transition>
+    </mc:Fallback>
+  </mc:AlternateContent>
 </p:sld>
 </file>
 

--- a/lectures/01-Overview.pptx
+++ b/lectures/01-Overview.pptx
@@ -336,7 +336,7 @@
           <a:p>
             <a:fld id="{08BD4FA9-F3CE-45B3-A980-C331C6F1EF65}" type="datetimeFigureOut">
               <a:rPr lang="en-US" smtClean="0"/>
-              <a:t>12/12/2022</a:t>
+              <a:t>12/16/2022</a:t>
             </a:fld>
             <a:endParaRPr lang="en-US"/>
           </a:p>
@@ -501,7 +501,7 @@
           <a:p>
             <a:fld id="{AE868E6B-2B58-4827-9AA6-AB8949EE5698}" type="datetimeFigureOut">
               <a:rPr lang="en-US" smtClean="0"/>
-              <a:t>12/12/2022</a:t>
+              <a:t>12/16/2022</a:t>
             </a:fld>
             <a:endParaRPr lang="en-US"/>
           </a:p>
@@ -1936,7 +1936,7 @@
           <a:p>
             <a:fld id="{EAAD3657-2200-4D14-82C0-10C39B0F0F06}" type="datetime1">
               <a:rPr lang="en-US" smtClean="0"/>
-              <a:t>12/12/2022</a:t>
+              <a:t>12/16/2022</a:t>
             </a:fld>
             <a:endParaRPr lang="en-US"/>
           </a:p>
@@ -2104,7 +2104,7 @@
           <a:p>
             <a:fld id="{11BBAF55-A85E-4993-914E-FC1E5AA7DF24}" type="datetime1">
               <a:rPr lang="en-US" smtClean="0"/>
-              <a:t>12/12/2022</a:t>
+              <a:t>12/16/2022</a:t>
             </a:fld>
             <a:endParaRPr lang="en-US"/>
           </a:p>
@@ -2282,7 +2282,7 @@
           <a:p>
             <a:fld id="{39816E07-E1DB-44A4-A5E5-9F4B54E8C933}" type="datetime1">
               <a:rPr lang="en-US" smtClean="0"/>
-              <a:t>12/12/2022</a:t>
+              <a:t>12/16/2022</a:t>
             </a:fld>
             <a:endParaRPr lang="en-US"/>
           </a:p>
@@ -2467,7 +2467,7 @@
           <a:p>
             <a:fld id="{C2B1AD17-B813-4477-8AFE-B1860CC59113}" type="datetime1">
               <a:rPr lang="en-US" smtClean="0"/>
-              <a:t>12/12/2022</a:t>
+              <a:t>12/16/2022</a:t>
             </a:fld>
             <a:endParaRPr lang="en-US"/>
           </a:p>
@@ -2712,7 +2712,7 @@
           <a:p>
             <a:fld id="{D0975C0D-5C9E-48CC-8D31-F42D19FA8F7A}" type="datetime1">
               <a:rPr lang="en-US" smtClean="0"/>
-              <a:t>12/12/2022</a:t>
+              <a:t>12/16/2022</a:t>
             </a:fld>
             <a:endParaRPr lang="en-US"/>
           </a:p>
@@ -2997,7 +2997,7 @@
           <a:p>
             <a:fld id="{28657551-0F2B-4F09-86FD-F7994CE83DC5}" type="datetime1">
               <a:rPr lang="en-US" smtClean="0"/>
-              <a:t>12/12/2022</a:t>
+              <a:t>12/16/2022</a:t>
             </a:fld>
             <a:endParaRPr lang="en-US"/>
           </a:p>
@@ -3416,7 +3416,7 @@
           <a:p>
             <a:fld id="{3929D2B2-4200-46B9-96C3-02A55D5FAA00}" type="datetime1">
               <a:rPr lang="en-US" smtClean="0"/>
-              <a:t>12/12/2022</a:t>
+              <a:t>12/16/2022</a:t>
             </a:fld>
             <a:endParaRPr lang="en-US"/>
           </a:p>
@@ -3533,7 +3533,7 @@
           <a:p>
             <a:fld id="{41FF7722-74E8-497F-A072-89677A2C2373}" type="datetime1">
               <a:rPr lang="en-US" smtClean="0"/>
-              <a:t>12/12/2022</a:t>
+              <a:t>12/16/2022</a:t>
             </a:fld>
             <a:endParaRPr lang="en-US"/>
           </a:p>
@@ -3628,7 +3628,7 @@
           <a:p>
             <a:fld id="{BD26212E-B46B-426F-AE59-AA326827D9E0}" type="datetime1">
               <a:rPr lang="en-US" smtClean="0"/>
-              <a:t>12/12/2022</a:t>
+              <a:t>12/16/2022</a:t>
             </a:fld>
             <a:endParaRPr lang="en-US"/>
           </a:p>
@@ -3903,7 +3903,7 @@
           <a:p>
             <a:fld id="{FB9B81E8-09EA-4684-A39F-38DE1E49D20C}" type="datetime1">
               <a:rPr lang="en-US" smtClean="0"/>
-              <a:t>12/12/2022</a:t>
+              <a:t>12/16/2022</a:t>
             </a:fld>
             <a:endParaRPr lang="en-US"/>
           </a:p>
@@ -4155,7 +4155,7 @@
           <a:p>
             <a:fld id="{35C5CC5F-056C-4047-9A5C-9F5B4BED129B}" type="datetime1">
               <a:rPr lang="en-US" smtClean="0"/>
-              <a:t>12/12/2022</a:t>
+              <a:t>12/16/2022</a:t>
             </a:fld>
             <a:endParaRPr lang="en-US"/>
           </a:p>
@@ -4369,7 +4369,7 @@
           <a:p>
             <a:fld id="{E8171053-07BD-4A17-AC24-0A22EAA36098}" type="datetime1">
               <a:rPr lang="en-US" smtClean="0"/>
-              <a:t>12/12/2022</a:t>
+              <a:t>12/16/2022</a:t>
             </a:fld>
             <a:endParaRPr lang="en-US"/>
           </a:p>
@@ -8699,6 +8699,18 @@
   <p:clrMapOvr>
     <a:masterClrMapping/>
   </p:clrMapOvr>
+  <mc:AlternateContent xmlns:mc="http://schemas.openxmlformats.org/markup-compatibility/2006">
+    <mc:Choice xmlns:p14="http://schemas.microsoft.com/office/powerpoint/2010/main" Requires="p14">
+      <p:transition spd="slow" p14:dur="2000">
+        <p14:prism isContent="1"/>
+      </p:transition>
+    </mc:Choice>
+    <mc:Fallback>
+      <p:transition spd="slow">
+        <p:fade/>
+      </p:transition>
+    </mc:Fallback>
+  </mc:AlternateContent>
 </p:sld>
 </file>
 
@@ -9125,13 +9137,13 @@
   <p:clrMapOvr>
     <a:masterClrMapping/>
   </p:clrMapOvr>
-  <mc:AlternateContent xmlns:mc="http://schemas.openxmlformats.org/markup-compatibility/2006">
-    <mc:Choice xmlns:p14="http://schemas.microsoft.com/office/powerpoint/2010/main" Requires="p14">
+  <mc:AlternateContent xmlns:mc="http://schemas.openxmlformats.org/markup-compatibility/2006" xmlns:p14="http://schemas.microsoft.com/office/powerpoint/2010/main">
+    <mc:Choice Requires="p14">
       <p:transition spd="slow" p14:dur="2000">
         <p14:prism isContent="1"/>
       </p:transition>
     </mc:Choice>
-    <mc:Fallback>
+    <mc:Fallback xmlns="">
       <p:transition spd="slow">
         <p:fade/>
       </p:transition>
@@ -26273,13 +26285,13 @@
   <p:clrMapOvr>
     <a:masterClrMapping/>
   </p:clrMapOvr>
-  <mc:AlternateContent xmlns:mc="http://schemas.openxmlformats.org/markup-compatibility/2006">
-    <mc:Choice xmlns:p14="http://schemas.microsoft.com/office/powerpoint/2010/main" Requires="p14">
+  <mc:AlternateContent xmlns:mc="http://schemas.openxmlformats.org/markup-compatibility/2006" xmlns:p14="http://schemas.microsoft.com/office/powerpoint/2010/main">
+    <mc:Choice Requires="p14">
       <p:transition spd="slow" p14:dur="2000">
         <p14:prism isContent="1"/>
       </p:transition>
     </mc:Choice>
-    <mc:Fallback>
+    <mc:Fallback xmlns="">
       <p:transition spd="slow">
         <p:fade/>
       </p:transition>

--- a/lectures/01-Overview.pptx
+++ b/lectures/01-Overview.pptx
@@ -5,10 +5,10 @@
     <p:sldMasterId id="2147483660" r:id="rId1"/>
   </p:sldMasterIdLst>
   <p:notesMasterIdLst>
-    <p:notesMasterId r:id="rId59"/>
+    <p:notesMasterId r:id="rId57"/>
   </p:notesMasterIdLst>
   <p:handoutMasterIdLst>
-    <p:handoutMasterId r:id="rId60"/>
+    <p:handoutMasterId r:id="rId58"/>
   </p:handoutMasterIdLst>
   <p:sldIdLst>
     <p:sldId id="256" r:id="rId2"/>
@@ -19,55 +19,53 @@
     <p:sldId id="260" r:id="rId7"/>
     <p:sldId id="338" r:id="rId8"/>
     <p:sldId id="268" r:id="rId9"/>
-    <p:sldId id="359" r:id="rId10"/>
-    <p:sldId id="261" r:id="rId11"/>
-    <p:sldId id="262" r:id="rId12"/>
-    <p:sldId id="263" r:id="rId13"/>
-    <p:sldId id="264" r:id="rId14"/>
-    <p:sldId id="265" r:id="rId15"/>
-    <p:sldId id="266" r:id="rId16"/>
-    <p:sldId id="267" r:id="rId17"/>
-    <p:sldId id="269" r:id="rId18"/>
-    <p:sldId id="270" r:id="rId19"/>
-    <p:sldId id="271" r:id="rId20"/>
-    <p:sldId id="272" r:id="rId21"/>
-    <p:sldId id="340" r:id="rId22"/>
-    <p:sldId id="273" r:id="rId23"/>
-    <p:sldId id="274" r:id="rId24"/>
-    <p:sldId id="275" r:id="rId25"/>
-    <p:sldId id="276" r:id="rId26"/>
-    <p:sldId id="281" r:id="rId27"/>
-    <p:sldId id="335" r:id="rId28"/>
-    <p:sldId id="277" r:id="rId29"/>
-    <p:sldId id="278" r:id="rId30"/>
-    <p:sldId id="279" r:id="rId31"/>
-    <p:sldId id="280" r:id="rId32"/>
-    <p:sldId id="282" r:id="rId33"/>
-    <p:sldId id="341" r:id="rId34"/>
-    <p:sldId id="342" r:id="rId35"/>
-    <p:sldId id="343" r:id="rId36"/>
-    <p:sldId id="355" r:id="rId37"/>
-    <p:sldId id="344" r:id="rId38"/>
-    <p:sldId id="283" r:id="rId39"/>
-    <p:sldId id="286" r:id="rId40"/>
-    <p:sldId id="345" r:id="rId41"/>
-    <p:sldId id="284" r:id="rId42"/>
-    <p:sldId id="285" r:id="rId43"/>
-    <p:sldId id="288" r:id="rId44"/>
-    <p:sldId id="290" r:id="rId45"/>
-    <p:sldId id="337" r:id="rId46"/>
-    <p:sldId id="361" r:id="rId47"/>
-    <p:sldId id="332" r:id="rId48"/>
-    <p:sldId id="333" r:id="rId49"/>
-    <p:sldId id="334" r:id="rId50"/>
-    <p:sldId id="325" r:id="rId51"/>
-    <p:sldId id="318" r:id="rId52"/>
-    <p:sldId id="319" r:id="rId53"/>
-    <p:sldId id="324" r:id="rId54"/>
-    <p:sldId id="357" r:id="rId55"/>
-    <p:sldId id="336" r:id="rId56"/>
-    <p:sldId id="358" r:id="rId57"/>
-    <p:sldId id="339" r:id="rId58"/>
+    <p:sldId id="261" r:id="rId10"/>
+    <p:sldId id="262" r:id="rId11"/>
+    <p:sldId id="263" r:id="rId12"/>
+    <p:sldId id="264" r:id="rId13"/>
+    <p:sldId id="265" r:id="rId14"/>
+    <p:sldId id="266" r:id="rId15"/>
+    <p:sldId id="267" r:id="rId16"/>
+    <p:sldId id="269" r:id="rId17"/>
+    <p:sldId id="270" r:id="rId18"/>
+    <p:sldId id="271" r:id="rId19"/>
+    <p:sldId id="272" r:id="rId20"/>
+    <p:sldId id="340" r:id="rId21"/>
+    <p:sldId id="273" r:id="rId22"/>
+    <p:sldId id="274" r:id="rId23"/>
+    <p:sldId id="275" r:id="rId24"/>
+    <p:sldId id="276" r:id="rId25"/>
+    <p:sldId id="281" r:id="rId26"/>
+    <p:sldId id="335" r:id="rId27"/>
+    <p:sldId id="277" r:id="rId28"/>
+    <p:sldId id="278" r:id="rId29"/>
+    <p:sldId id="279" r:id="rId30"/>
+    <p:sldId id="280" r:id="rId31"/>
+    <p:sldId id="282" r:id="rId32"/>
+    <p:sldId id="341" r:id="rId33"/>
+    <p:sldId id="342" r:id="rId34"/>
+    <p:sldId id="343" r:id="rId35"/>
+    <p:sldId id="355" r:id="rId36"/>
+    <p:sldId id="344" r:id="rId37"/>
+    <p:sldId id="283" r:id="rId38"/>
+    <p:sldId id="286" r:id="rId39"/>
+    <p:sldId id="345" r:id="rId40"/>
+    <p:sldId id="284" r:id="rId41"/>
+    <p:sldId id="285" r:id="rId42"/>
+    <p:sldId id="288" r:id="rId43"/>
+    <p:sldId id="290" r:id="rId44"/>
+    <p:sldId id="337" r:id="rId45"/>
+    <p:sldId id="332" r:id="rId46"/>
+    <p:sldId id="333" r:id="rId47"/>
+    <p:sldId id="334" r:id="rId48"/>
+    <p:sldId id="325" r:id="rId49"/>
+    <p:sldId id="318" r:id="rId50"/>
+    <p:sldId id="319" r:id="rId51"/>
+    <p:sldId id="324" r:id="rId52"/>
+    <p:sldId id="357" r:id="rId53"/>
+    <p:sldId id="336" r:id="rId54"/>
+    <p:sldId id="358" r:id="rId55"/>
+    <p:sldId id="339" r:id="rId56"/>
   </p:sldIdLst>
   <p:sldSz cx="9144000" cy="6858000" type="screen4x3"/>
   <p:notesSz cx="6858000" cy="9144000"/>
@@ -187,7 +185,6 @@
         </p14:section>
         <p14:section name="What is" id="{3D6C153D-3321-4390-B79E-5CE0E6971929}">
           <p14:sldIdLst>
-            <p14:sldId id="359"/>
             <p14:sldId id="261"/>
             <p14:sldId id="262"/>
             <p14:sldId id="263"/>
@@ -232,7 +229,6 @@
             <p14:sldId id="288"/>
             <p14:sldId id="290"/>
             <p14:sldId id="337"/>
-            <p14:sldId id="361"/>
             <p14:sldId id="332"/>
             <p14:sldId id="333"/>
             <p14:sldId id="334"/>
@@ -362,7 +358,7 @@
           <a:p>
             <a:fld id="{08BD4FA9-F3CE-45B3-A980-C331C6F1EF65}" type="datetimeFigureOut">
               <a:rPr lang="en-US" smtClean="0"/>
-              <a:t>1/2/2023</a:t>
+              <a:t>12/31/2022</a:t>
             </a:fld>
             <a:endParaRPr lang="en-US"/>
           </a:p>
@@ -527,7 +523,7 @@
           <a:p>
             <a:fld id="{AE868E6B-2B58-4827-9AA6-AB8949EE5698}" type="datetimeFigureOut">
               <a:rPr lang="en-US" smtClean="0"/>
-              <a:t>1/2/2023</a:t>
+              <a:t>12/31/2022</a:t>
             </a:fld>
             <a:endParaRPr lang="en-US"/>
           </a:p>
@@ -952,7 +948,7 @@
                   <a:spcPct val="0"/>
                 </a:spcBef>
               </a:pPr>
-              <a:t>47</a:t>
+              <a:t>45</a:t>
             </a:fld>
             <a:endParaRPr lang="en-US" altLang="en-US"/>
           </a:p>
@@ -1160,7 +1156,7 @@
                   <a:spcPct val="0"/>
                 </a:spcBef>
               </a:pPr>
-              <a:t>48</a:t>
+              <a:t>46</a:t>
             </a:fld>
             <a:endParaRPr lang="en-US" altLang="en-US"/>
           </a:p>
@@ -1368,7 +1364,7 @@
                   <a:spcPct val="0"/>
                 </a:spcBef>
               </a:pPr>
-              <a:t>49</a:t>
+              <a:t>47</a:t>
             </a:fld>
             <a:endParaRPr lang="en-US" altLang="en-US"/>
           </a:p>
@@ -1501,7 +1497,7 @@
           <a:p>
             <a:fld id="{33E20828-1A1A-4225-BE3A-F8540A5E6146}" type="slidenum">
               <a:rPr lang="en-US" smtClean="0"/>
-              <a:t>50</a:t>
+              <a:t>48</a:t>
             </a:fld>
             <a:endParaRPr lang="en-US"/>
           </a:p>
@@ -1585,7 +1581,7 @@
           <a:p>
             <a:fld id="{33E20828-1A1A-4225-BE3A-F8540A5E6146}" type="slidenum">
               <a:rPr lang="en-US" smtClean="0"/>
-              <a:t>51</a:t>
+              <a:t>49</a:t>
             </a:fld>
             <a:endParaRPr lang="en-US"/>
           </a:p>
@@ -1669,7 +1665,7 @@
           <a:p>
             <a:fld id="{33E20828-1A1A-4225-BE3A-F8540A5E6146}" type="slidenum">
               <a:rPr lang="en-US" smtClean="0"/>
-              <a:t>52</a:t>
+              <a:t>50</a:t>
             </a:fld>
             <a:endParaRPr lang="en-US"/>
           </a:p>
@@ -1753,7 +1749,7 @@
           <a:p>
             <a:fld id="{33E20828-1A1A-4225-BE3A-F8540A5E6146}" type="slidenum">
               <a:rPr lang="en-US" smtClean="0"/>
-              <a:t>53</a:t>
+              <a:t>51</a:t>
             </a:fld>
             <a:endParaRPr lang="en-US"/>
           </a:p>
@@ -1962,7 +1958,7 @@
           <a:p>
             <a:fld id="{EAAD3657-2200-4D14-82C0-10C39B0F0F06}" type="datetime1">
               <a:rPr lang="en-US" smtClean="0"/>
-              <a:t>1/2/2023</a:t>
+              <a:t>12/31/2022</a:t>
             </a:fld>
             <a:endParaRPr lang="en-US"/>
           </a:p>
@@ -2130,7 +2126,7 @@
           <a:p>
             <a:fld id="{11BBAF55-A85E-4993-914E-FC1E5AA7DF24}" type="datetime1">
               <a:rPr lang="en-US" smtClean="0"/>
-              <a:t>1/2/2023</a:t>
+              <a:t>12/31/2022</a:t>
             </a:fld>
             <a:endParaRPr lang="en-US"/>
           </a:p>
@@ -2308,7 +2304,7 @@
           <a:p>
             <a:fld id="{39816E07-E1DB-44A4-A5E5-9F4B54E8C933}" type="datetime1">
               <a:rPr lang="en-US" smtClean="0"/>
-              <a:t>1/2/2023</a:t>
+              <a:t>12/31/2022</a:t>
             </a:fld>
             <a:endParaRPr lang="en-US"/>
           </a:p>
@@ -2493,7 +2489,7 @@
           <a:p>
             <a:fld id="{C2B1AD17-B813-4477-8AFE-B1860CC59113}" type="datetime1">
               <a:rPr lang="en-US" smtClean="0"/>
-              <a:t>1/2/2023</a:t>
+              <a:t>12/31/2022</a:t>
             </a:fld>
             <a:endParaRPr lang="en-US"/>
           </a:p>
@@ -2738,7 +2734,7 @@
           <a:p>
             <a:fld id="{D0975C0D-5C9E-48CC-8D31-F42D19FA8F7A}" type="datetime1">
               <a:rPr lang="en-US" smtClean="0"/>
-              <a:t>1/2/2023</a:t>
+              <a:t>12/31/2022</a:t>
             </a:fld>
             <a:endParaRPr lang="en-US"/>
           </a:p>
@@ -3023,7 +3019,7 @@
           <a:p>
             <a:fld id="{28657551-0F2B-4F09-86FD-F7994CE83DC5}" type="datetime1">
               <a:rPr lang="en-US" smtClean="0"/>
-              <a:t>1/2/2023</a:t>
+              <a:t>12/31/2022</a:t>
             </a:fld>
             <a:endParaRPr lang="en-US"/>
           </a:p>
@@ -3442,7 +3438,7 @@
           <a:p>
             <a:fld id="{3929D2B2-4200-46B9-96C3-02A55D5FAA00}" type="datetime1">
               <a:rPr lang="en-US" smtClean="0"/>
-              <a:t>1/2/2023</a:t>
+              <a:t>12/31/2022</a:t>
             </a:fld>
             <a:endParaRPr lang="en-US"/>
           </a:p>
@@ -3559,7 +3555,7 @@
           <a:p>
             <a:fld id="{41FF7722-74E8-497F-A072-89677A2C2373}" type="datetime1">
               <a:rPr lang="en-US" smtClean="0"/>
-              <a:t>1/2/2023</a:t>
+              <a:t>12/31/2022</a:t>
             </a:fld>
             <a:endParaRPr lang="en-US"/>
           </a:p>
@@ -3654,7 +3650,7 @@
           <a:p>
             <a:fld id="{BD26212E-B46B-426F-AE59-AA326827D9E0}" type="datetime1">
               <a:rPr lang="en-US" smtClean="0"/>
-              <a:t>1/2/2023</a:t>
+              <a:t>12/31/2022</a:t>
             </a:fld>
             <a:endParaRPr lang="en-US"/>
           </a:p>
@@ -3929,7 +3925,7 @@
           <a:p>
             <a:fld id="{FB9B81E8-09EA-4684-A39F-38DE1E49D20C}" type="datetime1">
               <a:rPr lang="en-US" smtClean="0"/>
-              <a:t>1/2/2023</a:t>
+              <a:t>12/31/2022</a:t>
             </a:fld>
             <a:endParaRPr lang="en-US"/>
           </a:p>
@@ -4181,7 +4177,7 @@
           <a:p>
             <a:fld id="{35C5CC5F-056C-4047-9A5C-9F5B4BED129B}" type="datetime1">
               <a:rPr lang="en-US" smtClean="0"/>
-              <a:t>1/2/2023</a:t>
+              <a:t>12/31/2022</a:t>
             </a:fld>
             <a:endParaRPr lang="en-US"/>
           </a:p>
@@ -4395,7 +4391,7 @@
           <a:p>
             <a:fld id="{E8171053-07BD-4A17-AC24-0A22EAA36098}" type="datetime1">
               <a:rPr lang="en-US" smtClean="0"/>
-              <a:t>1/2/2023</a:t>
+              <a:t>12/31/2022</a:t>
             </a:fld>
             <a:endParaRPr lang="en-US"/>
           </a:p>
@@ -5034,238 +5030,6 @@
           <p:cNvPr id="2" name="Title 1">
             <a:extLst>
               <a:ext uri="{FF2B5EF4-FFF2-40B4-BE49-F238E27FC236}">
-                <a16:creationId xmlns:a16="http://schemas.microsoft.com/office/drawing/2014/main" id="{D7D457C1-C4F3-4D51-8F6C-90FD0E5AA094}"/>
-              </a:ext>
-            </a:extLst>
-          </p:cNvPr>
-          <p:cNvSpPr>
-            <a:spLocks noGrp="1"/>
-          </p:cNvSpPr>
-          <p:nvPr>
-            <p:ph type="title"/>
-          </p:nvPr>
-        </p:nvSpPr>
-        <p:spPr/>
-        <p:txBody>
-          <a:bodyPr>
-            <a:normAutofit fontScale="90000"/>
-          </a:bodyPr>
-          <a:lstStyle/>
-          <a:p>
-            <a:r>
-              <a:rPr lang="en-US" dirty="0"/>
-              <a:t>What is categorical data?</a:t>
-            </a:r>
-          </a:p>
-        </p:txBody>
-      </p:sp>
-      <p:sp>
-        <p:nvSpPr>
-          <p:cNvPr id="3" name="Slide Number Placeholder 2">
-            <a:extLst>
-              <a:ext uri="{FF2B5EF4-FFF2-40B4-BE49-F238E27FC236}">
-                <a16:creationId xmlns:a16="http://schemas.microsoft.com/office/drawing/2014/main" id="{822F5FE0-E7BF-4EC6-86DF-AF52E2ABC86B}"/>
-              </a:ext>
-            </a:extLst>
-          </p:cNvPr>
-          <p:cNvSpPr>
-            <a:spLocks noGrp="1"/>
-          </p:cNvSpPr>
-          <p:nvPr>
-            <p:ph type="sldNum" sz="quarter" idx="12"/>
-          </p:nvPr>
-        </p:nvSpPr>
-        <p:spPr/>
-        <p:txBody>
-          <a:bodyPr/>
-          <a:lstStyle/>
-          <a:p>
-            <a:fld id="{621225AB-15B9-4C79-A121-04D1DC7E2307}" type="slidenum">
-              <a:rPr lang="en-US" smtClean="0"/>
-              <a:t>10</a:t>
-            </a:fld>
-            <a:endParaRPr lang="en-US"/>
-          </a:p>
-        </p:txBody>
-      </p:sp>
-      <p:pic>
-        <p:nvPicPr>
-          <p:cNvPr id="4" name="Picture 3">
-            <a:extLst>
-              <a:ext uri="{FF2B5EF4-FFF2-40B4-BE49-F238E27FC236}">
-                <a16:creationId xmlns:a16="http://schemas.microsoft.com/office/drawing/2014/main" id="{E496DE98-2AB7-448F-B5DB-BCB8B9447B66}"/>
-              </a:ext>
-            </a:extLst>
-          </p:cNvPr>
-          <p:cNvPicPr>
-            <a:picLocks noChangeAspect="1"/>
-          </p:cNvPicPr>
-          <p:nvPr/>
-        </p:nvPicPr>
-        <p:blipFill>
-          <a:blip r:embed="rId2"/>
-          <a:stretch>
-            <a:fillRect/>
-          </a:stretch>
-        </p:blipFill>
-        <p:spPr>
-          <a:xfrm>
-            <a:off x="457200" y="1371600"/>
-            <a:ext cx="8142857" cy="2933333"/>
-          </a:xfrm>
-          <a:prstGeom prst="rect">
-            <a:avLst/>
-          </a:prstGeom>
-        </p:spPr>
-      </p:pic>
-      <p:sp>
-        <p:nvSpPr>
-          <p:cNvPr id="5" name="TextBox 4">
-            <a:extLst>
-              <a:ext uri="{FF2B5EF4-FFF2-40B4-BE49-F238E27FC236}">
-                <a16:creationId xmlns:a16="http://schemas.microsoft.com/office/drawing/2014/main" id="{DB08D334-2823-4AFD-AF3C-B20205C5DD78}"/>
-              </a:ext>
-            </a:extLst>
-          </p:cNvPr>
-          <p:cNvSpPr txBox="1"/>
-          <p:nvPr/>
-        </p:nvSpPr>
-        <p:spPr>
-          <a:xfrm>
-            <a:off x="457200" y="4648200"/>
-            <a:ext cx="8001000" cy="1200329"/>
-          </a:xfrm>
-          <a:prstGeom prst="rect">
-            <a:avLst/>
-          </a:prstGeom>
-          <a:noFill/>
-        </p:spPr>
-        <p:txBody>
-          <a:bodyPr wrap="square" rtlCol="0">
-            <a:spAutoFit/>
-          </a:bodyPr>
-          <a:lstStyle/>
-          <a:p>
-            <a:r>
-              <a:rPr lang="en-US" dirty="0"/>
-              <a:t>Questions:</a:t>
-            </a:r>
-          </a:p>
-          <a:p>
-            <a:pPr marL="285750" indent="-285750">
-              <a:buFont typeface="Arial" panose="020B0604020202020204" pitchFamily="34" charset="0"/>
-              <a:buChar char="•"/>
-            </a:pPr>
-            <a:r>
-              <a:rPr lang="en-US" dirty="0"/>
-              <a:t>Which of these are </a:t>
-            </a:r>
-            <a:r>
-              <a:rPr lang="en-US" dirty="0">
-                <a:solidFill>
-                  <a:srgbClr val="0070C0"/>
-                </a:solidFill>
-              </a:rPr>
-              <a:t>ordered</a:t>
-            </a:r>
-            <a:r>
-              <a:rPr lang="en-US" dirty="0"/>
-              <a:t> (ordinal)?</a:t>
-            </a:r>
-          </a:p>
-          <a:p>
-            <a:pPr marL="285750" indent="-285750">
-              <a:buFont typeface="Arial" panose="020B0604020202020204" pitchFamily="34" charset="0"/>
-              <a:buChar char="•"/>
-            </a:pPr>
-            <a:r>
-              <a:rPr lang="en-US" dirty="0"/>
-              <a:t>Which could be treated as </a:t>
-            </a:r>
-            <a:r>
-              <a:rPr lang="en-US" dirty="0">
-                <a:solidFill>
-                  <a:srgbClr val="0070C0"/>
-                </a:solidFill>
-              </a:rPr>
-              <a:t>numeric</a:t>
-            </a:r>
-            <a:r>
-              <a:rPr lang="en-US" dirty="0"/>
-              <a:t>? How?</a:t>
-            </a:r>
-          </a:p>
-          <a:p>
-            <a:pPr marL="285750" indent="-285750">
-              <a:buFont typeface="Arial" panose="020B0604020202020204" pitchFamily="34" charset="0"/>
-              <a:buChar char="•"/>
-            </a:pPr>
-            <a:r>
-              <a:rPr lang="en-US" dirty="0"/>
-              <a:t>Which have </a:t>
-            </a:r>
-            <a:r>
-              <a:rPr lang="en-US" dirty="0">
-                <a:solidFill>
-                  <a:srgbClr val="0070C0"/>
-                </a:solidFill>
-              </a:rPr>
-              <a:t>missing categories</a:t>
-            </a:r>
-            <a:r>
-              <a:rPr lang="en-US" dirty="0"/>
-              <a:t>, sometimes ignored, or treated as “Other”</a:t>
-            </a:r>
-          </a:p>
-        </p:txBody>
-      </p:sp>
-    </p:spTree>
-    <p:extLst>
-      <p:ext uri="{BB962C8B-B14F-4D97-AF65-F5344CB8AC3E}">
-        <p14:creationId xmlns:p14="http://schemas.microsoft.com/office/powerpoint/2010/main" val="908899151"/>
-      </p:ext>
-    </p:extLst>
-  </p:cSld>
-  <p:clrMapOvr>
-    <a:masterClrMapping/>
-  </p:clrMapOvr>
-  <mc:AlternateContent xmlns:mc="http://schemas.openxmlformats.org/markup-compatibility/2006" xmlns:p14="http://schemas.microsoft.com/office/powerpoint/2010/main">
-    <mc:Choice Requires="p14">
-      <p:transition spd="slow" p14:dur="2000">
-        <p14:prism isContent="1"/>
-      </p:transition>
-    </mc:Choice>
-    <mc:Fallback xmlns="">
-      <p:transition spd="slow">
-        <p:fade/>
-      </p:transition>
-    </mc:Fallback>
-  </mc:AlternateContent>
-</p:sld>
-</file>
-
-<file path=ppt/slides/slide11.xml><?xml version="1.0" encoding="utf-8"?>
-<p:sld xmlns:a="http://schemas.openxmlformats.org/drawingml/2006/main" xmlns:r="http://schemas.openxmlformats.org/officeDocument/2006/relationships" xmlns:p="http://schemas.openxmlformats.org/presentationml/2006/main">
-  <p:cSld>
-    <p:spTree>
-      <p:nvGrpSpPr>
-        <p:cNvPr id="1" name=""/>
-        <p:cNvGrpSpPr/>
-        <p:nvPr/>
-      </p:nvGrpSpPr>
-      <p:grpSpPr>
-        <a:xfrm>
-          <a:off x="0" y="0"/>
-          <a:ext cx="0" cy="0"/>
-          <a:chOff x="0" y="0"/>
-          <a:chExt cx="0" cy="0"/>
-        </a:xfrm>
-      </p:grpSpPr>
-      <p:sp>
-        <p:nvSpPr>
-          <p:cNvPr id="2" name="Title 1">
-            <a:extLst>
-              <a:ext uri="{FF2B5EF4-FFF2-40B4-BE49-F238E27FC236}">
                 <a16:creationId xmlns:a16="http://schemas.microsoft.com/office/drawing/2014/main" id="{C2A1FFA9-EBC1-48F8-9DC2-A24540941B55}"/>
               </a:ext>
             </a:extLst>
@@ -5532,7 +5296,7 @@
           <a:p>
             <a:fld id="{621225AB-15B9-4C79-A121-04D1DC7E2307}" type="slidenum">
               <a:rPr lang="en-US" smtClean="0"/>
-              <a:t>11</a:t>
+              <a:t>10</a:t>
             </a:fld>
             <a:endParaRPr lang="en-US"/>
           </a:p>
@@ -6473,7 +6237,7 @@
 </p:sld>
 </file>
 
-<file path=ppt/slides/slide12.xml><?xml version="1.0" encoding="utf-8"?>
+<file path=ppt/slides/slide11.xml><?xml version="1.0" encoding="utf-8"?>
 <p:sld xmlns:a="http://schemas.openxmlformats.org/drawingml/2006/main" xmlns:r="http://schemas.openxmlformats.org/officeDocument/2006/relationships" xmlns:p="http://schemas.openxmlformats.org/presentationml/2006/main">
   <p:cSld>
     <p:bg>
@@ -6615,7 +6379,7 @@
           <a:p>
             <a:fld id="{621225AB-15B9-4C79-A121-04D1DC7E2307}" type="slidenum">
               <a:rPr lang="en-US" smtClean="0"/>
-              <a:t>12</a:t>
+              <a:t>11</a:t>
             </a:fld>
             <a:endParaRPr lang="en-US"/>
           </a:p>
@@ -7460,7 +7224,7 @@
 </p:sld>
 </file>
 
-<file path=ppt/slides/slide13.xml><?xml version="1.0" encoding="utf-8"?>
+<file path=ppt/slides/slide12.xml><?xml version="1.0" encoding="utf-8"?>
 <p:sld xmlns:a="http://schemas.openxmlformats.org/drawingml/2006/main" xmlns:r="http://schemas.openxmlformats.org/officeDocument/2006/relationships" xmlns:p="http://schemas.openxmlformats.org/presentationml/2006/main">
   <p:cSld>
     <p:spTree>
@@ -7565,7 +7329,7 @@
           <a:p>
             <a:fld id="{621225AB-15B9-4C79-A121-04D1DC7E2307}" type="slidenum">
               <a:rPr lang="en-US" smtClean="0"/>
-              <a:t>13</a:t>
+              <a:t>12</a:t>
             </a:fld>
             <a:endParaRPr lang="en-US"/>
           </a:p>
@@ -7691,7 +7455,7 @@
 </p:sld>
 </file>
 
-<file path=ppt/slides/slide14.xml><?xml version="1.0" encoding="utf-8"?>
+<file path=ppt/slides/slide13.xml><?xml version="1.0" encoding="utf-8"?>
 <p:sld xmlns:a="http://schemas.openxmlformats.org/drawingml/2006/main" xmlns:r="http://schemas.openxmlformats.org/officeDocument/2006/relationships" xmlns:p="http://schemas.openxmlformats.org/presentationml/2006/main">
   <p:cSld>
     <p:spTree>
@@ -7811,7 +7575,7 @@
           <a:p>
             <a:fld id="{621225AB-15B9-4C79-A121-04D1DC7E2307}" type="slidenum">
               <a:rPr lang="en-US" smtClean="0"/>
-              <a:t>14</a:t>
+              <a:t>13</a:t>
             </a:fld>
             <a:endParaRPr lang="en-US"/>
           </a:p>
@@ -8035,7 +7799,7 @@
 </p:sld>
 </file>
 
-<file path=ppt/slides/slide15.xml><?xml version="1.0" encoding="utf-8"?>
+<file path=ppt/slides/slide14.xml><?xml version="1.0" encoding="utf-8"?>
 <p:sld xmlns:a="http://schemas.openxmlformats.org/drawingml/2006/main" xmlns:r="http://schemas.openxmlformats.org/officeDocument/2006/relationships" xmlns:p="http://schemas.openxmlformats.org/presentationml/2006/main">
   <p:cSld>
     <p:spTree>
@@ -8175,7 +7939,7 @@
           <a:p>
             <a:fld id="{621225AB-15B9-4C79-A121-04D1DC7E2307}" type="slidenum">
               <a:rPr lang="en-US" smtClean="0"/>
-              <a:t>15</a:t>
+              <a:t>14</a:t>
             </a:fld>
             <a:endParaRPr lang="en-US"/>
           </a:p>
@@ -8544,7 +8308,7 @@
 </p:sld>
 </file>
 
-<file path=ppt/slides/slide16.xml><?xml version="1.0" encoding="utf-8"?>
+<file path=ppt/slides/slide15.xml><?xml version="1.0" encoding="utf-8"?>
 <p:sld xmlns:a="http://schemas.openxmlformats.org/drawingml/2006/main" xmlns:r="http://schemas.openxmlformats.org/officeDocument/2006/relationships" xmlns:p="http://schemas.openxmlformats.org/presentationml/2006/main">
   <p:cSld>
     <p:spTree>
@@ -8614,7 +8378,7 @@
           <a:p>
             <a:fld id="{621225AB-15B9-4C79-A121-04D1DC7E2307}" type="slidenum">
               <a:rPr lang="en-US" smtClean="0"/>
-              <a:t>16</a:t>
+              <a:t>15</a:t>
             </a:fld>
             <a:endParaRPr lang="en-US"/>
           </a:p>
@@ -8663,7 +8427,7 @@
 </p:sld>
 </file>
 
-<file path=ppt/slides/slide17.xml><?xml version="1.0" encoding="utf-8"?>
+<file path=ppt/slides/slide16.xml><?xml version="1.0" encoding="utf-8"?>
 <p:sld xmlns:a="http://schemas.openxmlformats.org/drawingml/2006/main" xmlns:r="http://schemas.openxmlformats.org/officeDocument/2006/relationships" xmlns:p="http://schemas.openxmlformats.org/presentationml/2006/main">
   <p:cSld>
     <p:spTree>
@@ -8745,7 +8509,7 @@
           <a:p>
             <a:fld id="{621225AB-15B9-4C79-A121-04D1DC7E2307}" type="slidenum">
               <a:rPr lang="en-US" smtClean="0"/>
-              <a:t>17</a:t>
+              <a:t>16</a:t>
             </a:fld>
             <a:endParaRPr lang="en-US"/>
           </a:p>
@@ -9191,7 +8955,7 @@
 </p:sld>
 </file>
 
-<file path=ppt/slides/slide18.xml><?xml version="1.0" encoding="utf-8"?>
+<file path=ppt/slides/slide17.xml><?xml version="1.0" encoding="utf-8"?>
 <p:sld xmlns:a="http://schemas.openxmlformats.org/drawingml/2006/main" xmlns:r="http://schemas.openxmlformats.org/officeDocument/2006/relationships" xmlns:p="http://schemas.openxmlformats.org/presentationml/2006/main">
   <p:cSld>
     <p:spTree>
@@ -9380,7 +9144,7 @@
           <a:p>
             <a:fld id="{621225AB-15B9-4C79-A121-04D1DC7E2307}" type="slidenum">
               <a:rPr lang="en-US" smtClean="0"/>
-              <a:t>18</a:t>
+              <a:t>17</a:t>
             </a:fld>
             <a:endParaRPr lang="en-US" dirty="0"/>
           </a:p>
@@ -9582,7 +9346,7 @@
 </p:sld>
 </file>
 
-<file path=ppt/slides/slide19.xml><?xml version="1.0" encoding="utf-8"?>
+<file path=ppt/slides/slide18.xml><?xml version="1.0" encoding="utf-8"?>
 <p:sld xmlns:a="http://schemas.openxmlformats.org/drawingml/2006/main" xmlns:r="http://schemas.openxmlformats.org/officeDocument/2006/relationships" xmlns:p="http://schemas.openxmlformats.org/presentationml/2006/main">
   <p:cSld>
     <p:spTree>
@@ -9695,7 +9459,7 @@
           <a:p>
             <a:fld id="{621225AB-15B9-4C79-A121-04D1DC7E2307}" type="slidenum">
               <a:rPr lang="en-US" smtClean="0"/>
-              <a:t>19</a:t>
+              <a:t>18</a:t>
             </a:fld>
             <a:endParaRPr lang="en-US"/>
           </a:p>
@@ -10070,6 +9834,660 @@
     <p:extLst>
       <p:ext uri="{BB962C8B-B14F-4D97-AF65-F5344CB8AC3E}">
         <p14:creationId xmlns:p14="http://schemas.microsoft.com/office/powerpoint/2010/main" val="3254585509"/>
+      </p:ext>
+    </p:extLst>
+  </p:cSld>
+  <p:clrMapOvr>
+    <a:masterClrMapping/>
+  </p:clrMapOvr>
+</p:sld>
+</file>
+
+<file path=ppt/slides/slide19.xml><?xml version="1.0" encoding="utf-8"?>
+<p:sld xmlns:a="http://schemas.openxmlformats.org/drawingml/2006/main" xmlns:r="http://schemas.openxmlformats.org/officeDocument/2006/relationships" xmlns:p="http://schemas.openxmlformats.org/presentationml/2006/main">
+  <p:cSld>
+    <p:spTree>
+      <p:nvGrpSpPr>
+        <p:cNvPr id="1" name=""/>
+        <p:cNvGrpSpPr/>
+        <p:nvPr/>
+      </p:nvGrpSpPr>
+      <p:grpSpPr>
+        <a:xfrm>
+          <a:off x="0" y="0"/>
+          <a:ext cx="0" cy="0"/>
+          <a:chOff x="0" y="0"/>
+          <a:chExt cx="0" cy="0"/>
+        </a:xfrm>
+      </p:grpSpPr>
+      <p:sp>
+        <p:nvSpPr>
+          <p:cNvPr id="2" name="Title 1">
+            <a:extLst>
+              <a:ext uri="{FF2B5EF4-FFF2-40B4-BE49-F238E27FC236}">
+                <a16:creationId xmlns:a16="http://schemas.microsoft.com/office/drawing/2014/main" id="{D5CFFAEB-EB1A-4A7B-A407-829DA81E12B7}"/>
+              </a:ext>
+            </a:extLst>
+          </p:cNvPr>
+          <p:cNvSpPr>
+            <a:spLocks noGrp="1"/>
+          </p:cNvSpPr>
+          <p:nvPr>
+            <p:ph type="title"/>
+          </p:nvPr>
+        </p:nvSpPr>
+        <p:spPr/>
+        <p:txBody>
+          <a:bodyPr>
+            <a:normAutofit fontScale="90000"/>
+          </a:bodyPr>
+          <a:lstStyle/>
+          <a:p>
+            <a:r>
+              <a:rPr lang="en-US" dirty="0"/>
+              <a:t>Datasets: case form</a:t>
+            </a:r>
+          </a:p>
+        </p:txBody>
+      </p:sp>
+      <p:sp>
+        <p:nvSpPr>
+          <p:cNvPr id="3" name="Content Placeholder 2">
+            <a:extLst>
+              <a:ext uri="{FF2B5EF4-FFF2-40B4-BE49-F238E27FC236}">
+                <a16:creationId xmlns:a16="http://schemas.microsoft.com/office/drawing/2014/main" id="{13B18C91-C7D5-4795-8742-59A3FEA87A02}"/>
+              </a:ext>
+            </a:extLst>
+          </p:cNvPr>
+          <p:cNvSpPr>
+            <a:spLocks noGrp="1"/>
+          </p:cNvSpPr>
+          <p:nvPr>
+            <p:ph idx="1"/>
+          </p:nvPr>
+        </p:nvSpPr>
+        <p:spPr>
+          <a:xfrm>
+            <a:off x="457200" y="1143000"/>
+            <a:ext cx="8229600" cy="609600"/>
+          </a:xfrm>
+        </p:spPr>
+        <p:txBody>
+          <a:bodyPr/>
+          <a:lstStyle/>
+          <a:p>
+            <a:r>
+              <a:rPr lang="en-US" dirty="0"/>
+              <a:t>Raw data often arrives in </a:t>
+            </a:r>
+            <a:r>
+              <a:rPr lang="en-US" dirty="0">
+                <a:solidFill>
+                  <a:srgbClr val="FF0000"/>
+                </a:solidFill>
+              </a:rPr>
+              <a:t>case form </a:t>
+            </a:r>
+          </a:p>
+        </p:txBody>
+      </p:sp>
+      <p:sp>
+        <p:nvSpPr>
+          <p:cNvPr id="4" name="Slide Number Placeholder 3">
+            <a:extLst>
+              <a:ext uri="{FF2B5EF4-FFF2-40B4-BE49-F238E27FC236}">
+                <a16:creationId xmlns:a16="http://schemas.microsoft.com/office/drawing/2014/main" id="{99BC8C6A-F504-4953-B903-123FC1CA4BDD}"/>
+              </a:ext>
+            </a:extLst>
+          </p:cNvPr>
+          <p:cNvSpPr>
+            <a:spLocks noGrp="1"/>
+          </p:cNvSpPr>
+          <p:nvPr>
+            <p:ph type="sldNum" sz="quarter" idx="12"/>
+          </p:nvPr>
+        </p:nvSpPr>
+        <p:spPr/>
+        <p:txBody>
+          <a:bodyPr/>
+          <a:lstStyle/>
+          <a:p>
+            <a:fld id="{621225AB-15B9-4C79-A121-04D1DC7E2307}" type="slidenum">
+              <a:rPr lang="en-US" smtClean="0"/>
+              <a:t>19</a:t>
+            </a:fld>
+            <a:endParaRPr lang="en-US"/>
+          </a:p>
+        </p:txBody>
+      </p:sp>
+      <p:sp>
+        <p:nvSpPr>
+          <p:cNvPr id="5" name="TextBox 4">
+            <a:extLst>
+              <a:ext uri="{FF2B5EF4-FFF2-40B4-BE49-F238E27FC236}">
+                <a16:creationId xmlns:a16="http://schemas.microsoft.com/office/drawing/2014/main" id="{F503573D-01CD-4469-9948-BBF73227D8B4}"/>
+              </a:ext>
+            </a:extLst>
+          </p:cNvPr>
+          <p:cNvSpPr txBox="1"/>
+          <p:nvPr/>
+        </p:nvSpPr>
+        <p:spPr>
+          <a:xfrm>
+            <a:off x="457200" y="2057400"/>
+            <a:ext cx="4953000" cy="4524315"/>
+          </a:xfrm>
+          <a:prstGeom prst="rect">
+            <a:avLst/>
+          </a:prstGeom>
+          <a:solidFill>
+            <a:schemeClr val="accent6">
+              <a:lumMod val="20000"/>
+              <a:lumOff val="80000"/>
+              <a:alpha val="50000"/>
+            </a:schemeClr>
+          </a:solidFill>
+        </p:spPr>
+        <p:txBody>
+          <a:bodyPr wrap="square" rtlCol="0">
+            <a:spAutoFit/>
+          </a:bodyPr>
+          <a:lstStyle/>
+          <a:p>
+            <a:r>
+              <a:rPr lang="en-US" sz="1600" dirty="0">
+                <a:latin typeface="Courier New" panose="02070309020205020404" pitchFamily="49" charset="0"/>
+                <a:cs typeface="Courier New" panose="02070309020205020404" pitchFamily="49" charset="0"/>
+              </a:rPr>
+              <a:t>&gt; </a:t>
+            </a:r>
+            <a:r>
+              <a:rPr lang="en-US" sz="1600" b="1" dirty="0" err="1">
+                <a:latin typeface="Courier New" panose="02070309020205020404" pitchFamily="49" charset="0"/>
+                <a:cs typeface="Courier New" panose="02070309020205020404" pitchFamily="49" charset="0"/>
+              </a:rPr>
+              <a:t>expand.dft</a:t>
+            </a:r>
+            <a:r>
+              <a:rPr lang="en-US" sz="1600" dirty="0">
+                <a:latin typeface="Courier New" panose="02070309020205020404" pitchFamily="49" charset="0"/>
+                <a:cs typeface="Courier New" panose="02070309020205020404" pitchFamily="49" charset="0"/>
+              </a:rPr>
+              <a:t>(as.data.frame(haireye)) |&gt; </a:t>
+            </a:r>
+          </a:p>
+          <a:p>
+            <a:r>
+              <a:rPr lang="en-US" sz="1600" dirty="0">
+                <a:latin typeface="Courier New" panose="02070309020205020404" pitchFamily="49" charset="0"/>
+                <a:cs typeface="Courier New" panose="02070309020205020404" pitchFamily="49" charset="0"/>
+              </a:rPr>
+              <a:t>    </a:t>
+            </a:r>
+            <a:r>
+              <a:rPr lang="en-US" sz="1600" dirty="0" err="1">
+                <a:latin typeface="Courier New" panose="02070309020205020404" pitchFamily="49" charset="0"/>
+                <a:cs typeface="Courier New" panose="02070309020205020404" pitchFamily="49" charset="0"/>
+              </a:rPr>
+              <a:t>as_tibble</a:t>
+            </a:r>
+            <a:r>
+              <a:rPr lang="en-US" sz="1600" dirty="0">
+                <a:latin typeface="Courier New" panose="02070309020205020404" pitchFamily="49" charset="0"/>
+                <a:cs typeface="Courier New" panose="02070309020205020404" pitchFamily="49" charset="0"/>
+              </a:rPr>
+              <a:t>() |&gt;</a:t>
+            </a:r>
+          </a:p>
+          <a:p>
+            <a:r>
+              <a:rPr lang="en-US" sz="1600" dirty="0">
+                <a:latin typeface="Courier New" panose="02070309020205020404" pitchFamily="49" charset="0"/>
+                <a:cs typeface="Courier New" panose="02070309020205020404" pitchFamily="49" charset="0"/>
+              </a:rPr>
+              <a:t>    mutate(age = round( </a:t>
+            </a:r>
+            <a:r>
+              <a:rPr lang="en-US" sz="1600" dirty="0" err="1">
+                <a:latin typeface="Courier New" panose="02070309020205020404" pitchFamily="49" charset="0"/>
+                <a:cs typeface="Courier New" panose="02070309020205020404" pitchFamily="49" charset="0"/>
+              </a:rPr>
+              <a:t>runif</a:t>
+            </a:r>
+            <a:r>
+              <a:rPr lang="en-US" sz="1600" dirty="0">
+                <a:latin typeface="Courier New" panose="02070309020205020404" pitchFamily="49" charset="0"/>
+                <a:cs typeface="Courier New" panose="02070309020205020404" pitchFamily="49" charset="0"/>
+              </a:rPr>
+              <a:t>( n =  </a:t>
+            </a:r>
+          </a:p>
+          <a:p>
+            <a:r>
+              <a:rPr lang="en-US" sz="1600" dirty="0">
+                <a:latin typeface="Courier New" panose="02070309020205020404" pitchFamily="49" charset="0"/>
+                <a:cs typeface="Courier New" panose="02070309020205020404" pitchFamily="49" charset="0"/>
+              </a:rPr>
+              <a:t>       sum(haireye), min=17, max=29)))</a:t>
+            </a:r>
+          </a:p>
+          <a:p>
+            <a:r>
+              <a:rPr lang="en-US" sz="1600" dirty="0">
+                <a:solidFill>
+                  <a:schemeClr val="bg1">
+                    <a:lumMod val="50000"/>
+                  </a:schemeClr>
+                </a:solidFill>
+                <a:latin typeface="Courier New" panose="02070309020205020404" pitchFamily="49" charset="0"/>
+                <a:cs typeface="Courier New" panose="02070309020205020404" pitchFamily="49" charset="0"/>
+              </a:rPr>
+              <a:t># A </a:t>
+            </a:r>
+            <a:r>
+              <a:rPr lang="en-US" sz="1600" dirty="0" err="1">
+                <a:solidFill>
+                  <a:schemeClr val="bg1">
+                    <a:lumMod val="50000"/>
+                  </a:schemeClr>
+                </a:solidFill>
+                <a:latin typeface="Courier New" panose="02070309020205020404" pitchFamily="49" charset="0"/>
+                <a:cs typeface="Courier New" panose="02070309020205020404" pitchFamily="49" charset="0"/>
+              </a:rPr>
+              <a:t>tibble</a:t>
+            </a:r>
+            <a:r>
+              <a:rPr lang="en-US" sz="1600" dirty="0">
+                <a:solidFill>
+                  <a:schemeClr val="bg1">
+                    <a:lumMod val="50000"/>
+                  </a:schemeClr>
+                </a:solidFill>
+                <a:latin typeface="Courier New" panose="02070309020205020404" pitchFamily="49" charset="0"/>
+                <a:cs typeface="Courier New" panose="02070309020205020404" pitchFamily="49" charset="0"/>
+              </a:rPr>
+              <a:t>: 592 x 3</a:t>
+            </a:r>
+          </a:p>
+          <a:p>
+            <a:r>
+              <a:rPr lang="en-US" sz="1600" dirty="0">
+                <a:latin typeface="Courier New" panose="02070309020205020404" pitchFamily="49" charset="0"/>
+                <a:cs typeface="Courier New" panose="02070309020205020404" pitchFamily="49" charset="0"/>
+              </a:rPr>
+              <a:t>   Hair  Eye     age</a:t>
+            </a:r>
+          </a:p>
+          <a:p>
+            <a:r>
+              <a:rPr lang="en-US" sz="1600" dirty="0">
+                <a:solidFill>
+                  <a:schemeClr val="bg1">
+                    <a:lumMod val="50000"/>
+                  </a:schemeClr>
+                </a:solidFill>
+                <a:latin typeface="Courier New" panose="02070309020205020404" pitchFamily="49" charset="0"/>
+                <a:cs typeface="Courier New" panose="02070309020205020404" pitchFamily="49" charset="0"/>
+              </a:rPr>
+              <a:t>   &lt;</a:t>
+            </a:r>
+            <a:r>
+              <a:rPr lang="en-US" sz="1600" dirty="0" err="1">
+                <a:solidFill>
+                  <a:schemeClr val="bg1">
+                    <a:lumMod val="50000"/>
+                  </a:schemeClr>
+                </a:solidFill>
+                <a:latin typeface="Courier New" panose="02070309020205020404" pitchFamily="49" charset="0"/>
+                <a:cs typeface="Courier New" panose="02070309020205020404" pitchFamily="49" charset="0"/>
+              </a:rPr>
+              <a:t>chr</a:t>
+            </a:r>
+            <a:r>
+              <a:rPr lang="en-US" sz="1600" dirty="0">
+                <a:solidFill>
+                  <a:schemeClr val="bg1">
+                    <a:lumMod val="50000"/>
+                  </a:schemeClr>
+                </a:solidFill>
+                <a:latin typeface="Courier New" panose="02070309020205020404" pitchFamily="49" charset="0"/>
+                <a:cs typeface="Courier New" panose="02070309020205020404" pitchFamily="49" charset="0"/>
+              </a:rPr>
+              <a:t>&gt; &lt;</a:t>
+            </a:r>
+            <a:r>
+              <a:rPr lang="en-US" sz="1600" dirty="0" err="1">
+                <a:solidFill>
+                  <a:schemeClr val="bg1">
+                    <a:lumMod val="50000"/>
+                  </a:schemeClr>
+                </a:solidFill>
+                <a:latin typeface="Courier New" panose="02070309020205020404" pitchFamily="49" charset="0"/>
+                <a:cs typeface="Courier New" panose="02070309020205020404" pitchFamily="49" charset="0"/>
+              </a:rPr>
+              <a:t>chr</a:t>
+            </a:r>
+            <a:r>
+              <a:rPr lang="en-US" sz="1600" dirty="0">
+                <a:solidFill>
+                  <a:schemeClr val="bg1">
+                    <a:lumMod val="50000"/>
+                  </a:schemeClr>
+                </a:solidFill>
+                <a:latin typeface="Courier New" panose="02070309020205020404" pitchFamily="49" charset="0"/>
+                <a:cs typeface="Courier New" panose="02070309020205020404" pitchFamily="49" charset="0"/>
+              </a:rPr>
+              <a:t>&gt; &lt;</a:t>
+            </a:r>
+            <a:r>
+              <a:rPr lang="en-US" sz="1600" dirty="0" err="1">
+                <a:solidFill>
+                  <a:schemeClr val="bg1">
+                    <a:lumMod val="50000"/>
+                  </a:schemeClr>
+                </a:solidFill>
+                <a:latin typeface="Courier New" panose="02070309020205020404" pitchFamily="49" charset="0"/>
+                <a:cs typeface="Courier New" panose="02070309020205020404" pitchFamily="49" charset="0"/>
+              </a:rPr>
+              <a:t>dbl</a:t>
+            </a:r>
+            <a:r>
+              <a:rPr lang="en-US" sz="1600" dirty="0">
+                <a:solidFill>
+                  <a:schemeClr val="bg1">
+                    <a:lumMod val="50000"/>
+                  </a:schemeClr>
+                </a:solidFill>
+                <a:latin typeface="Courier New" panose="02070309020205020404" pitchFamily="49" charset="0"/>
+                <a:cs typeface="Courier New" panose="02070309020205020404" pitchFamily="49" charset="0"/>
+              </a:rPr>
+              <a:t>&gt;</a:t>
+            </a:r>
+          </a:p>
+          <a:p>
+            <a:r>
+              <a:rPr lang="en-US" sz="1600" dirty="0">
+                <a:latin typeface="Courier New" panose="02070309020205020404" pitchFamily="49" charset="0"/>
+                <a:cs typeface="Courier New" panose="02070309020205020404" pitchFamily="49" charset="0"/>
+              </a:rPr>
+              <a:t> 1 Black Brown    19</a:t>
+            </a:r>
+          </a:p>
+          <a:p>
+            <a:r>
+              <a:rPr lang="en-US" sz="1600" dirty="0">
+                <a:latin typeface="Courier New" panose="02070309020205020404" pitchFamily="49" charset="0"/>
+                <a:cs typeface="Courier New" panose="02070309020205020404" pitchFamily="49" charset="0"/>
+              </a:rPr>
+              <a:t> 2 Black Brown    19</a:t>
+            </a:r>
+          </a:p>
+          <a:p>
+            <a:r>
+              <a:rPr lang="en-US" sz="1600" dirty="0">
+                <a:latin typeface="Courier New" panose="02070309020205020404" pitchFamily="49" charset="0"/>
+                <a:cs typeface="Courier New" panose="02070309020205020404" pitchFamily="49" charset="0"/>
+              </a:rPr>
+              <a:t> 3 Black Brown    27</a:t>
+            </a:r>
+          </a:p>
+          <a:p>
+            <a:r>
+              <a:rPr lang="en-US" sz="1600" dirty="0">
+                <a:latin typeface="Courier New" panose="02070309020205020404" pitchFamily="49" charset="0"/>
+                <a:cs typeface="Courier New" panose="02070309020205020404" pitchFamily="49" charset="0"/>
+              </a:rPr>
+              <a:t> 4 Black Brown    23</a:t>
+            </a:r>
+          </a:p>
+          <a:p>
+            <a:r>
+              <a:rPr lang="en-US" sz="1600" dirty="0">
+                <a:latin typeface="Courier New" panose="02070309020205020404" pitchFamily="49" charset="0"/>
+                <a:cs typeface="Courier New" panose="02070309020205020404" pitchFamily="49" charset="0"/>
+              </a:rPr>
+              <a:t> 5 Black Brown    19</a:t>
+            </a:r>
+          </a:p>
+          <a:p>
+            <a:r>
+              <a:rPr lang="en-US" sz="1600" dirty="0">
+                <a:latin typeface="Courier New" panose="02070309020205020404" pitchFamily="49" charset="0"/>
+                <a:cs typeface="Courier New" panose="02070309020205020404" pitchFamily="49" charset="0"/>
+              </a:rPr>
+              <a:t> 6 Black Brown    29</a:t>
+            </a:r>
+          </a:p>
+          <a:p>
+            <a:r>
+              <a:rPr lang="en-US" sz="1600" dirty="0">
+                <a:latin typeface="Courier New" panose="02070309020205020404" pitchFamily="49" charset="0"/>
+                <a:cs typeface="Courier New" panose="02070309020205020404" pitchFamily="49" charset="0"/>
+              </a:rPr>
+              <a:t> 7 Black Brown    25</a:t>
+            </a:r>
+          </a:p>
+          <a:p>
+            <a:r>
+              <a:rPr lang="en-US" sz="1600" dirty="0">
+                <a:latin typeface="Courier New" panose="02070309020205020404" pitchFamily="49" charset="0"/>
+                <a:cs typeface="Courier New" panose="02070309020205020404" pitchFamily="49" charset="0"/>
+              </a:rPr>
+              <a:t> 8 Black Brown    29</a:t>
+            </a:r>
+          </a:p>
+          <a:p>
+            <a:r>
+              <a:rPr lang="en-US" sz="1600" dirty="0">
+                <a:latin typeface="Courier New" panose="02070309020205020404" pitchFamily="49" charset="0"/>
+                <a:cs typeface="Courier New" panose="02070309020205020404" pitchFamily="49" charset="0"/>
+              </a:rPr>
+              <a:t> 9 Black Brown    17</a:t>
+            </a:r>
+          </a:p>
+          <a:p>
+            <a:r>
+              <a:rPr lang="en-US" sz="1600" dirty="0">
+                <a:latin typeface="Courier New" panose="02070309020205020404" pitchFamily="49" charset="0"/>
+                <a:cs typeface="Courier New" panose="02070309020205020404" pitchFamily="49" charset="0"/>
+              </a:rPr>
+              <a:t>10 Black Brown    23</a:t>
+            </a:r>
+          </a:p>
+          <a:p>
+            <a:r>
+              <a:rPr lang="en-US" sz="1600" dirty="0">
+                <a:solidFill>
+                  <a:schemeClr val="bg1">
+                    <a:lumMod val="50000"/>
+                  </a:schemeClr>
+                </a:solidFill>
+                <a:latin typeface="Courier New" panose="02070309020205020404" pitchFamily="49" charset="0"/>
+                <a:cs typeface="Courier New" panose="02070309020205020404" pitchFamily="49" charset="0"/>
+              </a:rPr>
+              <a:t># ... with 582 more rows</a:t>
+            </a:r>
+          </a:p>
+        </p:txBody>
+      </p:sp>
+      <p:sp>
+        <p:nvSpPr>
+          <p:cNvPr id="6" name="TextBox 5">
+            <a:extLst>
+              <a:ext uri="{FF2B5EF4-FFF2-40B4-BE49-F238E27FC236}">
+                <a16:creationId xmlns:a16="http://schemas.microsoft.com/office/drawing/2014/main" id="{2194DCAC-A95A-41C9-96AA-E36CCAB9F765}"/>
+              </a:ext>
+            </a:extLst>
+          </p:cNvPr>
+          <p:cNvSpPr txBox="1"/>
+          <p:nvPr/>
+        </p:nvSpPr>
+        <p:spPr>
+          <a:xfrm>
+            <a:off x="5638800" y="2133600"/>
+            <a:ext cx="3048000" cy="3631763"/>
+          </a:xfrm>
+          <a:prstGeom prst="rect">
+            <a:avLst/>
+          </a:prstGeom>
+          <a:noFill/>
+        </p:spPr>
+        <p:txBody>
+          <a:bodyPr wrap="square" rtlCol="0">
+            <a:spAutoFit/>
+          </a:bodyPr>
+          <a:lstStyle/>
+          <a:p>
+            <a:pPr marL="285750" indent="-285750">
+              <a:buFont typeface="Arial" panose="020B0604020202020204" pitchFamily="34" charset="0"/>
+              <a:buChar char="•"/>
+            </a:pPr>
+            <a:r>
+              <a:rPr lang="en-US" dirty="0"/>
+              <a:t>One obs. per case</a:t>
+            </a:r>
+          </a:p>
+          <a:p>
+            <a:pPr marL="285750" indent="-285750">
+              <a:buFont typeface="Arial" panose="020B0604020202020204" pitchFamily="34" charset="0"/>
+              <a:buChar char="•"/>
+            </a:pPr>
+            <a:r>
+              <a:rPr lang="en-US" dirty="0"/>
+              <a:t># rows = sum of counts</a:t>
+            </a:r>
+          </a:p>
+          <a:p>
+            <a:pPr marL="285750" indent="-285750">
+              <a:buFont typeface="Arial" panose="020B0604020202020204" pitchFamily="34" charset="0"/>
+              <a:buChar char="•"/>
+            </a:pPr>
+            <a:endParaRPr lang="en-US" dirty="0"/>
+          </a:p>
+          <a:p>
+            <a:pPr marL="285750" indent="-285750">
+              <a:buFont typeface="Arial" panose="020B0604020202020204" pitchFamily="34" charset="0"/>
+              <a:buChar char="•"/>
+            </a:pPr>
+            <a:r>
+              <a:rPr lang="en-US" sz="1400" b="1" dirty="0" err="1">
+                <a:solidFill>
+                  <a:schemeClr val="accent6">
+                    <a:lumMod val="50000"/>
+                  </a:schemeClr>
+                </a:solidFill>
+                <a:latin typeface="Courier New" panose="02070309020205020404" pitchFamily="49" charset="0"/>
+                <a:cs typeface="Courier New" panose="02070309020205020404" pitchFamily="49" charset="0"/>
+              </a:rPr>
+              <a:t>vcdExtra</a:t>
+            </a:r>
+            <a:r>
+              <a:rPr lang="en-US" sz="1400" b="1" dirty="0">
+                <a:solidFill>
+                  <a:schemeClr val="accent6">
+                    <a:lumMod val="50000"/>
+                  </a:schemeClr>
+                </a:solidFill>
+                <a:latin typeface="Courier New" panose="02070309020205020404" pitchFamily="49" charset="0"/>
+                <a:cs typeface="Courier New" panose="02070309020205020404" pitchFamily="49" charset="0"/>
+              </a:rPr>
+              <a:t>::</a:t>
+            </a:r>
+            <a:r>
+              <a:rPr lang="en-US" sz="1400" b="1" dirty="0" err="1">
+                <a:solidFill>
+                  <a:schemeClr val="accent6">
+                    <a:lumMod val="50000"/>
+                  </a:schemeClr>
+                </a:solidFill>
+                <a:latin typeface="Courier New" panose="02070309020205020404" pitchFamily="49" charset="0"/>
+                <a:cs typeface="Courier New" panose="02070309020205020404" pitchFamily="49" charset="0"/>
+              </a:rPr>
+              <a:t>expand.dft</a:t>
+            </a:r>
+            <a:r>
+              <a:rPr lang="en-US" sz="1400" b="1" dirty="0">
+                <a:solidFill>
+                  <a:schemeClr val="accent6">
+                    <a:lumMod val="50000"/>
+                  </a:schemeClr>
+                </a:solidFill>
+                <a:latin typeface="Courier New" panose="02070309020205020404" pitchFamily="49" charset="0"/>
+                <a:cs typeface="Courier New" panose="02070309020205020404" pitchFamily="49" charset="0"/>
+              </a:rPr>
+              <a:t>() </a:t>
+            </a:r>
+            <a:r>
+              <a:rPr lang="en-US" dirty="0"/>
+              <a:t>expands to frequency form</a:t>
+            </a:r>
+          </a:p>
+          <a:p>
+            <a:pPr marL="285750" indent="-285750">
+              <a:buFont typeface="Arial" panose="020B0604020202020204" pitchFamily="34" charset="0"/>
+              <a:buChar char="•"/>
+            </a:pPr>
+            <a:endParaRPr lang="en-US" dirty="0"/>
+          </a:p>
+          <a:p>
+            <a:pPr marL="285750" indent="-285750">
+              <a:buFont typeface="Arial" panose="020B0604020202020204" pitchFamily="34" charset="0"/>
+              <a:buChar char="•"/>
+            </a:pPr>
+            <a:r>
+              <a:rPr lang="en-US" dirty="0"/>
+              <a:t>case form is required if there are continuous variables</a:t>
+            </a:r>
+          </a:p>
+          <a:p>
+            <a:pPr marL="285750" indent="-285750">
+              <a:buFont typeface="Arial" panose="020B0604020202020204" pitchFamily="34" charset="0"/>
+              <a:buChar char="•"/>
+            </a:pPr>
+            <a:endParaRPr lang="en-US" dirty="0"/>
+          </a:p>
+          <a:p>
+            <a:pPr marL="285750" indent="-285750">
+              <a:buFont typeface="Arial" panose="020B0604020202020204" pitchFamily="34" charset="0"/>
+              <a:buChar char="•"/>
+            </a:pPr>
+            <a:r>
+              <a:rPr lang="en-US" dirty="0"/>
+              <a:t>case form is </a:t>
+            </a:r>
+            <a:r>
+              <a:rPr lang="en-US" dirty="0">
+                <a:solidFill>
+                  <a:srgbClr val="FF0000"/>
+                </a:solidFill>
+              </a:rPr>
+              <a:t>tidy</a:t>
+            </a:r>
+          </a:p>
+          <a:p>
+            <a:pPr marL="285750" indent="-285750">
+              <a:buFont typeface="Arial" panose="020B0604020202020204" pitchFamily="34" charset="0"/>
+              <a:buChar char="•"/>
+            </a:pPr>
+            <a:r>
+              <a:rPr lang="en-US" dirty="0"/>
+              <a:t>not all CDA functions play well with </a:t>
+            </a:r>
+            <a:r>
+              <a:rPr lang="en-US" dirty="0" err="1"/>
+              <a:t>tibbles</a:t>
+            </a:r>
+            <a:r>
+              <a:rPr lang="en-US" dirty="0"/>
+              <a:t> </a:t>
+            </a:r>
+          </a:p>
+        </p:txBody>
+      </p:sp>
+    </p:spTree>
+    <p:extLst>
+      <p:ext uri="{BB962C8B-B14F-4D97-AF65-F5344CB8AC3E}">
+        <p14:creationId xmlns:p14="http://schemas.microsoft.com/office/powerpoint/2010/main" val="3566437520"/>
       </p:ext>
     </p:extLst>
   </p:cSld>
@@ -10408,660 +10826,6 @@
           <p:cNvPr id="2" name="Title 1">
             <a:extLst>
               <a:ext uri="{FF2B5EF4-FFF2-40B4-BE49-F238E27FC236}">
-                <a16:creationId xmlns:a16="http://schemas.microsoft.com/office/drawing/2014/main" id="{D5CFFAEB-EB1A-4A7B-A407-829DA81E12B7}"/>
-              </a:ext>
-            </a:extLst>
-          </p:cNvPr>
-          <p:cNvSpPr>
-            <a:spLocks noGrp="1"/>
-          </p:cNvSpPr>
-          <p:nvPr>
-            <p:ph type="title"/>
-          </p:nvPr>
-        </p:nvSpPr>
-        <p:spPr/>
-        <p:txBody>
-          <a:bodyPr>
-            <a:normAutofit fontScale="90000"/>
-          </a:bodyPr>
-          <a:lstStyle/>
-          <a:p>
-            <a:r>
-              <a:rPr lang="en-US" dirty="0"/>
-              <a:t>Datasets: case form</a:t>
-            </a:r>
-          </a:p>
-        </p:txBody>
-      </p:sp>
-      <p:sp>
-        <p:nvSpPr>
-          <p:cNvPr id="3" name="Content Placeholder 2">
-            <a:extLst>
-              <a:ext uri="{FF2B5EF4-FFF2-40B4-BE49-F238E27FC236}">
-                <a16:creationId xmlns:a16="http://schemas.microsoft.com/office/drawing/2014/main" id="{13B18C91-C7D5-4795-8742-59A3FEA87A02}"/>
-              </a:ext>
-            </a:extLst>
-          </p:cNvPr>
-          <p:cNvSpPr>
-            <a:spLocks noGrp="1"/>
-          </p:cNvSpPr>
-          <p:nvPr>
-            <p:ph idx="1"/>
-          </p:nvPr>
-        </p:nvSpPr>
-        <p:spPr>
-          <a:xfrm>
-            <a:off x="457200" y="1143000"/>
-            <a:ext cx="8229600" cy="609600"/>
-          </a:xfrm>
-        </p:spPr>
-        <p:txBody>
-          <a:bodyPr/>
-          <a:lstStyle/>
-          <a:p>
-            <a:r>
-              <a:rPr lang="en-US" dirty="0"/>
-              <a:t>Raw data often arrives in </a:t>
-            </a:r>
-            <a:r>
-              <a:rPr lang="en-US" dirty="0">
-                <a:solidFill>
-                  <a:srgbClr val="FF0000"/>
-                </a:solidFill>
-              </a:rPr>
-              <a:t>case form </a:t>
-            </a:r>
-          </a:p>
-        </p:txBody>
-      </p:sp>
-      <p:sp>
-        <p:nvSpPr>
-          <p:cNvPr id="4" name="Slide Number Placeholder 3">
-            <a:extLst>
-              <a:ext uri="{FF2B5EF4-FFF2-40B4-BE49-F238E27FC236}">
-                <a16:creationId xmlns:a16="http://schemas.microsoft.com/office/drawing/2014/main" id="{99BC8C6A-F504-4953-B903-123FC1CA4BDD}"/>
-              </a:ext>
-            </a:extLst>
-          </p:cNvPr>
-          <p:cNvSpPr>
-            <a:spLocks noGrp="1"/>
-          </p:cNvSpPr>
-          <p:nvPr>
-            <p:ph type="sldNum" sz="quarter" idx="12"/>
-          </p:nvPr>
-        </p:nvSpPr>
-        <p:spPr/>
-        <p:txBody>
-          <a:bodyPr/>
-          <a:lstStyle/>
-          <a:p>
-            <a:fld id="{621225AB-15B9-4C79-A121-04D1DC7E2307}" type="slidenum">
-              <a:rPr lang="en-US" smtClean="0"/>
-              <a:t>20</a:t>
-            </a:fld>
-            <a:endParaRPr lang="en-US"/>
-          </a:p>
-        </p:txBody>
-      </p:sp>
-      <p:sp>
-        <p:nvSpPr>
-          <p:cNvPr id="5" name="TextBox 4">
-            <a:extLst>
-              <a:ext uri="{FF2B5EF4-FFF2-40B4-BE49-F238E27FC236}">
-                <a16:creationId xmlns:a16="http://schemas.microsoft.com/office/drawing/2014/main" id="{F503573D-01CD-4469-9948-BBF73227D8B4}"/>
-              </a:ext>
-            </a:extLst>
-          </p:cNvPr>
-          <p:cNvSpPr txBox="1"/>
-          <p:nvPr/>
-        </p:nvSpPr>
-        <p:spPr>
-          <a:xfrm>
-            <a:off x="457200" y="2057400"/>
-            <a:ext cx="4953000" cy="4524315"/>
-          </a:xfrm>
-          <a:prstGeom prst="rect">
-            <a:avLst/>
-          </a:prstGeom>
-          <a:solidFill>
-            <a:schemeClr val="accent6">
-              <a:lumMod val="20000"/>
-              <a:lumOff val="80000"/>
-              <a:alpha val="50000"/>
-            </a:schemeClr>
-          </a:solidFill>
-        </p:spPr>
-        <p:txBody>
-          <a:bodyPr wrap="square" rtlCol="0">
-            <a:spAutoFit/>
-          </a:bodyPr>
-          <a:lstStyle/>
-          <a:p>
-            <a:r>
-              <a:rPr lang="en-US" sz="1600" dirty="0">
-                <a:latin typeface="Courier New" panose="02070309020205020404" pitchFamily="49" charset="0"/>
-                <a:cs typeface="Courier New" panose="02070309020205020404" pitchFamily="49" charset="0"/>
-              </a:rPr>
-              <a:t>&gt; </a:t>
-            </a:r>
-            <a:r>
-              <a:rPr lang="en-US" sz="1600" b="1" dirty="0" err="1">
-                <a:latin typeface="Courier New" panose="02070309020205020404" pitchFamily="49" charset="0"/>
-                <a:cs typeface="Courier New" panose="02070309020205020404" pitchFamily="49" charset="0"/>
-              </a:rPr>
-              <a:t>expand.dft</a:t>
-            </a:r>
-            <a:r>
-              <a:rPr lang="en-US" sz="1600" dirty="0">
-                <a:latin typeface="Courier New" panose="02070309020205020404" pitchFamily="49" charset="0"/>
-                <a:cs typeface="Courier New" panose="02070309020205020404" pitchFamily="49" charset="0"/>
-              </a:rPr>
-              <a:t>(as.data.frame(haireye)) |&gt; </a:t>
-            </a:r>
-          </a:p>
-          <a:p>
-            <a:r>
-              <a:rPr lang="en-US" sz="1600" dirty="0">
-                <a:latin typeface="Courier New" panose="02070309020205020404" pitchFamily="49" charset="0"/>
-                <a:cs typeface="Courier New" panose="02070309020205020404" pitchFamily="49" charset="0"/>
-              </a:rPr>
-              <a:t>    </a:t>
-            </a:r>
-            <a:r>
-              <a:rPr lang="en-US" sz="1600" dirty="0" err="1">
-                <a:latin typeface="Courier New" panose="02070309020205020404" pitchFamily="49" charset="0"/>
-                <a:cs typeface="Courier New" panose="02070309020205020404" pitchFamily="49" charset="0"/>
-              </a:rPr>
-              <a:t>as_tibble</a:t>
-            </a:r>
-            <a:r>
-              <a:rPr lang="en-US" sz="1600" dirty="0">
-                <a:latin typeface="Courier New" panose="02070309020205020404" pitchFamily="49" charset="0"/>
-                <a:cs typeface="Courier New" panose="02070309020205020404" pitchFamily="49" charset="0"/>
-              </a:rPr>
-              <a:t>() |&gt;</a:t>
-            </a:r>
-          </a:p>
-          <a:p>
-            <a:r>
-              <a:rPr lang="en-US" sz="1600" dirty="0">
-                <a:latin typeface="Courier New" panose="02070309020205020404" pitchFamily="49" charset="0"/>
-                <a:cs typeface="Courier New" panose="02070309020205020404" pitchFamily="49" charset="0"/>
-              </a:rPr>
-              <a:t>    mutate(age = round( </a:t>
-            </a:r>
-            <a:r>
-              <a:rPr lang="en-US" sz="1600" dirty="0" err="1">
-                <a:latin typeface="Courier New" panose="02070309020205020404" pitchFamily="49" charset="0"/>
-                <a:cs typeface="Courier New" panose="02070309020205020404" pitchFamily="49" charset="0"/>
-              </a:rPr>
-              <a:t>runif</a:t>
-            </a:r>
-            <a:r>
-              <a:rPr lang="en-US" sz="1600" dirty="0">
-                <a:latin typeface="Courier New" panose="02070309020205020404" pitchFamily="49" charset="0"/>
-                <a:cs typeface="Courier New" panose="02070309020205020404" pitchFamily="49" charset="0"/>
-              </a:rPr>
-              <a:t>( n =  </a:t>
-            </a:r>
-          </a:p>
-          <a:p>
-            <a:r>
-              <a:rPr lang="en-US" sz="1600" dirty="0">
-                <a:latin typeface="Courier New" panose="02070309020205020404" pitchFamily="49" charset="0"/>
-                <a:cs typeface="Courier New" panose="02070309020205020404" pitchFamily="49" charset="0"/>
-              </a:rPr>
-              <a:t>       sum(haireye), min=17, max=29)))</a:t>
-            </a:r>
-          </a:p>
-          <a:p>
-            <a:r>
-              <a:rPr lang="en-US" sz="1600" dirty="0">
-                <a:solidFill>
-                  <a:schemeClr val="bg1">
-                    <a:lumMod val="50000"/>
-                  </a:schemeClr>
-                </a:solidFill>
-                <a:latin typeface="Courier New" panose="02070309020205020404" pitchFamily="49" charset="0"/>
-                <a:cs typeface="Courier New" panose="02070309020205020404" pitchFamily="49" charset="0"/>
-              </a:rPr>
-              <a:t># A </a:t>
-            </a:r>
-            <a:r>
-              <a:rPr lang="en-US" sz="1600" dirty="0" err="1">
-                <a:solidFill>
-                  <a:schemeClr val="bg1">
-                    <a:lumMod val="50000"/>
-                  </a:schemeClr>
-                </a:solidFill>
-                <a:latin typeface="Courier New" panose="02070309020205020404" pitchFamily="49" charset="0"/>
-                <a:cs typeface="Courier New" panose="02070309020205020404" pitchFamily="49" charset="0"/>
-              </a:rPr>
-              <a:t>tibble</a:t>
-            </a:r>
-            <a:r>
-              <a:rPr lang="en-US" sz="1600" dirty="0">
-                <a:solidFill>
-                  <a:schemeClr val="bg1">
-                    <a:lumMod val="50000"/>
-                  </a:schemeClr>
-                </a:solidFill>
-                <a:latin typeface="Courier New" panose="02070309020205020404" pitchFamily="49" charset="0"/>
-                <a:cs typeface="Courier New" panose="02070309020205020404" pitchFamily="49" charset="0"/>
-              </a:rPr>
-              <a:t>: 592 x 3</a:t>
-            </a:r>
-          </a:p>
-          <a:p>
-            <a:r>
-              <a:rPr lang="en-US" sz="1600" dirty="0">
-                <a:latin typeface="Courier New" panose="02070309020205020404" pitchFamily="49" charset="0"/>
-                <a:cs typeface="Courier New" panose="02070309020205020404" pitchFamily="49" charset="0"/>
-              </a:rPr>
-              <a:t>   Hair  Eye     age</a:t>
-            </a:r>
-          </a:p>
-          <a:p>
-            <a:r>
-              <a:rPr lang="en-US" sz="1600" dirty="0">
-                <a:solidFill>
-                  <a:schemeClr val="bg1">
-                    <a:lumMod val="50000"/>
-                  </a:schemeClr>
-                </a:solidFill>
-                <a:latin typeface="Courier New" panose="02070309020205020404" pitchFamily="49" charset="0"/>
-                <a:cs typeface="Courier New" panose="02070309020205020404" pitchFamily="49" charset="0"/>
-              </a:rPr>
-              <a:t>   &lt;</a:t>
-            </a:r>
-            <a:r>
-              <a:rPr lang="en-US" sz="1600" dirty="0" err="1">
-                <a:solidFill>
-                  <a:schemeClr val="bg1">
-                    <a:lumMod val="50000"/>
-                  </a:schemeClr>
-                </a:solidFill>
-                <a:latin typeface="Courier New" panose="02070309020205020404" pitchFamily="49" charset="0"/>
-                <a:cs typeface="Courier New" panose="02070309020205020404" pitchFamily="49" charset="0"/>
-              </a:rPr>
-              <a:t>chr</a:t>
-            </a:r>
-            <a:r>
-              <a:rPr lang="en-US" sz="1600" dirty="0">
-                <a:solidFill>
-                  <a:schemeClr val="bg1">
-                    <a:lumMod val="50000"/>
-                  </a:schemeClr>
-                </a:solidFill>
-                <a:latin typeface="Courier New" panose="02070309020205020404" pitchFamily="49" charset="0"/>
-                <a:cs typeface="Courier New" panose="02070309020205020404" pitchFamily="49" charset="0"/>
-              </a:rPr>
-              <a:t>&gt; &lt;</a:t>
-            </a:r>
-            <a:r>
-              <a:rPr lang="en-US" sz="1600" dirty="0" err="1">
-                <a:solidFill>
-                  <a:schemeClr val="bg1">
-                    <a:lumMod val="50000"/>
-                  </a:schemeClr>
-                </a:solidFill>
-                <a:latin typeface="Courier New" panose="02070309020205020404" pitchFamily="49" charset="0"/>
-                <a:cs typeface="Courier New" panose="02070309020205020404" pitchFamily="49" charset="0"/>
-              </a:rPr>
-              <a:t>chr</a:t>
-            </a:r>
-            <a:r>
-              <a:rPr lang="en-US" sz="1600" dirty="0">
-                <a:solidFill>
-                  <a:schemeClr val="bg1">
-                    <a:lumMod val="50000"/>
-                  </a:schemeClr>
-                </a:solidFill>
-                <a:latin typeface="Courier New" panose="02070309020205020404" pitchFamily="49" charset="0"/>
-                <a:cs typeface="Courier New" panose="02070309020205020404" pitchFamily="49" charset="0"/>
-              </a:rPr>
-              <a:t>&gt; &lt;</a:t>
-            </a:r>
-            <a:r>
-              <a:rPr lang="en-US" sz="1600" dirty="0" err="1">
-                <a:solidFill>
-                  <a:schemeClr val="bg1">
-                    <a:lumMod val="50000"/>
-                  </a:schemeClr>
-                </a:solidFill>
-                <a:latin typeface="Courier New" panose="02070309020205020404" pitchFamily="49" charset="0"/>
-                <a:cs typeface="Courier New" panose="02070309020205020404" pitchFamily="49" charset="0"/>
-              </a:rPr>
-              <a:t>dbl</a:t>
-            </a:r>
-            <a:r>
-              <a:rPr lang="en-US" sz="1600" dirty="0">
-                <a:solidFill>
-                  <a:schemeClr val="bg1">
-                    <a:lumMod val="50000"/>
-                  </a:schemeClr>
-                </a:solidFill>
-                <a:latin typeface="Courier New" panose="02070309020205020404" pitchFamily="49" charset="0"/>
-                <a:cs typeface="Courier New" panose="02070309020205020404" pitchFamily="49" charset="0"/>
-              </a:rPr>
-              <a:t>&gt;</a:t>
-            </a:r>
-          </a:p>
-          <a:p>
-            <a:r>
-              <a:rPr lang="en-US" sz="1600" dirty="0">
-                <a:latin typeface="Courier New" panose="02070309020205020404" pitchFamily="49" charset="0"/>
-                <a:cs typeface="Courier New" panose="02070309020205020404" pitchFamily="49" charset="0"/>
-              </a:rPr>
-              <a:t> 1 Black Brown    19</a:t>
-            </a:r>
-          </a:p>
-          <a:p>
-            <a:r>
-              <a:rPr lang="en-US" sz="1600" dirty="0">
-                <a:latin typeface="Courier New" panose="02070309020205020404" pitchFamily="49" charset="0"/>
-                <a:cs typeface="Courier New" panose="02070309020205020404" pitchFamily="49" charset="0"/>
-              </a:rPr>
-              <a:t> 2 Black Brown    19</a:t>
-            </a:r>
-          </a:p>
-          <a:p>
-            <a:r>
-              <a:rPr lang="en-US" sz="1600" dirty="0">
-                <a:latin typeface="Courier New" panose="02070309020205020404" pitchFamily="49" charset="0"/>
-                <a:cs typeface="Courier New" panose="02070309020205020404" pitchFamily="49" charset="0"/>
-              </a:rPr>
-              <a:t> 3 Black Brown    27</a:t>
-            </a:r>
-          </a:p>
-          <a:p>
-            <a:r>
-              <a:rPr lang="en-US" sz="1600" dirty="0">
-                <a:latin typeface="Courier New" panose="02070309020205020404" pitchFamily="49" charset="0"/>
-                <a:cs typeface="Courier New" panose="02070309020205020404" pitchFamily="49" charset="0"/>
-              </a:rPr>
-              <a:t> 4 Black Brown    23</a:t>
-            </a:r>
-          </a:p>
-          <a:p>
-            <a:r>
-              <a:rPr lang="en-US" sz="1600" dirty="0">
-                <a:latin typeface="Courier New" panose="02070309020205020404" pitchFamily="49" charset="0"/>
-                <a:cs typeface="Courier New" panose="02070309020205020404" pitchFamily="49" charset="0"/>
-              </a:rPr>
-              <a:t> 5 Black Brown    19</a:t>
-            </a:r>
-          </a:p>
-          <a:p>
-            <a:r>
-              <a:rPr lang="en-US" sz="1600" dirty="0">
-                <a:latin typeface="Courier New" panose="02070309020205020404" pitchFamily="49" charset="0"/>
-                <a:cs typeface="Courier New" panose="02070309020205020404" pitchFamily="49" charset="0"/>
-              </a:rPr>
-              <a:t> 6 Black Brown    29</a:t>
-            </a:r>
-          </a:p>
-          <a:p>
-            <a:r>
-              <a:rPr lang="en-US" sz="1600" dirty="0">
-                <a:latin typeface="Courier New" panose="02070309020205020404" pitchFamily="49" charset="0"/>
-                <a:cs typeface="Courier New" panose="02070309020205020404" pitchFamily="49" charset="0"/>
-              </a:rPr>
-              <a:t> 7 Black Brown    25</a:t>
-            </a:r>
-          </a:p>
-          <a:p>
-            <a:r>
-              <a:rPr lang="en-US" sz="1600" dirty="0">
-                <a:latin typeface="Courier New" panose="02070309020205020404" pitchFamily="49" charset="0"/>
-                <a:cs typeface="Courier New" panose="02070309020205020404" pitchFamily="49" charset="0"/>
-              </a:rPr>
-              <a:t> 8 Black Brown    29</a:t>
-            </a:r>
-          </a:p>
-          <a:p>
-            <a:r>
-              <a:rPr lang="en-US" sz="1600" dirty="0">
-                <a:latin typeface="Courier New" panose="02070309020205020404" pitchFamily="49" charset="0"/>
-                <a:cs typeface="Courier New" panose="02070309020205020404" pitchFamily="49" charset="0"/>
-              </a:rPr>
-              <a:t> 9 Black Brown    17</a:t>
-            </a:r>
-          </a:p>
-          <a:p>
-            <a:r>
-              <a:rPr lang="en-US" sz="1600" dirty="0">
-                <a:latin typeface="Courier New" panose="02070309020205020404" pitchFamily="49" charset="0"/>
-                <a:cs typeface="Courier New" panose="02070309020205020404" pitchFamily="49" charset="0"/>
-              </a:rPr>
-              <a:t>10 Black Brown    23</a:t>
-            </a:r>
-          </a:p>
-          <a:p>
-            <a:r>
-              <a:rPr lang="en-US" sz="1600" dirty="0">
-                <a:solidFill>
-                  <a:schemeClr val="bg1">
-                    <a:lumMod val="50000"/>
-                  </a:schemeClr>
-                </a:solidFill>
-                <a:latin typeface="Courier New" panose="02070309020205020404" pitchFamily="49" charset="0"/>
-                <a:cs typeface="Courier New" panose="02070309020205020404" pitchFamily="49" charset="0"/>
-              </a:rPr>
-              <a:t># ... with 582 more rows</a:t>
-            </a:r>
-          </a:p>
-        </p:txBody>
-      </p:sp>
-      <p:sp>
-        <p:nvSpPr>
-          <p:cNvPr id="6" name="TextBox 5">
-            <a:extLst>
-              <a:ext uri="{FF2B5EF4-FFF2-40B4-BE49-F238E27FC236}">
-                <a16:creationId xmlns:a16="http://schemas.microsoft.com/office/drawing/2014/main" id="{2194DCAC-A95A-41C9-96AA-E36CCAB9F765}"/>
-              </a:ext>
-            </a:extLst>
-          </p:cNvPr>
-          <p:cNvSpPr txBox="1"/>
-          <p:nvPr/>
-        </p:nvSpPr>
-        <p:spPr>
-          <a:xfrm>
-            <a:off x="5638800" y="2133600"/>
-            <a:ext cx="3048000" cy="3631763"/>
-          </a:xfrm>
-          <a:prstGeom prst="rect">
-            <a:avLst/>
-          </a:prstGeom>
-          <a:noFill/>
-        </p:spPr>
-        <p:txBody>
-          <a:bodyPr wrap="square" rtlCol="0">
-            <a:spAutoFit/>
-          </a:bodyPr>
-          <a:lstStyle/>
-          <a:p>
-            <a:pPr marL="285750" indent="-285750">
-              <a:buFont typeface="Arial" panose="020B0604020202020204" pitchFamily="34" charset="0"/>
-              <a:buChar char="•"/>
-            </a:pPr>
-            <a:r>
-              <a:rPr lang="en-US" dirty="0"/>
-              <a:t>One obs. per case</a:t>
-            </a:r>
-          </a:p>
-          <a:p>
-            <a:pPr marL="285750" indent="-285750">
-              <a:buFont typeface="Arial" panose="020B0604020202020204" pitchFamily="34" charset="0"/>
-              <a:buChar char="•"/>
-            </a:pPr>
-            <a:r>
-              <a:rPr lang="en-US" dirty="0"/>
-              <a:t># rows = sum of counts</a:t>
-            </a:r>
-          </a:p>
-          <a:p>
-            <a:pPr marL="285750" indent="-285750">
-              <a:buFont typeface="Arial" panose="020B0604020202020204" pitchFamily="34" charset="0"/>
-              <a:buChar char="•"/>
-            </a:pPr>
-            <a:endParaRPr lang="en-US" dirty="0"/>
-          </a:p>
-          <a:p>
-            <a:pPr marL="285750" indent="-285750">
-              <a:buFont typeface="Arial" panose="020B0604020202020204" pitchFamily="34" charset="0"/>
-              <a:buChar char="•"/>
-            </a:pPr>
-            <a:r>
-              <a:rPr lang="en-US" sz="1400" b="1" dirty="0" err="1">
-                <a:solidFill>
-                  <a:schemeClr val="accent6">
-                    <a:lumMod val="50000"/>
-                  </a:schemeClr>
-                </a:solidFill>
-                <a:latin typeface="Courier New" panose="02070309020205020404" pitchFamily="49" charset="0"/>
-                <a:cs typeface="Courier New" panose="02070309020205020404" pitchFamily="49" charset="0"/>
-              </a:rPr>
-              <a:t>vcdExtra</a:t>
-            </a:r>
-            <a:r>
-              <a:rPr lang="en-US" sz="1400" b="1" dirty="0">
-                <a:solidFill>
-                  <a:schemeClr val="accent6">
-                    <a:lumMod val="50000"/>
-                  </a:schemeClr>
-                </a:solidFill>
-                <a:latin typeface="Courier New" panose="02070309020205020404" pitchFamily="49" charset="0"/>
-                <a:cs typeface="Courier New" panose="02070309020205020404" pitchFamily="49" charset="0"/>
-              </a:rPr>
-              <a:t>::</a:t>
-            </a:r>
-            <a:r>
-              <a:rPr lang="en-US" sz="1400" b="1" dirty="0" err="1">
-                <a:solidFill>
-                  <a:schemeClr val="accent6">
-                    <a:lumMod val="50000"/>
-                  </a:schemeClr>
-                </a:solidFill>
-                <a:latin typeface="Courier New" panose="02070309020205020404" pitchFamily="49" charset="0"/>
-                <a:cs typeface="Courier New" panose="02070309020205020404" pitchFamily="49" charset="0"/>
-              </a:rPr>
-              <a:t>expand.dft</a:t>
-            </a:r>
-            <a:r>
-              <a:rPr lang="en-US" sz="1400" b="1" dirty="0">
-                <a:solidFill>
-                  <a:schemeClr val="accent6">
-                    <a:lumMod val="50000"/>
-                  </a:schemeClr>
-                </a:solidFill>
-                <a:latin typeface="Courier New" panose="02070309020205020404" pitchFamily="49" charset="0"/>
-                <a:cs typeface="Courier New" panose="02070309020205020404" pitchFamily="49" charset="0"/>
-              </a:rPr>
-              <a:t>() </a:t>
-            </a:r>
-            <a:r>
-              <a:rPr lang="en-US" dirty="0"/>
-              <a:t>expands to frequency form</a:t>
-            </a:r>
-          </a:p>
-          <a:p>
-            <a:pPr marL="285750" indent="-285750">
-              <a:buFont typeface="Arial" panose="020B0604020202020204" pitchFamily="34" charset="0"/>
-              <a:buChar char="•"/>
-            </a:pPr>
-            <a:endParaRPr lang="en-US" dirty="0"/>
-          </a:p>
-          <a:p>
-            <a:pPr marL="285750" indent="-285750">
-              <a:buFont typeface="Arial" panose="020B0604020202020204" pitchFamily="34" charset="0"/>
-              <a:buChar char="•"/>
-            </a:pPr>
-            <a:r>
-              <a:rPr lang="en-US" dirty="0"/>
-              <a:t>case form is required if there are continuous variables</a:t>
-            </a:r>
-          </a:p>
-          <a:p>
-            <a:pPr marL="285750" indent="-285750">
-              <a:buFont typeface="Arial" panose="020B0604020202020204" pitchFamily="34" charset="0"/>
-              <a:buChar char="•"/>
-            </a:pPr>
-            <a:endParaRPr lang="en-US" dirty="0"/>
-          </a:p>
-          <a:p>
-            <a:pPr marL="285750" indent="-285750">
-              <a:buFont typeface="Arial" panose="020B0604020202020204" pitchFamily="34" charset="0"/>
-              <a:buChar char="•"/>
-            </a:pPr>
-            <a:r>
-              <a:rPr lang="en-US" dirty="0"/>
-              <a:t>case form is </a:t>
-            </a:r>
-            <a:r>
-              <a:rPr lang="en-US" dirty="0">
-                <a:solidFill>
-                  <a:srgbClr val="FF0000"/>
-                </a:solidFill>
-              </a:rPr>
-              <a:t>tidy</a:t>
-            </a:r>
-          </a:p>
-          <a:p>
-            <a:pPr marL="285750" indent="-285750">
-              <a:buFont typeface="Arial" panose="020B0604020202020204" pitchFamily="34" charset="0"/>
-              <a:buChar char="•"/>
-            </a:pPr>
-            <a:r>
-              <a:rPr lang="en-US" dirty="0"/>
-              <a:t>not all CDA functions play well with </a:t>
-            </a:r>
-            <a:r>
-              <a:rPr lang="en-US" dirty="0" err="1"/>
-              <a:t>tibbles</a:t>
-            </a:r>
-            <a:r>
-              <a:rPr lang="en-US" dirty="0"/>
-              <a:t> </a:t>
-            </a:r>
-          </a:p>
-        </p:txBody>
-      </p:sp>
-    </p:spTree>
-    <p:extLst>
-      <p:ext uri="{BB962C8B-B14F-4D97-AF65-F5344CB8AC3E}">
-        <p14:creationId xmlns:p14="http://schemas.microsoft.com/office/powerpoint/2010/main" val="3566437520"/>
-      </p:ext>
-    </p:extLst>
-  </p:cSld>
-  <p:clrMapOvr>
-    <a:masterClrMapping/>
-  </p:clrMapOvr>
-</p:sld>
-</file>
-
-<file path=ppt/slides/slide21.xml><?xml version="1.0" encoding="utf-8"?>
-<p:sld xmlns:a="http://schemas.openxmlformats.org/drawingml/2006/main" xmlns:r="http://schemas.openxmlformats.org/officeDocument/2006/relationships" xmlns:p="http://schemas.openxmlformats.org/presentationml/2006/main">
-  <p:cSld>
-    <p:spTree>
-      <p:nvGrpSpPr>
-        <p:cNvPr id="1" name=""/>
-        <p:cNvGrpSpPr/>
-        <p:nvPr/>
-      </p:nvGrpSpPr>
-      <p:grpSpPr>
-        <a:xfrm>
-          <a:off x="0" y="0"/>
-          <a:ext cx="0" cy="0"/>
-          <a:chOff x="0" y="0"/>
-          <a:chExt cx="0" cy="0"/>
-        </a:xfrm>
-      </p:grpSpPr>
-      <p:sp>
-        <p:nvSpPr>
-          <p:cNvPr id="2" name="Title 1">
-            <a:extLst>
-              <a:ext uri="{FF2B5EF4-FFF2-40B4-BE49-F238E27FC236}">
                 <a16:creationId xmlns:a16="http://schemas.microsoft.com/office/drawing/2014/main" id="{EF2F1D77-D51D-4186-83B2-0AE0DEDB1E47}"/>
               </a:ext>
             </a:extLst>
@@ -11110,7 +10874,7 @@
           <a:p>
             <a:fld id="{621225AB-15B9-4C79-A121-04D1DC7E2307}" type="slidenum">
               <a:rPr lang="en-US" smtClean="0"/>
-              <a:t>21</a:t>
+              <a:t>20</a:t>
             </a:fld>
             <a:endParaRPr lang="en-US"/>
           </a:p>
@@ -11626,7 +11390,7 @@
 </p:sld>
 </file>
 
-<file path=ppt/slides/slide22.xml><?xml version="1.0" encoding="utf-8"?>
+<file path=ppt/slides/slide21.xml><?xml version="1.0" encoding="utf-8"?>
 <p:sld xmlns:a="http://schemas.openxmlformats.org/drawingml/2006/main" xmlns:r="http://schemas.openxmlformats.org/officeDocument/2006/relationships" xmlns:p="http://schemas.openxmlformats.org/presentationml/2006/main">
   <p:cSld>
     <p:spTree>
@@ -11696,7 +11460,7 @@
           <a:p>
             <a:fld id="{621225AB-15B9-4C79-A121-04D1DC7E2307}" type="slidenum">
               <a:rPr lang="en-US" smtClean="0"/>
-              <a:t>22</a:t>
+              <a:t>21</a:t>
             </a:fld>
             <a:endParaRPr lang="en-US"/>
           </a:p>
@@ -11792,7 +11556,7 @@
 </p:sld>
 </file>
 
-<file path=ppt/slides/slide23.xml><?xml version="1.0" encoding="utf-8"?>
+<file path=ppt/slides/slide22.xml><?xml version="1.0" encoding="utf-8"?>
 <p:sld xmlns:a="http://schemas.openxmlformats.org/drawingml/2006/main" xmlns:r="http://schemas.openxmlformats.org/officeDocument/2006/relationships" xmlns:p="http://schemas.openxmlformats.org/presentationml/2006/main">
   <p:cSld>
     <p:spTree>
@@ -11862,7 +11626,7 @@
           <a:p>
             <a:fld id="{621225AB-15B9-4C79-A121-04D1DC7E2307}" type="slidenum">
               <a:rPr lang="en-US" smtClean="0"/>
-              <a:t>23</a:t>
+              <a:t>22</a:t>
             </a:fld>
             <a:endParaRPr lang="en-US"/>
           </a:p>
@@ -11923,7 +11687,7 @@
 </p:sld>
 </file>
 
-<file path=ppt/slides/slide24.xml><?xml version="1.0" encoding="utf-8"?>
+<file path=ppt/slides/slide23.xml><?xml version="1.0" encoding="utf-8"?>
 <p:sld xmlns:a="http://schemas.openxmlformats.org/drawingml/2006/main" xmlns:r="http://schemas.openxmlformats.org/officeDocument/2006/relationships" xmlns:p="http://schemas.openxmlformats.org/presentationml/2006/main">
   <p:cSld>
     <p:spTree>
@@ -11993,7 +11757,7 @@
           <a:p>
             <a:fld id="{621225AB-15B9-4C79-A121-04D1DC7E2307}" type="slidenum">
               <a:rPr lang="en-US" smtClean="0"/>
-              <a:t>24</a:t>
+              <a:t>23</a:t>
             </a:fld>
             <a:endParaRPr lang="en-US"/>
           </a:p>
@@ -12042,7 +11806,7 @@
 </p:sld>
 </file>
 
-<file path=ppt/slides/slide25.xml><?xml version="1.0" encoding="utf-8"?>
+<file path=ppt/slides/slide24.xml><?xml version="1.0" encoding="utf-8"?>
 <p:sld xmlns:a="http://schemas.openxmlformats.org/drawingml/2006/main" xmlns:r="http://schemas.openxmlformats.org/officeDocument/2006/relationships" xmlns:p="http://schemas.openxmlformats.org/presentationml/2006/main">
   <p:cSld>
     <p:spTree>
@@ -12112,7 +11876,7 @@
           <a:p>
             <a:fld id="{621225AB-15B9-4C79-A121-04D1DC7E2307}" type="slidenum">
               <a:rPr lang="en-US" smtClean="0"/>
-              <a:t>25</a:t>
+              <a:t>24</a:t>
             </a:fld>
             <a:endParaRPr lang="en-US"/>
           </a:p>
@@ -12161,7 +11925,7 @@
 </p:sld>
 </file>
 
-<file path=ppt/slides/slide26.xml><?xml version="1.0" encoding="utf-8"?>
+<file path=ppt/slides/slide25.xml><?xml version="1.0" encoding="utf-8"?>
 <p:sld xmlns:a="http://schemas.openxmlformats.org/drawingml/2006/main" xmlns:r="http://schemas.openxmlformats.org/officeDocument/2006/relationships" xmlns:p="http://schemas.openxmlformats.org/presentationml/2006/main">
   <p:cSld>
     <p:bg>
@@ -12241,7 +12005,7 @@
           <a:p>
             <a:fld id="{621225AB-15B9-4C79-A121-04D1DC7E2307}" type="slidenum">
               <a:rPr lang="en-US" smtClean="0"/>
-              <a:t>26</a:t>
+              <a:t>25</a:t>
             </a:fld>
             <a:endParaRPr lang="en-US"/>
           </a:p>
@@ -12996,7 +12760,7 @@
 </p:sld>
 </file>
 
-<file path=ppt/slides/slide27.xml><?xml version="1.0" encoding="utf-8"?>
+<file path=ppt/slides/slide26.xml><?xml version="1.0" encoding="utf-8"?>
 <p:sld xmlns:a="http://schemas.openxmlformats.org/drawingml/2006/main" xmlns:r="http://schemas.openxmlformats.org/officeDocument/2006/relationships" xmlns:p="http://schemas.openxmlformats.org/presentationml/2006/main">
   <p:cSld>
     <p:spTree>
@@ -13066,7 +12830,7 @@
           <a:p>
             <a:fld id="{621225AB-15B9-4C79-A121-04D1DC7E2307}" type="slidenum">
               <a:rPr lang="en-US" smtClean="0"/>
-              <a:t>27</a:t>
+              <a:t>26</a:t>
             </a:fld>
             <a:endParaRPr lang="en-US"/>
           </a:p>
@@ -13843,7 +13607,7 @@
 </p:sld>
 </file>
 
-<file path=ppt/slides/slide28.xml><?xml version="1.0" encoding="utf-8"?>
+<file path=ppt/slides/slide27.xml><?xml version="1.0" encoding="utf-8"?>
 <p:sld xmlns:a="http://schemas.openxmlformats.org/drawingml/2006/main" xmlns:r="http://schemas.openxmlformats.org/officeDocument/2006/relationships" xmlns:p="http://schemas.openxmlformats.org/presentationml/2006/main">
   <p:cSld>
     <p:spTree>
@@ -13913,7 +13677,7 @@
           <a:p>
             <a:fld id="{621225AB-15B9-4C79-A121-04D1DC7E2307}" type="slidenum">
               <a:rPr lang="en-US" smtClean="0"/>
-              <a:t>28</a:t>
+              <a:t>27</a:t>
             </a:fld>
             <a:endParaRPr lang="en-US"/>
           </a:p>
@@ -13974,7 +13738,7 @@
 </p:sld>
 </file>
 
-<file path=ppt/slides/slide29.xml><?xml version="1.0" encoding="utf-8"?>
+<file path=ppt/slides/slide28.xml><?xml version="1.0" encoding="utf-8"?>
 <p:sld xmlns:a="http://schemas.openxmlformats.org/drawingml/2006/main" xmlns:r="http://schemas.openxmlformats.org/officeDocument/2006/relationships" xmlns:p="http://schemas.openxmlformats.org/presentationml/2006/main">
   <p:cSld>
     <p:spTree>
@@ -14100,7 +13864,7 @@
           <a:p>
             <a:fld id="{621225AB-15B9-4C79-A121-04D1DC7E2307}" type="slidenum">
               <a:rPr lang="en-US" smtClean="0"/>
-              <a:t>29</a:t>
+              <a:t>28</a:t>
             </a:fld>
             <a:endParaRPr lang="en-US"/>
           </a:p>
@@ -14469,6 +14233,195 @@
 </p:sld>
 </file>
 
+<file path=ppt/slides/slide29.xml><?xml version="1.0" encoding="utf-8"?>
+<p:sld xmlns:a="http://schemas.openxmlformats.org/drawingml/2006/main" xmlns:r="http://schemas.openxmlformats.org/officeDocument/2006/relationships" xmlns:p="http://schemas.openxmlformats.org/presentationml/2006/main">
+  <p:cSld>
+    <p:spTree>
+      <p:nvGrpSpPr>
+        <p:cNvPr id="1" name=""/>
+        <p:cNvGrpSpPr/>
+        <p:nvPr/>
+      </p:nvGrpSpPr>
+      <p:grpSpPr>
+        <a:xfrm>
+          <a:off x="0" y="0"/>
+          <a:ext cx="0" cy="0"/>
+          <a:chOff x="0" y="0"/>
+          <a:chExt cx="0" cy="0"/>
+        </a:xfrm>
+      </p:grpSpPr>
+      <p:sp>
+        <p:nvSpPr>
+          <p:cNvPr id="2" name="Title 1">
+            <a:extLst>
+              <a:ext uri="{FF2B5EF4-FFF2-40B4-BE49-F238E27FC236}">
+                <a16:creationId xmlns:a16="http://schemas.microsoft.com/office/drawing/2014/main" id="{2C5AAABA-A177-4A3B-AF2C-6B2C5FCAFB23}"/>
+              </a:ext>
+            </a:extLst>
+          </p:cNvPr>
+          <p:cNvSpPr>
+            <a:spLocks noGrp="1"/>
+          </p:cNvSpPr>
+          <p:nvPr>
+            <p:ph type="title"/>
+          </p:nvPr>
+        </p:nvSpPr>
+        <p:spPr/>
+        <p:txBody>
+          <a:bodyPr>
+            <a:normAutofit/>
+          </a:bodyPr>
+          <a:lstStyle/>
+          <a:p>
+            <a:r>
+              <a:rPr lang="en-US" sz="3600" dirty="0"/>
+              <a:t>Graphical methods: Presentation goals</a:t>
+            </a:r>
+          </a:p>
+        </p:txBody>
+      </p:sp>
+      <p:sp>
+        <p:nvSpPr>
+          <p:cNvPr id="3" name="Content Placeholder 2">
+            <a:extLst>
+              <a:ext uri="{FF2B5EF4-FFF2-40B4-BE49-F238E27FC236}">
+                <a16:creationId xmlns:a16="http://schemas.microsoft.com/office/drawing/2014/main" id="{106D46D1-D221-4858-8C35-EBAB5C831F7F}"/>
+              </a:ext>
+            </a:extLst>
+          </p:cNvPr>
+          <p:cNvSpPr>
+            <a:spLocks noGrp="1"/>
+          </p:cNvSpPr>
+          <p:nvPr>
+            <p:ph idx="1"/>
+          </p:nvPr>
+        </p:nvSpPr>
+        <p:spPr>
+          <a:xfrm>
+            <a:off x="457200" y="1143000"/>
+            <a:ext cx="8229600" cy="914400"/>
+          </a:xfrm>
+        </p:spPr>
+        <p:txBody>
+          <a:bodyPr>
+            <a:normAutofit lnSpcReduction="10000"/>
+          </a:bodyPr>
+          <a:lstStyle/>
+          <a:p>
+            <a:r>
+              <a:rPr lang="en-US" dirty="0"/>
+              <a:t>Different presentation goals appeal to different design principles</a:t>
+            </a:r>
+          </a:p>
+        </p:txBody>
+      </p:sp>
+      <p:sp>
+        <p:nvSpPr>
+          <p:cNvPr id="4" name="Slide Number Placeholder 3">
+            <a:extLst>
+              <a:ext uri="{FF2B5EF4-FFF2-40B4-BE49-F238E27FC236}">
+                <a16:creationId xmlns:a16="http://schemas.microsoft.com/office/drawing/2014/main" id="{1753F249-0CB7-4912-87EE-BD00F60A62EE}"/>
+              </a:ext>
+            </a:extLst>
+          </p:cNvPr>
+          <p:cNvSpPr>
+            <a:spLocks noGrp="1"/>
+          </p:cNvSpPr>
+          <p:nvPr>
+            <p:ph type="sldNum" sz="quarter" idx="12"/>
+          </p:nvPr>
+        </p:nvSpPr>
+        <p:spPr/>
+        <p:txBody>
+          <a:bodyPr/>
+          <a:lstStyle/>
+          <a:p>
+            <a:fld id="{621225AB-15B9-4C79-A121-04D1DC7E2307}" type="slidenum">
+              <a:rPr lang="en-US" smtClean="0"/>
+              <a:t>29</a:t>
+            </a:fld>
+            <a:endParaRPr lang="en-US"/>
+          </a:p>
+        </p:txBody>
+      </p:sp>
+      <p:pic>
+        <p:nvPicPr>
+          <p:cNvPr id="5" name="Picture 4">
+            <a:extLst>
+              <a:ext uri="{FF2B5EF4-FFF2-40B4-BE49-F238E27FC236}">
+                <a16:creationId xmlns:a16="http://schemas.microsoft.com/office/drawing/2014/main" id="{A37FCD5C-5DA6-4CA9-8A19-146DC7C845F6}"/>
+              </a:ext>
+            </a:extLst>
+          </p:cNvPr>
+          <p:cNvPicPr>
+            <a:picLocks noChangeAspect="1"/>
+          </p:cNvPicPr>
+          <p:nvPr/>
+        </p:nvPicPr>
+        <p:blipFill>
+          <a:blip r:embed="rId2"/>
+          <a:stretch>
+            <a:fillRect/>
+          </a:stretch>
+        </p:blipFill>
+        <p:spPr>
+          <a:xfrm>
+            <a:off x="1143000" y="2286000"/>
+            <a:ext cx="6590476" cy="3285714"/>
+          </a:xfrm>
+          <a:prstGeom prst="rect">
+            <a:avLst/>
+          </a:prstGeom>
+        </p:spPr>
+      </p:pic>
+      <p:sp>
+        <p:nvSpPr>
+          <p:cNvPr id="6" name="TextBox 5">
+            <a:extLst>
+              <a:ext uri="{FF2B5EF4-FFF2-40B4-BE49-F238E27FC236}">
+                <a16:creationId xmlns:a16="http://schemas.microsoft.com/office/drawing/2014/main" id="{2BAA2E3C-F353-4BDA-8A93-606FA27D3C98}"/>
+              </a:ext>
+            </a:extLst>
+          </p:cNvPr>
+          <p:cNvSpPr txBox="1"/>
+          <p:nvPr/>
+        </p:nvSpPr>
+        <p:spPr>
+          <a:xfrm>
+            <a:off x="838200" y="5867400"/>
+            <a:ext cx="7620000" cy="369332"/>
+          </a:xfrm>
+          <a:prstGeom prst="rect">
+            <a:avLst/>
+          </a:prstGeom>
+          <a:noFill/>
+        </p:spPr>
+        <p:txBody>
+          <a:bodyPr wrap="square" rtlCol="0">
+            <a:spAutoFit/>
+          </a:bodyPr>
+          <a:lstStyle/>
+          <a:p>
+            <a:r>
+              <a:rPr lang="en-US" dirty="0"/>
+              <a:t>Think: What do I want to communicate? For what purpose?</a:t>
+            </a:r>
+          </a:p>
+        </p:txBody>
+      </p:sp>
+    </p:spTree>
+    <p:extLst>
+      <p:ext uri="{BB962C8B-B14F-4D97-AF65-F5344CB8AC3E}">
+        <p14:creationId xmlns:p14="http://schemas.microsoft.com/office/powerpoint/2010/main" val="3522968678"/>
+      </p:ext>
+    </p:extLst>
+  </p:cSld>
+  <p:clrMapOvr>
+    <a:masterClrMapping/>
+  </p:clrMapOvr>
+</p:sld>
+</file>
+
 <file path=ppt/slides/slide3.xml><?xml version="1.0" encoding="utf-8"?>
 <p:sld xmlns:a="http://schemas.openxmlformats.org/drawingml/2006/main" xmlns:r="http://schemas.openxmlformats.org/officeDocument/2006/relationships" xmlns:p="http://schemas.openxmlformats.org/presentationml/2006/main">
   <p:cSld>
@@ -14640,195 +14593,6 @@
           <p:cNvPr id="2" name="Title 1">
             <a:extLst>
               <a:ext uri="{FF2B5EF4-FFF2-40B4-BE49-F238E27FC236}">
-                <a16:creationId xmlns:a16="http://schemas.microsoft.com/office/drawing/2014/main" id="{2C5AAABA-A177-4A3B-AF2C-6B2C5FCAFB23}"/>
-              </a:ext>
-            </a:extLst>
-          </p:cNvPr>
-          <p:cNvSpPr>
-            <a:spLocks noGrp="1"/>
-          </p:cNvSpPr>
-          <p:nvPr>
-            <p:ph type="title"/>
-          </p:nvPr>
-        </p:nvSpPr>
-        <p:spPr/>
-        <p:txBody>
-          <a:bodyPr>
-            <a:normAutofit/>
-          </a:bodyPr>
-          <a:lstStyle/>
-          <a:p>
-            <a:r>
-              <a:rPr lang="en-US" sz="3600" dirty="0"/>
-              <a:t>Graphical methods: Presentation goals</a:t>
-            </a:r>
-          </a:p>
-        </p:txBody>
-      </p:sp>
-      <p:sp>
-        <p:nvSpPr>
-          <p:cNvPr id="3" name="Content Placeholder 2">
-            <a:extLst>
-              <a:ext uri="{FF2B5EF4-FFF2-40B4-BE49-F238E27FC236}">
-                <a16:creationId xmlns:a16="http://schemas.microsoft.com/office/drawing/2014/main" id="{106D46D1-D221-4858-8C35-EBAB5C831F7F}"/>
-              </a:ext>
-            </a:extLst>
-          </p:cNvPr>
-          <p:cNvSpPr>
-            <a:spLocks noGrp="1"/>
-          </p:cNvSpPr>
-          <p:nvPr>
-            <p:ph idx="1"/>
-          </p:nvPr>
-        </p:nvSpPr>
-        <p:spPr>
-          <a:xfrm>
-            <a:off x="457200" y="1143000"/>
-            <a:ext cx="8229600" cy="914400"/>
-          </a:xfrm>
-        </p:spPr>
-        <p:txBody>
-          <a:bodyPr>
-            <a:normAutofit lnSpcReduction="10000"/>
-          </a:bodyPr>
-          <a:lstStyle/>
-          <a:p>
-            <a:r>
-              <a:rPr lang="en-US" dirty="0"/>
-              <a:t>Different presentation goals appeal to different design principles</a:t>
-            </a:r>
-          </a:p>
-        </p:txBody>
-      </p:sp>
-      <p:sp>
-        <p:nvSpPr>
-          <p:cNvPr id="4" name="Slide Number Placeholder 3">
-            <a:extLst>
-              <a:ext uri="{FF2B5EF4-FFF2-40B4-BE49-F238E27FC236}">
-                <a16:creationId xmlns:a16="http://schemas.microsoft.com/office/drawing/2014/main" id="{1753F249-0CB7-4912-87EE-BD00F60A62EE}"/>
-              </a:ext>
-            </a:extLst>
-          </p:cNvPr>
-          <p:cNvSpPr>
-            <a:spLocks noGrp="1"/>
-          </p:cNvSpPr>
-          <p:nvPr>
-            <p:ph type="sldNum" sz="quarter" idx="12"/>
-          </p:nvPr>
-        </p:nvSpPr>
-        <p:spPr/>
-        <p:txBody>
-          <a:bodyPr/>
-          <a:lstStyle/>
-          <a:p>
-            <a:fld id="{621225AB-15B9-4C79-A121-04D1DC7E2307}" type="slidenum">
-              <a:rPr lang="en-US" smtClean="0"/>
-              <a:t>30</a:t>
-            </a:fld>
-            <a:endParaRPr lang="en-US"/>
-          </a:p>
-        </p:txBody>
-      </p:sp>
-      <p:pic>
-        <p:nvPicPr>
-          <p:cNvPr id="5" name="Picture 4">
-            <a:extLst>
-              <a:ext uri="{FF2B5EF4-FFF2-40B4-BE49-F238E27FC236}">
-                <a16:creationId xmlns:a16="http://schemas.microsoft.com/office/drawing/2014/main" id="{A37FCD5C-5DA6-4CA9-8A19-146DC7C845F6}"/>
-              </a:ext>
-            </a:extLst>
-          </p:cNvPr>
-          <p:cNvPicPr>
-            <a:picLocks noChangeAspect="1"/>
-          </p:cNvPicPr>
-          <p:nvPr/>
-        </p:nvPicPr>
-        <p:blipFill>
-          <a:blip r:embed="rId2"/>
-          <a:stretch>
-            <a:fillRect/>
-          </a:stretch>
-        </p:blipFill>
-        <p:spPr>
-          <a:xfrm>
-            <a:off x="1143000" y="2286000"/>
-            <a:ext cx="6590476" cy="3285714"/>
-          </a:xfrm>
-          <a:prstGeom prst="rect">
-            <a:avLst/>
-          </a:prstGeom>
-        </p:spPr>
-      </p:pic>
-      <p:sp>
-        <p:nvSpPr>
-          <p:cNvPr id="6" name="TextBox 5">
-            <a:extLst>
-              <a:ext uri="{FF2B5EF4-FFF2-40B4-BE49-F238E27FC236}">
-                <a16:creationId xmlns:a16="http://schemas.microsoft.com/office/drawing/2014/main" id="{2BAA2E3C-F353-4BDA-8A93-606FA27D3C98}"/>
-              </a:ext>
-            </a:extLst>
-          </p:cNvPr>
-          <p:cNvSpPr txBox="1"/>
-          <p:nvPr/>
-        </p:nvSpPr>
-        <p:spPr>
-          <a:xfrm>
-            <a:off x="838200" y="5867400"/>
-            <a:ext cx="7620000" cy="369332"/>
-          </a:xfrm>
-          <a:prstGeom prst="rect">
-            <a:avLst/>
-          </a:prstGeom>
-          <a:noFill/>
-        </p:spPr>
-        <p:txBody>
-          <a:bodyPr wrap="square" rtlCol="0">
-            <a:spAutoFit/>
-          </a:bodyPr>
-          <a:lstStyle/>
-          <a:p>
-            <a:r>
-              <a:rPr lang="en-US" dirty="0"/>
-              <a:t>Think: What do I want to communicate? For what purpose?</a:t>
-            </a:r>
-          </a:p>
-        </p:txBody>
-      </p:sp>
-    </p:spTree>
-    <p:extLst>
-      <p:ext uri="{BB962C8B-B14F-4D97-AF65-F5344CB8AC3E}">
-        <p14:creationId xmlns:p14="http://schemas.microsoft.com/office/powerpoint/2010/main" val="3522968678"/>
-      </p:ext>
-    </p:extLst>
-  </p:cSld>
-  <p:clrMapOvr>
-    <a:masterClrMapping/>
-  </p:clrMapOvr>
-</p:sld>
-</file>
-
-<file path=ppt/slides/slide31.xml><?xml version="1.0" encoding="utf-8"?>
-<p:sld xmlns:a="http://schemas.openxmlformats.org/drawingml/2006/main" xmlns:r="http://schemas.openxmlformats.org/officeDocument/2006/relationships" xmlns:p="http://schemas.openxmlformats.org/presentationml/2006/main">
-  <p:cSld>
-    <p:spTree>
-      <p:nvGrpSpPr>
-        <p:cNvPr id="1" name=""/>
-        <p:cNvGrpSpPr/>
-        <p:nvPr/>
-      </p:nvGrpSpPr>
-      <p:grpSpPr>
-        <a:xfrm>
-          <a:off x="0" y="0"/>
-          <a:ext cx="0" cy="0"/>
-          <a:chOff x="0" y="0"/>
-          <a:chExt cx="0" cy="0"/>
-        </a:xfrm>
-      </p:grpSpPr>
-      <p:sp>
-        <p:nvSpPr>
-          <p:cNvPr id="2" name="Title 1">
-            <a:extLst>
-              <a:ext uri="{FF2B5EF4-FFF2-40B4-BE49-F238E27FC236}">
                 <a16:creationId xmlns:a16="http://schemas.microsoft.com/office/drawing/2014/main" id="{96B2782B-EA54-4FD5-AD73-A74151C567AE}"/>
               </a:ext>
             </a:extLst>
@@ -14877,7 +14641,7 @@
           <a:p>
             <a:fld id="{621225AB-15B9-4C79-A121-04D1DC7E2307}" type="slidenum">
               <a:rPr lang="en-US" smtClean="0"/>
-              <a:t>31</a:t>
+              <a:t>30</a:t>
             </a:fld>
             <a:endParaRPr lang="en-US"/>
           </a:p>
@@ -14926,7 +14690,7 @@
 </p:sld>
 </file>
 
-<file path=ppt/slides/slide32.xml><?xml version="1.0" encoding="utf-8"?>
+<file path=ppt/slides/slide31.xml><?xml version="1.0" encoding="utf-8"?>
 <p:sld xmlns:a="http://schemas.openxmlformats.org/drawingml/2006/main" xmlns:r="http://schemas.openxmlformats.org/officeDocument/2006/relationships" xmlns:p="http://schemas.openxmlformats.org/presentationml/2006/main">
   <p:cSld>
     <p:spTree>
@@ -14996,7 +14760,7 @@
           <a:p>
             <a:fld id="{621225AB-15B9-4C79-A121-04D1DC7E2307}" type="slidenum">
               <a:rPr lang="en-US" smtClean="0"/>
-              <a:t>32</a:t>
+              <a:t>31</a:t>
             </a:fld>
             <a:endParaRPr lang="en-US"/>
           </a:p>
@@ -15106,7 +14870,7 @@
 </p:sld>
 </file>
 
-<file path=ppt/slides/slide33.xml><?xml version="1.0" encoding="utf-8"?>
+<file path=ppt/slides/slide32.xml><?xml version="1.0" encoding="utf-8"?>
 <p:sld xmlns:a="http://schemas.openxmlformats.org/drawingml/2006/main" xmlns:r="http://schemas.openxmlformats.org/officeDocument/2006/relationships" xmlns:p="http://schemas.openxmlformats.org/presentationml/2006/main">
   <p:cSld>
     <p:spTree>
@@ -15359,7 +15123,7 @@
             <a:fld id="{D235BFA0-17C9-4887-B142-76D18401E0CE}" type="slidenum">
               <a:rPr lang="en-US" altLang="en-US" smtClean="0"/>
               <a:pPr/>
-              <a:t>33</a:t>
+              <a:t>32</a:t>
             </a:fld>
             <a:endParaRPr lang="en-US" altLang="en-US"/>
           </a:p>
@@ -15803,7 +15567,7 @@
 </p:sld>
 </file>
 
-<file path=ppt/slides/slide34.xml><?xml version="1.0" encoding="utf-8"?>
+<file path=ppt/slides/slide33.xml><?xml version="1.0" encoding="utf-8"?>
 <p:sld xmlns:a="http://schemas.openxmlformats.org/drawingml/2006/main" xmlns:r="http://schemas.openxmlformats.org/officeDocument/2006/relationships" xmlns:p="http://schemas.openxmlformats.org/presentationml/2006/main">
   <p:cSld>
     <p:spTree>
@@ -15868,7 +15632,7 @@
             <a:fld id="{FBAE3AB2-EB76-4842-8B2D-239F5FCE76F2}" type="slidenum">
               <a:rPr lang="en-US" altLang="en-US" smtClean="0"/>
               <a:pPr/>
-              <a:t>34</a:t>
+              <a:t>33</a:t>
             </a:fld>
             <a:endParaRPr lang="en-US" altLang="en-US"/>
           </a:p>
@@ -15941,7 +15705,7 @@
 </p:sld>
 </file>
 
-<file path=ppt/slides/slide35.xml><?xml version="1.0" encoding="utf-8"?>
+<file path=ppt/slides/slide34.xml><?xml version="1.0" encoding="utf-8"?>
 <p:sld xmlns:a="http://schemas.openxmlformats.org/drawingml/2006/main" xmlns:r="http://schemas.openxmlformats.org/officeDocument/2006/relationships" xmlns:p="http://schemas.openxmlformats.org/presentationml/2006/main">
   <p:cSld>
     <p:spTree>
@@ -16010,7 +15774,7 @@
             <a:fld id="{FBAE3AB2-EB76-4842-8B2D-239F5FCE76F2}" type="slidenum">
               <a:rPr lang="en-US" altLang="en-US" smtClean="0"/>
               <a:pPr/>
-              <a:t>35</a:t>
+              <a:t>34</a:t>
             </a:fld>
             <a:endParaRPr lang="en-US" altLang="en-US"/>
           </a:p>
@@ -16650,7 +16414,7 @@
 </p:sld>
 </file>
 
-<file path=ppt/slides/slide36.xml><?xml version="1.0" encoding="utf-8"?>
+<file path=ppt/slides/slide35.xml><?xml version="1.0" encoding="utf-8"?>
 <p:sld xmlns:a="http://schemas.openxmlformats.org/drawingml/2006/main" xmlns:r="http://schemas.openxmlformats.org/officeDocument/2006/relationships" xmlns:p="http://schemas.openxmlformats.org/presentationml/2006/main">
   <p:cSld>
     <p:spTree>
@@ -16720,7 +16484,7 @@
           <a:p>
             <a:fld id="{621225AB-15B9-4C79-A121-04D1DC7E2307}" type="slidenum">
               <a:rPr lang="en-US" smtClean="0"/>
-              <a:t>36</a:t>
+              <a:t>35</a:t>
             </a:fld>
             <a:endParaRPr lang="en-US"/>
           </a:p>
@@ -17355,7 +17119,7 @@
 </p:sld>
 </file>
 
-<file path=ppt/slides/slide37.xml><?xml version="1.0" encoding="utf-8"?>
+<file path=ppt/slides/slide36.xml><?xml version="1.0" encoding="utf-8"?>
 <p:sld xmlns:a="http://schemas.openxmlformats.org/drawingml/2006/main" xmlns:r="http://schemas.openxmlformats.org/officeDocument/2006/relationships" xmlns:p="http://schemas.openxmlformats.org/presentationml/2006/main">
   <p:cSld>
     <p:spTree>
@@ -17573,7 +17337,7 @@
           <a:p>
             <a:fld id="{621225AB-15B9-4C79-A121-04D1DC7E2307}" type="slidenum">
               <a:rPr lang="en-US" smtClean="0"/>
-              <a:t>37</a:t>
+              <a:t>36</a:t>
             </a:fld>
             <a:endParaRPr lang="en-US"/>
           </a:p>
@@ -17971,7 +17735,7 @@
 </p:sld>
 </file>
 
-<file path=ppt/slides/slide38.xml><?xml version="1.0" encoding="utf-8"?>
+<file path=ppt/slides/slide37.xml><?xml version="1.0" encoding="utf-8"?>
 <p:sld xmlns:a="http://schemas.openxmlformats.org/drawingml/2006/main" xmlns:r="http://schemas.openxmlformats.org/officeDocument/2006/relationships" xmlns:p="http://schemas.openxmlformats.org/presentationml/2006/main">
   <p:cSld>
     <p:spTree>
@@ -18041,7 +17805,7 @@
           <a:p>
             <a:fld id="{621225AB-15B9-4C79-A121-04D1DC7E2307}" type="slidenum">
               <a:rPr lang="en-US" smtClean="0"/>
-              <a:t>38</a:t>
+              <a:t>37</a:t>
             </a:fld>
             <a:endParaRPr lang="en-US"/>
           </a:p>
@@ -18157,7 +17921,7 @@
 </p:sld>
 </file>
 
-<file path=ppt/slides/slide39.xml><?xml version="1.0" encoding="utf-8"?>
+<file path=ppt/slides/slide38.xml><?xml version="1.0" encoding="utf-8"?>
 <p:sld xmlns:a="http://schemas.openxmlformats.org/drawingml/2006/main" xmlns:r="http://schemas.openxmlformats.org/officeDocument/2006/relationships" xmlns:p="http://schemas.openxmlformats.org/presentationml/2006/main">
   <p:cSld>
     <p:spTree>
@@ -18259,7 +18023,7 @@
           <a:p>
             <a:fld id="{621225AB-15B9-4C79-A121-04D1DC7E2307}" type="slidenum">
               <a:rPr lang="en-US" smtClean="0"/>
-              <a:t>39</a:t>
+              <a:t>38</a:t>
             </a:fld>
             <a:endParaRPr lang="en-US"/>
           </a:p>
@@ -18650,206 +18414,7 @@
 </p:sld>
 </file>
 
-<file path=ppt/slides/slide4.xml><?xml version="1.0" encoding="utf-8"?>
-<p:sld xmlns:a="http://schemas.openxmlformats.org/drawingml/2006/main" xmlns:r="http://schemas.openxmlformats.org/officeDocument/2006/relationships" xmlns:p="http://schemas.openxmlformats.org/presentationml/2006/main">
-  <p:cSld>
-    <p:spTree>
-      <p:nvGrpSpPr>
-        <p:cNvPr id="1" name=""/>
-        <p:cNvGrpSpPr/>
-        <p:nvPr/>
-      </p:nvGrpSpPr>
-      <p:grpSpPr>
-        <a:xfrm>
-          <a:off x="0" y="0"/>
-          <a:ext cx="0" cy="0"/>
-          <a:chOff x="0" y="0"/>
-          <a:chExt cx="0" cy="0"/>
-        </a:xfrm>
-      </p:grpSpPr>
-      <p:sp>
-        <p:nvSpPr>
-          <p:cNvPr id="2" name="Title 1">
-            <a:extLst>
-              <a:ext uri="{FF2B5EF4-FFF2-40B4-BE49-F238E27FC236}">
-                <a16:creationId xmlns:a16="http://schemas.microsoft.com/office/drawing/2014/main" id="{796C3607-833C-67D5-6FC6-01C7CF665AF2}"/>
-              </a:ext>
-            </a:extLst>
-          </p:cNvPr>
-          <p:cNvSpPr>
-            <a:spLocks noGrp="1"/>
-          </p:cNvSpPr>
-          <p:nvPr>
-            <p:ph type="title"/>
-          </p:nvPr>
-        </p:nvSpPr>
-        <p:spPr/>
-        <p:txBody>
-          <a:bodyPr>
-            <a:normAutofit fontScale="90000"/>
-          </a:bodyPr>
-          <a:lstStyle/>
-          <a:p>
-            <a:r>
-              <a:rPr lang="en-CA" dirty="0"/>
-              <a:t>Course schedule</a:t>
-            </a:r>
-          </a:p>
-        </p:txBody>
-      </p:sp>
-      <p:sp>
-        <p:nvSpPr>
-          <p:cNvPr id="3" name="Slide Number Placeholder 2">
-            <a:extLst>
-              <a:ext uri="{FF2B5EF4-FFF2-40B4-BE49-F238E27FC236}">
-                <a16:creationId xmlns:a16="http://schemas.microsoft.com/office/drawing/2014/main" id="{3734EE70-1B98-4E96-4AC1-0950820E6653}"/>
-              </a:ext>
-            </a:extLst>
-          </p:cNvPr>
-          <p:cNvSpPr>
-            <a:spLocks noGrp="1"/>
-          </p:cNvSpPr>
-          <p:nvPr>
-            <p:ph type="sldNum" sz="quarter" idx="12"/>
-          </p:nvPr>
-        </p:nvSpPr>
-        <p:spPr/>
-        <p:txBody>
-          <a:bodyPr/>
-          <a:lstStyle/>
-          <a:p>
-            <a:fld id="{621225AB-15B9-4C79-A121-04D1DC7E2307}" type="slidenum">
-              <a:rPr lang="en-US" smtClean="0"/>
-              <a:t>4</a:t>
-            </a:fld>
-            <a:endParaRPr lang="en-US"/>
-          </a:p>
-        </p:txBody>
-      </p:sp>
-      <p:pic>
-        <p:nvPicPr>
-          <p:cNvPr id="7" name="Picture 6">
-            <a:extLst>
-              <a:ext uri="{FF2B5EF4-FFF2-40B4-BE49-F238E27FC236}">
-                <a16:creationId xmlns:a16="http://schemas.microsoft.com/office/drawing/2014/main" id="{C8899FCB-5F17-0F02-BE61-D014C7F64538}"/>
-              </a:ext>
-            </a:extLst>
-          </p:cNvPr>
-          <p:cNvPicPr>
-            <a:picLocks noChangeAspect="1"/>
-          </p:cNvPicPr>
-          <p:nvPr/>
-        </p:nvPicPr>
-        <p:blipFill>
-          <a:blip r:embed="rId2"/>
-          <a:stretch>
-            <a:fillRect/>
-          </a:stretch>
-        </p:blipFill>
-        <p:spPr>
-          <a:xfrm>
-            <a:off x="533400" y="1676400"/>
-            <a:ext cx="7657143" cy="4533333"/>
-          </a:xfrm>
-          <a:prstGeom prst="rect">
-            <a:avLst/>
-          </a:prstGeom>
-        </p:spPr>
-      </p:pic>
-      <p:sp>
-        <p:nvSpPr>
-          <p:cNvPr id="8" name="TextBox 7">
-            <a:extLst>
-              <a:ext uri="{FF2B5EF4-FFF2-40B4-BE49-F238E27FC236}">
-                <a16:creationId xmlns:a16="http://schemas.microsoft.com/office/drawing/2014/main" id="{A1CBFDD0-9C53-DBF8-02D2-2D8DDE3BBA14}"/>
-              </a:ext>
-            </a:extLst>
-          </p:cNvPr>
-          <p:cNvSpPr txBox="1"/>
-          <p:nvPr/>
-        </p:nvSpPr>
-        <p:spPr>
-          <a:xfrm>
-            <a:off x="457200" y="1143000"/>
-            <a:ext cx="8229600" cy="369332"/>
-          </a:xfrm>
-          <a:prstGeom prst="rect">
-            <a:avLst/>
-          </a:prstGeom>
-          <a:noFill/>
-        </p:spPr>
-        <p:txBody>
-          <a:bodyPr wrap="square" rtlCol="0">
-            <a:spAutoFit/>
-          </a:bodyPr>
-          <a:lstStyle/>
-          <a:p>
-            <a:r>
-              <a:rPr lang="en-CA" dirty="0"/>
-              <a:t>The </a:t>
-            </a:r>
-            <a:r>
-              <a:rPr lang="en-CA" dirty="0">
-                <a:hlinkClick r:id="rId3"/>
-              </a:rPr>
-              <a:t>schedule</a:t>
-            </a:r>
-            <a:r>
-              <a:rPr lang="en-CA" dirty="0"/>
-              <a:t> page provides links to slides, tutorials, readings &amp; R scripts</a:t>
-            </a:r>
-          </a:p>
-        </p:txBody>
-      </p:sp>
-      <p:sp>
-        <p:nvSpPr>
-          <p:cNvPr id="9" name="TextBox 8">
-            <a:extLst>
-              <a:ext uri="{FF2B5EF4-FFF2-40B4-BE49-F238E27FC236}">
-                <a16:creationId xmlns:a16="http://schemas.microsoft.com/office/drawing/2014/main" id="{37F713B7-1D8F-0B75-C89D-76C8DE7C5E9C}"/>
-              </a:ext>
-            </a:extLst>
-          </p:cNvPr>
-          <p:cNvSpPr txBox="1"/>
-          <p:nvPr/>
-        </p:nvSpPr>
-        <p:spPr>
-          <a:xfrm>
-            <a:off x="762000" y="5867400"/>
-            <a:ext cx="3657600" cy="369332"/>
-          </a:xfrm>
-          <a:prstGeom prst="rect">
-            <a:avLst/>
-          </a:prstGeom>
-          <a:noFill/>
-        </p:spPr>
-        <p:txBody>
-          <a:bodyPr wrap="square" rtlCol="0">
-            <a:spAutoFit/>
-          </a:bodyPr>
-          <a:lstStyle/>
-          <a:p>
-            <a:r>
-              <a:rPr lang="en-CA" dirty="0"/>
-              <a:t>. . .</a:t>
-            </a:r>
-          </a:p>
-        </p:txBody>
-      </p:sp>
-    </p:spTree>
-    <p:extLst>
-      <p:ext uri="{BB962C8B-B14F-4D97-AF65-F5344CB8AC3E}">
-        <p14:creationId xmlns:p14="http://schemas.microsoft.com/office/powerpoint/2010/main" val="314979435"/>
-      </p:ext>
-    </p:extLst>
-  </p:cSld>
-  <p:clrMapOvr>
-    <a:masterClrMapping/>
-  </p:clrMapOvr>
-</p:sld>
-</file>
-
-<file path=ppt/slides/slide40.xml><?xml version="1.0" encoding="utf-8"?>
+<file path=ppt/slides/slide39.xml><?xml version="1.0" encoding="utf-8"?>
 <p:sld xmlns:a="http://schemas.openxmlformats.org/drawingml/2006/main" xmlns:r="http://schemas.openxmlformats.org/officeDocument/2006/relationships" xmlns:p="http://schemas.openxmlformats.org/presentationml/2006/main">
   <p:cSld>
     <p:spTree>
@@ -18955,7 +18520,7 @@
           <a:p>
             <a:fld id="{621225AB-15B9-4C79-A121-04D1DC7E2307}" type="slidenum">
               <a:rPr lang="en-US" smtClean="0"/>
-              <a:t>40</a:t>
+              <a:t>39</a:t>
             </a:fld>
             <a:endParaRPr lang="en-US"/>
           </a:p>
@@ -19346,7 +18911,206 @@
 </p:sld>
 </file>
 
-<file path=ppt/slides/slide41.xml><?xml version="1.0" encoding="utf-8"?>
+<file path=ppt/slides/slide4.xml><?xml version="1.0" encoding="utf-8"?>
+<p:sld xmlns:a="http://schemas.openxmlformats.org/drawingml/2006/main" xmlns:r="http://schemas.openxmlformats.org/officeDocument/2006/relationships" xmlns:p="http://schemas.openxmlformats.org/presentationml/2006/main">
+  <p:cSld>
+    <p:spTree>
+      <p:nvGrpSpPr>
+        <p:cNvPr id="1" name=""/>
+        <p:cNvGrpSpPr/>
+        <p:nvPr/>
+      </p:nvGrpSpPr>
+      <p:grpSpPr>
+        <a:xfrm>
+          <a:off x="0" y="0"/>
+          <a:ext cx="0" cy="0"/>
+          <a:chOff x="0" y="0"/>
+          <a:chExt cx="0" cy="0"/>
+        </a:xfrm>
+      </p:grpSpPr>
+      <p:sp>
+        <p:nvSpPr>
+          <p:cNvPr id="2" name="Title 1">
+            <a:extLst>
+              <a:ext uri="{FF2B5EF4-FFF2-40B4-BE49-F238E27FC236}">
+                <a16:creationId xmlns:a16="http://schemas.microsoft.com/office/drawing/2014/main" id="{796C3607-833C-67D5-6FC6-01C7CF665AF2}"/>
+              </a:ext>
+            </a:extLst>
+          </p:cNvPr>
+          <p:cNvSpPr>
+            <a:spLocks noGrp="1"/>
+          </p:cNvSpPr>
+          <p:nvPr>
+            <p:ph type="title"/>
+          </p:nvPr>
+        </p:nvSpPr>
+        <p:spPr/>
+        <p:txBody>
+          <a:bodyPr>
+            <a:normAutofit fontScale="90000"/>
+          </a:bodyPr>
+          <a:lstStyle/>
+          <a:p>
+            <a:r>
+              <a:rPr lang="en-CA" dirty="0"/>
+              <a:t>Course schedule</a:t>
+            </a:r>
+          </a:p>
+        </p:txBody>
+      </p:sp>
+      <p:sp>
+        <p:nvSpPr>
+          <p:cNvPr id="3" name="Slide Number Placeholder 2">
+            <a:extLst>
+              <a:ext uri="{FF2B5EF4-FFF2-40B4-BE49-F238E27FC236}">
+                <a16:creationId xmlns:a16="http://schemas.microsoft.com/office/drawing/2014/main" id="{3734EE70-1B98-4E96-4AC1-0950820E6653}"/>
+              </a:ext>
+            </a:extLst>
+          </p:cNvPr>
+          <p:cNvSpPr>
+            <a:spLocks noGrp="1"/>
+          </p:cNvSpPr>
+          <p:nvPr>
+            <p:ph type="sldNum" sz="quarter" idx="12"/>
+          </p:nvPr>
+        </p:nvSpPr>
+        <p:spPr/>
+        <p:txBody>
+          <a:bodyPr/>
+          <a:lstStyle/>
+          <a:p>
+            <a:fld id="{621225AB-15B9-4C79-A121-04D1DC7E2307}" type="slidenum">
+              <a:rPr lang="en-US" smtClean="0"/>
+              <a:t>4</a:t>
+            </a:fld>
+            <a:endParaRPr lang="en-US"/>
+          </a:p>
+        </p:txBody>
+      </p:sp>
+      <p:pic>
+        <p:nvPicPr>
+          <p:cNvPr id="7" name="Picture 6">
+            <a:extLst>
+              <a:ext uri="{FF2B5EF4-FFF2-40B4-BE49-F238E27FC236}">
+                <a16:creationId xmlns:a16="http://schemas.microsoft.com/office/drawing/2014/main" id="{C8899FCB-5F17-0F02-BE61-D014C7F64538}"/>
+              </a:ext>
+            </a:extLst>
+          </p:cNvPr>
+          <p:cNvPicPr>
+            <a:picLocks noChangeAspect="1"/>
+          </p:cNvPicPr>
+          <p:nvPr/>
+        </p:nvPicPr>
+        <p:blipFill>
+          <a:blip r:embed="rId2"/>
+          <a:stretch>
+            <a:fillRect/>
+          </a:stretch>
+        </p:blipFill>
+        <p:spPr>
+          <a:xfrm>
+            <a:off x="533400" y="1676400"/>
+            <a:ext cx="7657143" cy="4533333"/>
+          </a:xfrm>
+          <a:prstGeom prst="rect">
+            <a:avLst/>
+          </a:prstGeom>
+        </p:spPr>
+      </p:pic>
+      <p:sp>
+        <p:nvSpPr>
+          <p:cNvPr id="8" name="TextBox 7">
+            <a:extLst>
+              <a:ext uri="{FF2B5EF4-FFF2-40B4-BE49-F238E27FC236}">
+                <a16:creationId xmlns:a16="http://schemas.microsoft.com/office/drawing/2014/main" id="{A1CBFDD0-9C53-DBF8-02D2-2D8DDE3BBA14}"/>
+              </a:ext>
+            </a:extLst>
+          </p:cNvPr>
+          <p:cNvSpPr txBox="1"/>
+          <p:nvPr/>
+        </p:nvSpPr>
+        <p:spPr>
+          <a:xfrm>
+            <a:off x="457200" y="1143000"/>
+            <a:ext cx="8229600" cy="369332"/>
+          </a:xfrm>
+          <a:prstGeom prst="rect">
+            <a:avLst/>
+          </a:prstGeom>
+          <a:noFill/>
+        </p:spPr>
+        <p:txBody>
+          <a:bodyPr wrap="square" rtlCol="0">
+            <a:spAutoFit/>
+          </a:bodyPr>
+          <a:lstStyle/>
+          <a:p>
+            <a:r>
+              <a:rPr lang="en-CA" dirty="0"/>
+              <a:t>The </a:t>
+            </a:r>
+            <a:r>
+              <a:rPr lang="en-CA" dirty="0">
+                <a:hlinkClick r:id="rId3"/>
+              </a:rPr>
+              <a:t>schedule</a:t>
+            </a:r>
+            <a:r>
+              <a:rPr lang="en-CA" dirty="0"/>
+              <a:t> page provides links to slides, tutorials, readings &amp; R scripts</a:t>
+            </a:r>
+          </a:p>
+        </p:txBody>
+      </p:sp>
+      <p:sp>
+        <p:nvSpPr>
+          <p:cNvPr id="9" name="TextBox 8">
+            <a:extLst>
+              <a:ext uri="{FF2B5EF4-FFF2-40B4-BE49-F238E27FC236}">
+                <a16:creationId xmlns:a16="http://schemas.microsoft.com/office/drawing/2014/main" id="{37F713B7-1D8F-0B75-C89D-76C8DE7C5E9C}"/>
+              </a:ext>
+            </a:extLst>
+          </p:cNvPr>
+          <p:cNvSpPr txBox="1"/>
+          <p:nvPr/>
+        </p:nvSpPr>
+        <p:spPr>
+          <a:xfrm>
+            <a:off x="762000" y="5867400"/>
+            <a:ext cx="3657600" cy="369332"/>
+          </a:xfrm>
+          <a:prstGeom prst="rect">
+            <a:avLst/>
+          </a:prstGeom>
+          <a:noFill/>
+        </p:spPr>
+        <p:txBody>
+          <a:bodyPr wrap="square" rtlCol="0">
+            <a:spAutoFit/>
+          </a:bodyPr>
+          <a:lstStyle/>
+          <a:p>
+            <a:r>
+              <a:rPr lang="en-CA" dirty="0"/>
+              <a:t>. . .</a:t>
+            </a:r>
+          </a:p>
+        </p:txBody>
+      </p:sp>
+    </p:spTree>
+    <p:extLst>
+      <p:ext uri="{BB962C8B-B14F-4D97-AF65-F5344CB8AC3E}">
+        <p14:creationId xmlns:p14="http://schemas.microsoft.com/office/powerpoint/2010/main" val="314979435"/>
+      </p:ext>
+    </p:extLst>
+  </p:cSld>
+  <p:clrMapOvr>
+    <a:masterClrMapping/>
+  </p:clrMapOvr>
+</p:sld>
+</file>
+
+<file path=ppt/slides/slide40.xml><?xml version="1.0" encoding="utf-8"?>
 <p:sld xmlns:a="http://schemas.openxmlformats.org/drawingml/2006/main" xmlns:r="http://schemas.openxmlformats.org/officeDocument/2006/relationships" xmlns:p="http://schemas.openxmlformats.org/presentationml/2006/main">
   <p:cSld>
     <p:spTree>
@@ -19416,7 +19180,7 @@
           <a:p>
             <a:fld id="{621225AB-15B9-4C79-A121-04D1DC7E2307}" type="slidenum">
               <a:rPr lang="en-US" smtClean="0"/>
-              <a:t>41</a:t>
+              <a:t>40</a:t>
             </a:fld>
             <a:endParaRPr lang="en-US"/>
           </a:p>
@@ -19500,7 +19264,7 @@
 </p:sld>
 </file>
 
-<file path=ppt/slides/slide42.xml><?xml version="1.0" encoding="utf-8"?>
+<file path=ppt/slides/slide41.xml><?xml version="1.0" encoding="utf-8"?>
 <p:sld xmlns:a="http://schemas.openxmlformats.org/drawingml/2006/main" xmlns:r="http://schemas.openxmlformats.org/officeDocument/2006/relationships" xmlns:p="http://schemas.openxmlformats.org/presentationml/2006/main">
   <p:cSld>
     <p:spTree>
@@ -19570,7 +19334,7 @@
           <a:p>
             <a:fld id="{621225AB-15B9-4C79-A121-04D1DC7E2307}" type="slidenum">
               <a:rPr lang="en-US" smtClean="0"/>
-              <a:t>42</a:t>
+              <a:t>41</a:t>
             </a:fld>
             <a:endParaRPr lang="en-US"/>
           </a:p>
@@ -19666,7 +19430,7 @@
 </p:sld>
 </file>
 
-<file path=ppt/slides/slide43.xml><?xml version="1.0" encoding="utf-8"?>
+<file path=ppt/slides/slide42.xml><?xml version="1.0" encoding="utf-8"?>
 <p:sld xmlns:a="http://schemas.openxmlformats.org/drawingml/2006/main" xmlns:r="http://schemas.openxmlformats.org/officeDocument/2006/relationships" xmlns:p="http://schemas.openxmlformats.org/presentationml/2006/main">
   <p:cSld>
     <p:spTree>
@@ -19724,7 +19488,7 @@
           <a:p>
             <a:fld id="{810B7604-93B8-4136-B9BD-D1CE89EE20B0}" type="slidenum">
               <a:rPr lang="en-US" smtClean="0"/>
-              <a:t>43</a:t>
+              <a:t>42</a:t>
             </a:fld>
             <a:endParaRPr lang="en-US"/>
           </a:p>
@@ -20220,7 +19984,7 @@
 </p:sld>
 </file>
 
-<file path=ppt/slides/slide44.xml><?xml version="1.0" encoding="utf-8"?>
+<file path=ppt/slides/slide43.xml><?xml version="1.0" encoding="utf-8"?>
 <p:sld xmlns:a="http://schemas.openxmlformats.org/drawingml/2006/main" xmlns:r="http://schemas.openxmlformats.org/officeDocument/2006/relationships" xmlns:p="http://schemas.openxmlformats.org/presentationml/2006/main">
   <p:cSld>
     <p:spTree>
@@ -20326,7 +20090,7 @@
           <a:p>
             <a:fld id="{810B7604-93B8-4136-B9BD-D1CE89EE20B0}" type="slidenum">
               <a:rPr lang="en-US" smtClean="0"/>
-              <a:t>44</a:t>
+              <a:t>43</a:t>
             </a:fld>
             <a:endParaRPr lang="en-US"/>
           </a:p>
@@ -20495,7 +20259,7 @@
 </p:sld>
 </file>
 
-<file path=ppt/slides/slide45.xml><?xml version="1.0" encoding="utf-8"?>
+<file path=ppt/slides/slide44.xml><?xml version="1.0" encoding="utf-8"?>
 <p:sld xmlns:a="http://schemas.openxmlformats.org/drawingml/2006/main" xmlns:r="http://schemas.openxmlformats.org/officeDocument/2006/relationships" xmlns:p="http://schemas.openxmlformats.org/presentationml/2006/main">
   <p:cSld>
     <p:spTree>
@@ -20753,7 +20517,7 @@
           <a:p>
             <a:fld id="{621225AB-15B9-4C79-A121-04D1DC7E2307}" type="slidenum">
               <a:rPr lang="en-US" smtClean="0"/>
-              <a:t>45</a:t>
+              <a:t>44</a:t>
             </a:fld>
             <a:endParaRPr lang="en-US"/>
           </a:p>
@@ -21638,438 +21402,7 @@
 </p:sld>
 </file>
 
-<file path=ppt/slides/slide46.xml><?xml version="1.0" encoding="utf-8"?>
-<p:sld xmlns:a="http://schemas.openxmlformats.org/drawingml/2006/main" xmlns:r="http://schemas.openxmlformats.org/officeDocument/2006/relationships" xmlns:p="http://schemas.openxmlformats.org/presentationml/2006/main">
-  <p:cSld>
-    <p:spTree>
-      <p:nvGrpSpPr>
-        <p:cNvPr id="1" name=""/>
-        <p:cNvGrpSpPr/>
-        <p:nvPr/>
-      </p:nvGrpSpPr>
-      <p:grpSpPr>
-        <a:xfrm>
-          <a:off x="0" y="0"/>
-          <a:ext cx="0" cy="0"/>
-          <a:chOff x="0" y="0"/>
-          <a:chExt cx="0" cy="0"/>
-        </a:xfrm>
-      </p:grpSpPr>
-      <p:sp>
-        <p:nvSpPr>
-          <p:cNvPr id="2" name="Title 1">
-            <a:extLst>
-              <a:ext uri="{FF2B5EF4-FFF2-40B4-BE49-F238E27FC236}">
-                <a16:creationId xmlns:a16="http://schemas.microsoft.com/office/drawing/2014/main" id="{0AD05432-FC84-C3B5-C819-5BB0B0B41F9E}"/>
-              </a:ext>
-            </a:extLst>
-          </p:cNvPr>
-          <p:cNvSpPr>
-            <a:spLocks noGrp="1"/>
-          </p:cNvSpPr>
-          <p:nvPr>
-            <p:ph type="title"/>
-          </p:nvPr>
-        </p:nvSpPr>
-        <p:spPr/>
-        <p:txBody>
-          <a:bodyPr>
-            <a:normAutofit fontScale="90000"/>
-          </a:bodyPr>
-          <a:lstStyle/>
-          <a:p>
-            <a:r>
-              <a:rPr lang="en-CA" dirty="0"/>
-              <a:t>Example: Household tasks</a:t>
-            </a:r>
-          </a:p>
-        </p:txBody>
-      </p:sp>
-      <p:sp>
-        <p:nvSpPr>
-          <p:cNvPr id="3" name="Slide Number Placeholder 2">
-            <a:extLst>
-              <a:ext uri="{FF2B5EF4-FFF2-40B4-BE49-F238E27FC236}">
-                <a16:creationId xmlns:a16="http://schemas.microsoft.com/office/drawing/2014/main" id="{3D9E7C5B-A12B-6CDB-192F-561C81BB5B58}"/>
-              </a:ext>
-            </a:extLst>
-          </p:cNvPr>
-          <p:cNvSpPr>
-            <a:spLocks noGrp="1"/>
-          </p:cNvSpPr>
-          <p:nvPr>
-            <p:ph type="sldNum" sz="quarter" idx="12"/>
-          </p:nvPr>
-        </p:nvSpPr>
-        <p:spPr/>
-        <p:txBody>
-          <a:bodyPr/>
-          <a:lstStyle/>
-          <a:p>
-            <a:fld id="{621225AB-15B9-4C79-A121-04D1DC7E2307}" type="slidenum">
-              <a:rPr lang="en-US" smtClean="0"/>
-              <a:t>46</a:t>
-            </a:fld>
-            <a:endParaRPr lang="en-US"/>
-          </a:p>
-        </p:txBody>
-      </p:sp>
-      <p:pic>
-        <p:nvPicPr>
-          <p:cNvPr id="7" name="Picture 6" descr="Table&#10;&#10;Description automatically generated">
-            <a:extLst>
-              <a:ext uri="{FF2B5EF4-FFF2-40B4-BE49-F238E27FC236}">
-                <a16:creationId xmlns:a16="http://schemas.microsoft.com/office/drawing/2014/main" id="{3E9CDB7E-4F7D-0F47-7620-3DB6C52444F5}"/>
-              </a:ext>
-            </a:extLst>
-          </p:cNvPr>
-          <p:cNvPicPr>
-            <a:picLocks noChangeAspect="1"/>
-          </p:cNvPicPr>
-          <p:nvPr/>
-        </p:nvPicPr>
-        <p:blipFill>
-          <a:blip r:embed="rId2">
-            <a:extLst>
-              <a:ext uri="{28A0092B-C50C-407E-A947-70E740481C1C}">
-                <a14:useLocalDpi xmlns:a14="http://schemas.microsoft.com/office/drawing/2010/main" val="0"/>
-              </a:ext>
-            </a:extLst>
-          </a:blip>
-          <a:stretch>
-            <a:fillRect/>
-          </a:stretch>
-        </p:blipFill>
-        <p:spPr>
-          <a:xfrm>
-            <a:off x="4724400" y="1964008"/>
-            <a:ext cx="3993037" cy="4392342"/>
-          </a:xfrm>
-          <a:prstGeom prst="rect">
-            <a:avLst/>
-          </a:prstGeom>
-        </p:spPr>
-      </p:pic>
-      <p:sp>
-        <p:nvSpPr>
-          <p:cNvPr id="8" name="TextBox 7">
-            <a:extLst>
-              <a:ext uri="{FF2B5EF4-FFF2-40B4-BE49-F238E27FC236}">
-                <a16:creationId xmlns:a16="http://schemas.microsoft.com/office/drawing/2014/main" id="{09FA5547-1870-B327-B300-4DBCC26C0222}"/>
-              </a:ext>
-            </a:extLst>
-          </p:cNvPr>
-          <p:cNvSpPr txBox="1"/>
-          <p:nvPr/>
-        </p:nvSpPr>
-        <p:spPr>
-          <a:xfrm>
-            <a:off x="457199" y="1143000"/>
-            <a:ext cx="4114801" cy="461665"/>
-          </a:xfrm>
-          <a:prstGeom prst="rect">
-            <a:avLst/>
-          </a:prstGeom>
-          <a:noFill/>
-        </p:spPr>
-        <p:txBody>
-          <a:bodyPr wrap="square" rtlCol="0">
-            <a:spAutoFit/>
-          </a:bodyPr>
-          <a:lstStyle/>
-          <a:p>
-            <a:r>
-              <a:rPr lang="en-CA" sz="2400" dirty="0"/>
-              <a:t>Who does what in households?</a:t>
-            </a:r>
-          </a:p>
-        </p:txBody>
-      </p:sp>
-      <p:sp>
-        <p:nvSpPr>
-          <p:cNvPr id="9" name="TextBox 8">
-            <a:extLst>
-              <a:ext uri="{FF2B5EF4-FFF2-40B4-BE49-F238E27FC236}">
-                <a16:creationId xmlns:a16="http://schemas.microsoft.com/office/drawing/2014/main" id="{52DF20F6-7A6C-4686-7A2F-F903DE0E9813}"/>
-              </a:ext>
-            </a:extLst>
-          </p:cNvPr>
-          <p:cNvSpPr txBox="1"/>
-          <p:nvPr/>
-        </p:nvSpPr>
-        <p:spPr>
-          <a:xfrm>
-            <a:off x="4876800" y="1143000"/>
-            <a:ext cx="3840637" cy="646331"/>
-          </a:xfrm>
-          <a:prstGeom prst="rect">
-            <a:avLst/>
-          </a:prstGeom>
-          <a:noFill/>
-        </p:spPr>
-        <p:txBody>
-          <a:bodyPr wrap="square" rtlCol="0">
-            <a:spAutoFit/>
-          </a:bodyPr>
-          <a:lstStyle/>
-          <a:p>
-            <a:r>
-              <a:rPr lang="en-CA" dirty="0"/>
-              <a:t>Size of symbols in a balloon plot shows the frequencies</a:t>
-            </a:r>
-          </a:p>
-        </p:txBody>
-      </p:sp>
-      <p:sp>
-        <p:nvSpPr>
-          <p:cNvPr id="4" name="TextBox 3">
-            <a:extLst>
-              <a:ext uri="{FF2B5EF4-FFF2-40B4-BE49-F238E27FC236}">
-                <a16:creationId xmlns:a16="http://schemas.microsoft.com/office/drawing/2014/main" id="{A15BD359-E81B-55D4-F489-322361022257}"/>
-              </a:ext>
-            </a:extLst>
-          </p:cNvPr>
-          <p:cNvSpPr txBox="1"/>
-          <p:nvPr/>
-        </p:nvSpPr>
-        <p:spPr>
-          <a:xfrm>
-            <a:off x="533400" y="2209800"/>
-            <a:ext cx="3993037" cy="2631490"/>
-          </a:xfrm>
-          <a:prstGeom prst="rect">
-            <a:avLst/>
-          </a:prstGeom>
-          <a:solidFill>
-            <a:schemeClr val="accent6">
-              <a:lumMod val="20000"/>
-              <a:lumOff val="80000"/>
-              <a:alpha val="60000"/>
-            </a:schemeClr>
-          </a:solidFill>
-        </p:spPr>
-        <p:txBody>
-          <a:bodyPr wrap="square" rtlCol="0">
-            <a:spAutoFit/>
-          </a:bodyPr>
-          <a:lstStyle/>
-          <a:p>
-            <a:r>
-              <a:rPr lang="en-CA" sz="1100" dirty="0">
-                <a:latin typeface="Courier New" panose="02070309020205020404" pitchFamily="49" charset="0"/>
-                <a:cs typeface="Courier New" panose="02070309020205020404" pitchFamily="49" charset="0"/>
-              </a:rPr>
-              <a:t>                   </a:t>
-            </a:r>
-            <a:r>
-              <a:rPr lang="en-CA" sz="1100" dirty="0" err="1">
-                <a:latin typeface="Courier New" panose="02070309020205020404" pitchFamily="49" charset="0"/>
-                <a:cs typeface="Courier New" panose="02070309020205020404" pitchFamily="49" charset="0"/>
-              </a:rPr>
-              <a:t>Who_does_it</a:t>
-            </a:r>
-            <a:r>
-              <a:rPr lang="en-CA" sz="1100" dirty="0">
-                <a:latin typeface="Courier New" panose="02070309020205020404" pitchFamily="49" charset="0"/>
-                <a:cs typeface="Courier New" panose="02070309020205020404" pitchFamily="49" charset="0"/>
-              </a:rPr>
-              <a:t>? </a:t>
-            </a:r>
-          </a:p>
-          <a:p>
-            <a:r>
-              <a:rPr lang="en-CA" sz="1100" dirty="0">
-                <a:latin typeface="Courier New" panose="02070309020205020404" pitchFamily="49" charset="0"/>
-                <a:cs typeface="Courier New" panose="02070309020205020404" pitchFamily="49" charset="0"/>
-              </a:rPr>
-              <a:t>          Alternating Husband Jointly Wife</a:t>
-            </a:r>
-          </a:p>
-          <a:p>
-            <a:r>
-              <a:rPr lang="en-CA" sz="1100" dirty="0" err="1">
-                <a:latin typeface="Courier New" panose="02070309020205020404" pitchFamily="49" charset="0"/>
-                <a:cs typeface="Courier New" panose="02070309020205020404" pitchFamily="49" charset="0"/>
-              </a:rPr>
-              <a:t>Breakfeast</a:t>
-            </a:r>
-            <a:r>
-              <a:rPr lang="en-CA" sz="1100" dirty="0">
-                <a:latin typeface="Courier New" panose="02070309020205020404" pitchFamily="49" charset="0"/>
-                <a:cs typeface="Courier New" panose="02070309020205020404" pitchFamily="49" charset="0"/>
-              </a:rPr>
-              <a:t>          36      15       7   82</a:t>
-            </a:r>
-          </a:p>
-          <a:p>
-            <a:r>
-              <a:rPr lang="en-CA" sz="1100" dirty="0">
-                <a:latin typeface="Courier New" panose="02070309020205020404" pitchFamily="49" charset="0"/>
-                <a:cs typeface="Courier New" panose="02070309020205020404" pitchFamily="49" charset="0"/>
-              </a:rPr>
-              <a:t>Dinner              11       7      13   77</a:t>
-            </a:r>
-          </a:p>
-          <a:p>
-            <a:r>
-              <a:rPr lang="en-CA" sz="1100" dirty="0">
-                <a:latin typeface="Courier New" panose="02070309020205020404" pitchFamily="49" charset="0"/>
-                <a:cs typeface="Courier New" panose="02070309020205020404" pitchFamily="49" charset="0"/>
-              </a:rPr>
-              <a:t>Dishes              24       4      53   32</a:t>
-            </a:r>
-          </a:p>
-          <a:p>
-            <a:r>
-              <a:rPr lang="en-CA" sz="1100" dirty="0">
-                <a:latin typeface="Courier New" panose="02070309020205020404" pitchFamily="49" charset="0"/>
-                <a:cs typeface="Courier New" panose="02070309020205020404" pitchFamily="49" charset="0"/>
-              </a:rPr>
-              <a:t>Driving             51      75       3   10</a:t>
-            </a:r>
-          </a:p>
-          <a:p>
-            <a:r>
-              <a:rPr lang="en-CA" sz="1100" dirty="0">
-                <a:latin typeface="Courier New" panose="02070309020205020404" pitchFamily="49" charset="0"/>
-                <a:cs typeface="Courier New" panose="02070309020205020404" pitchFamily="49" charset="0"/>
-              </a:rPr>
-              <a:t>Finances            13      21      66   13</a:t>
-            </a:r>
-          </a:p>
-          <a:p>
-            <a:r>
-              <a:rPr lang="en-CA" sz="1100" dirty="0">
-                <a:latin typeface="Courier New" panose="02070309020205020404" pitchFamily="49" charset="0"/>
-                <a:cs typeface="Courier New" panose="02070309020205020404" pitchFamily="49" charset="0"/>
-              </a:rPr>
-              <a:t>Holidays             1       6     153    0</a:t>
-            </a:r>
-          </a:p>
-          <a:p>
-            <a:r>
-              <a:rPr lang="en-CA" sz="1100" dirty="0">
-                <a:latin typeface="Courier New" panose="02070309020205020404" pitchFamily="49" charset="0"/>
-                <a:cs typeface="Courier New" panose="02070309020205020404" pitchFamily="49" charset="0"/>
-              </a:rPr>
-              <a:t>Insurance            1      53      77    8</a:t>
-            </a:r>
-          </a:p>
-          <a:p>
-            <a:r>
-              <a:rPr lang="en-CA" sz="1100" dirty="0">
-                <a:latin typeface="Courier New" panose="02070309020205020404" pitchFamily="49" charset="0"/>
-                <a:cs typeface="Courier New" panose="02070309020205020404" pitchFamily="49" charset="0"/>
-              </a:rPr>
-              <a:t>Laundry             14       2       4  156</a:t>
-            </a:r>
-          </a:p>
-          <a:p>
-            <a:r>
-              <a:rPr lang="en-CA" sz="1100" dirty="0" err="1">
-                <a:latin typeface="Courier New" panose="02070309020205020404" pitchFamily="49" charset="0"/>
-                <a:cs typeface="Courier New" panose="02070309020205020404" pitchFamily="49" charset="0"/>
-              </a:rPr>
-              <a:t>Main_meal</a:t>
-            </a:r>
-            <a:r>
-              <a:rPr lang="en-CA" sz="1100" dirty="0">
-                <a:latin typeface="Courier New" panose="02070309020205020404" pitchFamily="49" charset="0"/>
-                <a:cs typeface="Courier New" panose="02070309020205020404" pitchFamily="49" charset="0"/>
-              </a:rPr>
-              <a:t>           20       5       4  124</a:t>
-            </a:r>
-          </a:p>
-          <a:p>
-            <a:r>
-              <a:rPr lang="en-CA" sz="1100" dirty="0">
-                <a:latin typeface="Courier New" panose="02070309020205020404" pitchFamily="49" charset="0"/>
-                <a:cs typeface="Courier New" panose="02070309020205020404" pitchFamily="49" charset="0"/>
-              </a:rPr>
-              <a:t>Official            46      23      15   12</a:t>
-            </a:r>
-          </a:p>
-          <a:p>
-            <a:r>
-              <a:rPr lang="en-CA" sz="1100" dirty="0">
-                <a:latin typeface="Courier New" panose="02070309020205020404" pitchFamily="49" charset="0"/>
-                <a:cs typeface="Courier New" panose="02070309020205020404" pitchFamily="49" charset="0"/>
-              </a:rPr>
-              <a:t>Repairs              3     160       2    0</a:t>
-            </a:r>
-          </a:p>
-          <a:p>
-            <a:r>
-              <a:rPr lang="en-CA" sz="1100" dirty="0">
-                <a:latin typeface="Courier New" panose="02070309020205020404" pitchFamily="49" charset="0"/>
-                <a:cs typeface="Courier New" panose="02070309020205020404" pitchFamily="49" charset="0"/>
-              </a:rPr>
-              <a:t>Shopping            23       9      55   33</a:t>
-            </a:r>
-          </a:p>
-          <a:p>
-            <a:r>
-              <a:rPr lang="en-CA" sz="1100" dirty="0">
-                <a:latin typeface="Courier New" panose="02070309020205020404" pitchFamily="49" charset="0"/>
-                <a:cs typeface="Courier New" panose="02070309020205020404" pitchFamily="49" charset="0"/>
-              </a:rPr>
-              <a:t>Tidying             11       1      57   53</a:t>
-            </a:r>
-          </a:p>
-        </p:txBody>
-      </p:sp>
-      <p:sp>
-        <p:nvSpPr>
-          <p:cNvPr id="6" name="TextBox 5">
-            <a:extLst>
-              <a:ext uri="{FF2B5EF4-FFF2-40B4-BE49-F238E27FC236}">
-                <a16:creationId xmlns:a16="http://schemas.microsoft.com/office/drawing/2014/main" id="{9DA2B819-4D03-EA38-D543-E19D63F0603E}"/>
-              </a:ext>
-            </a:extLst>
-          </p:cNvPr>
-          <p:cNvSpPr txBox="1"/>
-          <p:nvPr/>
-        </p:nvSpPr>
-        <p:spPr>
-          <a:xfrm>
-            <a:off x="533400" y="5181600"/>
-            <a:ext cx="3993037" cy="923330"/>
-          </a:xfrm>
-          <a:prstGeom prst="rect">
-            <a:avLst/>
-          </a:prstGeom>
-          <a:noFill/>
-        </p:spPr>
-        <p:txBody>
-          <a:bodyPr wrap="square" rtlCol="0">
-            <a:spAutoFit/>
-          </a:bodyPr>
-          <a:lstStyle/>
-          <a:p>
-            <a:r>
-              <a:rPr lang="en-CA" dirty="0"/>
-              <a:t>Rows and columns were permuted to show the relationship more clearly</a:t>
-            </a:r>
-          </a:p>
-          <a:p>
-            <a:endParaRPr lang="en-CA" dirty="0"/>
-          </a:p>
-        </p:txBody>
-      </p:sp>
-    </p:spTree>
-    <p:extLst>
-      <p:ext uri="{BB962C8B-B14F-4D97-AF65-F5344CB8AC3E}">
-        <p14:creationId xmlns:p14="http://schemas.microsoft.com/office/powerpoint/2010/main" val="121594897"/>
-      </p:ext>
-    </p:extLst>
-  </p:cSld>
-  <p:clrMapOvr>
-    <a:masterClrMapping/>
-  </p:clrMapOvr>
-</p:sld>
-</file>
-
-<file path=ppt/slides/slide47.xml><?xml version="1.0" encoding="utf-8"?>
+<file path=ppt/slides/slide45.xml><?xml version="1.0" encoding="utf-8"?>
 <p:sld xmlns:a="http://schemas.openxmlformats.org/drawingml/2006/main" xmlns:r="http://schemas.openxmlformats.org/officeDocument/2006/relationships" xmlns:p="http://schemas.openxmlformats.org/presentationml/2006/main">
   <p:cSld>
     <p:spTree>
@@ -23155,7 +22488,7 @@
 </p:sld>
 </file>
 
-<file path=ppt/slides/slide48.xml><?xml version="1.0" encoding="utf-8"?>
+<file path=ppt/slides/slide46.xml><?xml version="1.0" encoding="utf-8"?>
 <p:sld xmlns:a="http://schemas.openxmlformats.org/drawingml/2006/main" xmlns:r="http://schemas.openxmlformats.org/officeDocument/2006/relationships" xmlns:p="http://schemas.openxmlformats.org/presentationml/2006/main">
   <p:cSld>
     <p:spTree>
@@ -25919,7 +25252,7 @@
 </p:sld>
 </file>
 
-<file path=ppt/slides/slide49.xml><?xml version="1.0" encoding="utf-8"?>
+<file path=ppt/slides/slide47.xml><?xml version="1.0" encoding="utf-8"?>
 <p:sld xmlns:a="http://schemas.openxmlformats.org/drawingml/2006/main" xmlns:r="http://schemas.openxmlformats.org/officeDocument/2006/relationships" xmlns:p="http://schemas.openxmlformats.org/presentationml/2006/main">
   <p:cSld>
     <p:spTree>
@@ -29398,6 +28731,840 @@
 </p:sld>
 </file>
 
+<file path=ppt/slides/slide48.xml><?xml version="1.0" encoding="utf-8"?>
+<p:sld xmlns:a="http://schemas.openxmlformats.org/drawingml/2006/main" xmlns:r="http://schemas.openxmlformats.org/officeDocument/2006/relationships" xmlns:p="http://schemas.openxmlformats.org/presentationml/2006/main">
+  <p:cSld>
+    <p:spTree>
+      <p:nvGrpSpPr>
+        <p:cNvPr id="1" name=""/>
+        <p:cNvGrpSpPr/>
+        <p:nvPr/>
+      </p:nvGrpSpPr>
+      <p:grpSpPr>
+        <a:xfrm>
+          <a:off x="0" y="0"/>
+          <a:ext cx="0" cy="0"/>
+          <a:chOff x="0" y="0"/>
+          <a:chExt cx="0" cy="0"/>
+        </a:xfrm>
+      </p:grpSpPr>
+      <p:sp>
+        <p:nvSpPr>
+          <p:cNvPr id="5" name="Title 4">
+            <a:extLst>
+              <a:ext uri="{FF2B5EF4-FFF2-40B4-BE49-F238E27FC236}">
+                <a16:creationId xmlns:a16="http://schemas.microsoft.com/office/drawing/2014/main" id="{FBB0B608-09F4-4FAE-B952-F2EA4B67C1CD}"/>
+              </a:ext>
+            </a:extLst>
+          </p:cNvPr>
+          <p:cNvSpPr>
+            <a:spLocks noGrp="1"/>
+          </p:cNvSpPr>
+          <p:nvPr>
+            <p:ph type="title"/>
+          </p:nvPr>
+        </p:nvSpPr>
+        <p:spPr/>
+        <p:txBody>
+          <a:bodyPr>
+            <a:normAutofit fontScale="90000"/>
+          </a:bodyPr>
+          <a:lstStyle/>
+          <a:p>
+            <a:r>
+              <a:rPr lang="en-US" dirty="0"/>
+              <a:t>Gender Bias at UC Berkeley?</a:t>
+            </a:r>
+          </a:p>
+        </p:txBody>
+      </p:sp>
+      <p:sp>
+        <p:nvSpPr>
+          <p:cNvPr id="4" name="Slide Number Placeholder 3">
+            <a:extLst>
+              <a:ext uri="{FF2B5EF4-FFF2-40B4-BE49-F238E27FC236}">
+                <a16:creationId xmlns:a16="http://schemas.microsoft.com/office/drawing/2014/main" id="{0EB36C39-2C61-4715-B02B-B6656DE04674}"/>
+              </a:ext>
+            </a:extLst>
+          </p:cNvPr>
+          <p:cNvSpPr>
+            <a:spLocks noGrp="1"/>
+          </p:cNvSpPr>
+          <p:nvPr>
+            <p:ph type="sldNum" sz="quarter" idx="12"/>
+          </p:nvPr>
+        </p:nvSpPr>
+        <p:spPr/>
+        <p:txBody>
+          <a:bodyPr/>
+          <a:lstStyle/>
+          <a:p>
+            <a:fld id="{621225AB-15B9-4C79-A121-04D1DC7E2307}" type="slidenum">
+              <a:rPr lang="en-US" smtClean="0"/>
+              <a:t>48</a:t>
+            </a:fld>
+            <a:endParaRPr lang="en-US"/>
+          </a:p>
+        </p:txBody>
+      </p:sp>
+      <p:pic>
+        <p:nvPicPr>
+          <p:cNvPr id="7" name="Picture 6" descr="Graphical user interface, text, application&#10;&#10;Description automatically generated">
+            <a:extLst>
+              <a:ext uri="{FF2B5EF4-FFF2-40B4-BE49-F238E27FC236}">
+                <a16:creationId xmlns:a16="http://schemas.microsoft.com/office/drawing/2014/main" id="{F5F6DE3D-4EDC-4A2F-B3B6-B1592D8A8CFA}"/>
+              </a:ext>
+            </a:extLst>
+          </p:cNvPr>
+          <p:cNvPicPr>
+            <a:picLocks noChangeAspect="1"/>
+          </p:cNvPicPr>
+          <p:nvPr/>
+        </p:nvPicPr>
+        <p:blipFill>
+          <a:blip r:embed="rId3">
+            <a:extLst>
+              <a:ext uri="{28A0092B-C50C-407E-A947-70E740481C1C}">
+                <a14:useLocalDpi xmlns:a14="http://schemas.microsoft.com/office/drawing/2010/main" val="0"/>
+              </a:ext>
+            </a:extLst>
+          </a:blip>
+          <a:stretch>
+            <a:fillRect/>
+          </a:stretch>
+        </p:blipFill>
+        <p:spPr>
+          <a:xfrm>
+            <a:off x="457200" y="1282495"/>
+            <a:ext cx="7796736" cy="5073855"/>
+          </a:xfrm>
+          <a:prstGeom prst="rect">
+            <a:avLst/>
+          </a:prstGeom>
+        </p:spPr>
+      </p:pic>
+      <p:sp>
+        <p:nvSpPr>
+          <p:cNvPr id="8" name="TextBox 7">
+            <a:extLst>
+              <a:ext uri="{FF2B5EF4-FFF2-40B4-BE49-F238E27FC236}">
+                <a16:creationId xmlns:a16="http://schemas.microsoft.com/office/drawing/2014/main" id="{7D1AE72F-D3AE-473C-8517-78606B01CBC0}"/>
+              </a:ext>
+            </a:extLst>
+          </p:cNvPr>
+          <p:cNvSpPr txBox="1"/>
+          <p:nvPr/>
+        </p:nvSpPr>
+        <p:spPr>
+          <a:xfrm>
+            <a:off x="762000" y="1351319"/>
+            <a:ext cx="3200400" cy="338554"/>
+          </a:xfrm>
+          <a:prstGeom prst="rect">
+            <a:avLst/>
+          </a:prstGeom>
+          <a:noFill/>
+        </p:spPr>
+        <p:txBody>
+          <a:bodyPr wrap="square" rtlCol="0">
+            <a:spAutoFit/>
+          </a:bodyPr>
+          <a:lstStyle/>
+          <a:p>
+            <a:r>
+              <a:rPr lang="en-US" sz="1600" i="1" dirty="0"/>
+              <a:t>Science</a:t>
+            </a:r>
+            <a:r>
+              <a:rPr lang="en-US" sz="1600" dirty="0"/>
+              <a:t>, 1975, </a:t>
+            </a:r>
+            <a:r>
+              <a:rPr lang="en-US" sz="1600" b="1" dirty="0"/>
+              <a:t>187:</a:t>
+            </a:r>
+            <a:r>
+              <a:rPr lang="en-US" sz="1600" dirty="0"/>
+              <a:t> 398--403</a:t>
+            </a:r>
+          </a:p>
+        </p:txBody>
+      </p:sp>
+      <p:sp>
+        <p:nvSpPr>
+          <p:cNvPr id="2" name="Rectangle 1">
+            <a:extLst>
+              <a:ext uri="{FF2B5EF4-FFF2-40B4-BE49-F238E27FC236}">
+                <a16:creationId xmlns:a16="http://schemas.microsoft.com/office/drawing/2014/main" id="{948ED357-BDE4-4ECF-93A7-4F7C9314CB6D}"/>
+              </a:ext>
+            </a:extLst>
+          </p:cNvPr>
+          <p:cNvSpPr/>
+          <p:nvPr/>
+        </p:nvSpPr>
+        <p:spPr>
+          <a:xfrm>
+            <a:off x="4114800" y="5257800"/>
+            <a:ext cx="3048000" cy="609600"/>
+          </a:xfrm>
+          <a:prstGeom prst="rect">
+            <a:avLst/>
+          </a:prstGeom>
+          <a:solidFill>
+            <a:srgbClr val="FFFF00">
+              <a:alpha val="10000"/>
+            </a:srgbClr>
+          </a:solidFill>
+          <a:ln>
+            <a:solidFill>
+              <a:srgbClr val="FFFF00"/>
+            </a:solidFill>
+          </a:ln>
+        </p:spPr>
+        <p:style>
+          <a:lnRef idx="2">
+            <a:schemeClr val="accent1">
+              <a:shade val="50000"/>
+            </a:schemeClr>
+          </a:lnRef>
+          <a:fillRef idx="1">
+            <a:schemeClr val="accent1"/>
+          </a:fillRef>
+          <a:effectRef idx="0">
+            <a:schemeClr val="accent1"/>
+          </a:effectRef>
+          <a:fontRef idx="minor">
+            <a:schemeClr val="lt1"/>
+          </a:fontRef>
+        </p:style>
+        <p:txBody>
+          <a:bodyPr rtlCol="0" anchor="ctr"/>
+          <a:lstStyle/>
+          <a:p>
+            <a:pPr algn="ctr"/>
+            <a:endParaRPr lang="en-US"/>
+          </a:p>
+        </p:txBody>
+      </p:sp>
+    </p:spTree>
+    <p:extLst>
+      <p:ext uri="{BB962C8B-B14F-4D97-AF65-F5344CB8AC3E}">
+        <p14:creationId xmlns:p14="http://schemas.microsoft.com/office/powerpoint/2010/main" val="1980819845"/>
+      </p:ext>
+    </p:extLst>
+  </p:cSld>
+  <p:clrMapOvr>
+    <a:masterClrMapping/>
+  </p:clrMapOvr>
+</p:sld>
+</file>
+
+<file path=ppt/slides/slide49.xml><?xml version="1.0" encoding="utf-8"?>
+<p:sld xmlns:a="http://schemas.openxmlformats.org/drawingml/2006/main" xmlns:r="http://schemas.openxmlformats.org/officeDocument/2006/relationships" xmlns:p="http://schemas.openxmlformats.org/presentationml/2006/main">
+  <p:cSld>
+    <p:spTree>
+      <p:nvGrpSpPr>
+        <p:cNvPr id="1" name=""/>
+        <p:cNvGrpSpPr/>
+        <p:nvPr/>
+      </p:nvGrpSpPr>
+      <p:grpSpPr>
+        <a:xfrm>
+          <a:off x="0" y="0"/>
+          <a:ext cx="0" cy="0"/>
+          <a:chOff x="0" y="0"/>
+          <a:chExt cx="0" cy="0"/>
+        </a:xfrm>
+      </p:grpSpPr>
+      <p:sp>
+        <p:nvSpPr>
+          <p:cNvPr id="5" name="Title 4">
+            <a:extLst>
+              <a:ext uri="{FF2B5EF4-FFF2-40B4-BE49-F238E27FC236}">
+                <a16:creationId xmlns:a16="http://schemas.microsoft.com/office/drawing/2014/main" id="{5270E141-34DC-4D2A-8223-1EC4A1A5EC73}"/>
+              </a:ext>
+            </a:extLst>
+          </p:cNvPr>
+          <p:cNvSpPr>
+            <a:spLocks noGrp="1"/>
+          </p:cNvSpPr>
+          <p:nvPr>
+            <p:ph type="title"/>
+          </p:nvPr>
+        </p:nvSpPr>
+        <p:spPr/>
+        <p:txBody>
+          <a:bodyPr>
+            <a:normAutofit/>
+          </a:bodyPr>
+          <a:lstStyle/>
+          <a:p>
+            <a:r>
+              <a:rPr lang="en-US" sz="3600" dirty="0"/>
+              <a:t>2 × 2 Frequency Tables: Fourfold displays</a:t>
+            </a:r>
+          </a:p>
+        </p:txBody>
+      </p:sp>
+      <p:sp>
+        <p:nvSpPr>
+          <p:cNvPr id="4" name="Slide Number Placeholder 3">
+            <a:extLst>
+              <a:ext uri="{FF2B5EF4-FFF2-40B4-BE49-F238E27FC236}">
+                <a16:creationId xmlns:a16="http://schemas.microsoft.com/office/drawing/2014/main" id="{7862DCE8-A80E-4E85-8457-41EFFE9B23D7}"/>
+              </a:ext>
+            </a:extLst>
+          </p:cNvPr>
+          <p:cNvSpPr>
+            <a:spLocks noGrp="1"/>
+          </p:cNvSpPr>
+          <p:nvPr>
+            <p:ph type="sldNum" sz="quarter" idx="12"/>
+          </p:nvPr>
+        </p:nvSpPr>
+        <p:spPr/>
+        <p:txBody>
+          <a:bodyPr/>
+          <a:lstStyle/>
+          <a:p>
+            <a:fld id="{621225AB-15B9-4C79-A121-04D1DC7E2307}" type="slidenum">
+              <a:rPr lang="en-US" smtClean="0"/>
+              <a:t>49</a:t>
+            </a:fld>
+            <a:endParaRPr lang="en-US"/>
+          </a:p>
+        </p:txBody>
+      </p:sp>
+      <p:pic>
+        <p:nvPicPr>
+          <p:cNvPr id="6" name="Picture 5" descr="Table&#10;&#10;Description automatically generated">
+            <a:extLst>
+              <a:ext uri="{FF2B5EF4-FFF2-40B4-BE49-F238E27FC236}">
+                <a16:creationId xmlns:a16="http://schemas.microsoft.com/office/drawing/2014/main" id="{A0003716-82A6-42CE-A13F-3FE83DC4A3E7}"/>
+              </a:ext>
+            </a:extLst>
+          </p:cNvPr>
+          <p:cNvPicPr>
+            <a:picLocks noChangeAspect="1"/>
+          </p:cNvPicPr>
+          <p:nvPr/>
+        </p:nvPicPr>
+        <p:blipFill>
+          <a:blip r:embed="rId3">
+            <a:extLst>
+              <a:ext uri="{28A0092B-C50C-407E-A947-70E740481C1C}">
+                <a14:useLocalDpi xmlns:a14="http://schemas.microsoft.com/office/drawing/2010/main" val="0"/>
+              </a:ext>
+            </a:extLst>
+          </a:blip>
+          <a:stretch>
+            <a:fillRect/>
+          </a:stretch>
+        </p:blipFill>
+        <p:spPr>
+          <a:xfrm>
+            <a:off x="457201" y="1447801"/>
+            <a:ext cx="5105400" cy="1162616"/>
+          </a:xfrm>
+          <a:prstGeom prst="rect">
+            <a:avLst/>
+          </a:prstGeom>
+        </p:spPr>
+      </p:pic>
+      <p:sp>
+        <p:nvSpPr>
+          <p:cNvPr id="7" name="TextBox 6">
+            <a:extLst>
+              <a:ext uri="{FF2B5EF4-FFF2-40B4-BE49-F238E27FC236}">
+                <a16:creationId xmlns:a16="http://schemas.microsoft.com/office/drawing/2014/main" id="{B3A69596-6F28-4C7B-9D2C-C0C6B96ECFEB}"/>
+              </a:ext>
+            </a:extLst>
+          </p:cNvPr>
+          <p:cNvSpPr txBox="1"/>
+          <p:nvPr/>
+        </p:nvSpPr>
+        <p:spPr>
+          <a:xfrm>
+            <a:off x="457200" y="3554163"/>
+            <a:ext cx="3505200" cy="2308324"/>
+          </a:xfrm>
+          <a:prstGeom prst="rect">
+            <a:avLst/>
+          </a:prstGeom>
+          <a:noFill/>
+        </p:spPr>
+        <p:txBody>
+          <a:bodyPr wrap="square" rtlCol="0">
+            <a:spAutoFit/>
+          </a:bodyPr>
+          <a:lstStyle/>
+          <a:p>
+            <a:r>
+              <a:rPr lang="en-US" dirty="0"/>
+              <a:t>Males nearly </a:t>
+            </a:r>
+            <a:r>
+              <a:rPr lang="en-US" dirty="0">
+                <a:highlight>
+                  <a:srgbClr val="FFFF00"/>
+                </a:highlight>
+              </a:rPr>
+              <a:t>twice</a:t>
+            </a:r>
+            <a:r>
+              <a:rPr lang="en-US" dirty="0"/>
+              <a:t> as likely to be admitted</a:t>
+            </a:r>
+          </a:p>
+          <a:p>
+            <a:pPr marL="285750" indent="-285750">
+              <a:buFont typeface="Arial" panose="020B0604020202020204" pitchFamily="34" charset="0"/>
+              <a:buChar char="•"/>
+            </a:pPr>
+            <a:r>
+              <a:rPr lang="en-US" dirty="0"/>
+              <a:t>Is this a “significant” association?</a:t>
+            </a:r>
+          </a:p>
+          <a:p>
+            <a:pPr marL="285750" indent="-285750">
+              <a:buFont typeface="Arial" panose="020B0604020202020204" pitchFamily="34" charset="0"/>
+              <a:buChar char="•"/>
+            </a:pPr>
+            <a:r>
+              <a:rPr lang="en-US" dirty="0"/>
+              <a:t>Is it evidence for gender bias?</a:t>
+            </a:r>
+          </a:p>
+          <a:p>
+            <a:pPr marL="285750" indent="-285750">
+              <a:buFont typeface="Arial" panose="020B0604020202020204" pitchFamily="34" charset="0"/>
+              <a:buChar char="•"/>
+            </a:pPr>
+            <a:r>
+              <a:rPr lang="en-US" dirty="0"/>
+              <a:t>How to measure strength of association?</a:t>
+            </a:r>
+          </a:p>
+          <a:p>
+            <a:pPr marL="285750" indent="-285750">
+              <a:buFont typeface="Arial" panose="020B0604020202020204" pitchFamily="34" charset="0"/>
+              <a:buChar char="•"/>
+            </a:pPr>
+            <a:r>
+              <a:rPr lang="en-US" dirty="0"/>
+              <a:t>How to visualize?</a:t>
+            </a:r>
+          </a:p>
+        </p:txBody>
+      </p:sp>
+      <p:pic>
+        <p:nvPicPr>
+          <p:cNvPr id="8" name="Picture 7" descr="Chart, pie chart&#10;&#10;Description automatically generated">
+            <a:extLst>
+              <a:ext uri="{FF2B5EF4-FFF2-40B4-BE49-F238E27FC236}">
+                <a16:creationId xmlns:a16="http://schemas.microsoft.com/office/drawing/2014/main" id="{332EC77A-0916-4E9E-A333-65DE3D9602CB}"/>
+              </a:ext>
+            </a:extLst>
+          </p:cNvPr>
+          <p:cNvPicPr>
+            <a:picLocks noChangeAspect="1"/>
+          </p:cNvPicPr>
+          <p:nvPr/>
+        </p:nvPicPr>
+        <p:blipFill>
+          <a:blip r:embed="rId4">
+            <a:extLst>
+              <a:ext uri="{28A0092B-C50C-407E-A947-70E740481C1C}">
+                <a14:useLocalDpi xmlns:a14="http://schemas.microsoft.com/office/drawing/2010/main" val="0"/>
+              </a:ext>
+            </a:extLst>
+          </a:blip>
+          <a:stretch>
+            <a:fillRect/>
+          </a:stretch>
+        </p:blipFill>
+        <p:spPr>
+          <a:xfrm>
+            <a:off x="5867400" y="1495967"/>
+            <a:ext cx="2754302" cy="2774082"/>
+          </a:xfrm>
+          <a:prstGeom prst="rect">
+            <a:avLst/>
+          </a:prstGeom>
+        </p:spPr>
+      </p:pic>
+      <p:sp>
+        <p:nvSpPr>
+          <p:cNvPr id="9" name="TextBox 8">
+            <a:extLst>
+              <a:ext uri="{FF2B5EF4-FFF2-40B4-BE49-F238E27FC236}">
+                <a16:creationId xmlns:a16="http://schemas.microsoft.com/office/drawing/2014/main" id="{BD8345E1-09FA-47FB-8411-74FC5E2F83EB}"/>
+              </a:ext>
+            </a:extLst>
+          </p:cNvPr>
+          <p:cNvSpPr txBox="1"/>
+          <p:nvPr/>
+        </p:nvSpPr>
+        <p:spPr>
+          <a:xfrm>
+            <a:off x="5257800" y="4572000"/>
+            <a:ext cx="3733800" cy="1323439"/>
+          </a:xfrm>
+          <a:prstGeom prst="rect">
+            <a:avLst/>
+          </a:prstGeom>
+          <a:noFill/>
+        </p:spPr>
+        <p:txBody>
+          <a:bodyPr wrap="square" rtlCol="0">
+            <a:spAutoFit/>
+          </a:bodyPr>
+          <a:lstStyle/>
+          <a:p>
+            <a:r>
+              <a:rPr lang="en-US" sz="1600" dirty="0"/>
+              <a:t>Fourfold display:</a:t>
+            </a:r>
+          </a:p>
+          <a:p>
+            <a:pPr marL="342900" indent="-342900">
+              <a:buFont typeface="Arial" panose="020B0604020202020204" pitchFamily="34" charset="0"/>
+              <a:buChar char="•"/>
+            </a:pPr>
+            <a:r>
+              <a:rPr lang="en-US" sz="1600" dirty="0"/>
+              <a:t>quarter circles, area ~ frequency</a:t>
+            </a:r>
+          </a:p>
+          <a:p>
+            <a:pPr marL="342900" indent="-342900">
+              <a:buFont typeface="Arial" panose="020B0604020202020204" pitchFamily="34" charset="0"/>
+              <a:buChar char="•"/>
+            </a:pPr>
+            <a:r>
+              <a:rPr lang="en-US" sz="1600" dirty="0"/>
+              <a:t>ratio of areas: odds ratio (</a:t>
+            </a:r>
+            <a:r>
+              <a:rPr lang="el-GR" sz="1600" dirty="0"/>
+              <a:t>θ</a:t>
+            </a:r>
+            <a:r>
+              <a:rPr lang="en-US" sz="1600" dirty="0"/>
+              <a:t>)</a:t>
+            </a:r>
+          </a:p>
+          <a:p>
+            <a:pPr marL="342900" indent="-342900">
+              <a:buFont typeface="Arial" panose="020B0604020202020204" pitchFamily="34" charset="0"/>
+              <a:buChar char="•"/>
+            </a:pPr>
+            <a:r>
+              <a:rPr lang="en-US" sz="1600" dirty="0"/>
+              <a:t>confidence bands: overlap </a:t>
+            </a:r>
+            <a:r>
+              <a:rPr lang="en-US" sz="1600" dirty="0" err="1"/>
+              <a:t>iff</a:t>
+            </a:r>
+            <a:r>
+              <a:rPr lang="en-US" sz="1600" dirty="0"/>
+              <a:t> </a:t>
+            </a:r>
+            <a:r>
+              <a:rPr lang="el-GR" sz="1600" dirty="0"/>
+              <a:t>θ</a:t>
+            </a:r>
+            <a:r>
+              <a:rPr lang="en-US" sz="1600" dirty="0"/>
+              <a:t> </a:t>
+            </a:r>
+            <a:r>
+              <a:rPr lang="el-GR" sz="1600" dirty="0">
+                <a:sym typeface="Symbol" panose="05050102010706020507" pitchFamily="18" charset="2"/>
+              </a:rPr>
+              <a:t></a:t>
+            </a:r>
+            <a:r>
+              <a:rPr lang="en-US" sz="1600" dirty="0">
+                <a:sym typeface="Symbol" panose="05050102010706020507" pitchFamily="18" charset="2"/>
+              </a:rPr>
+              <a:t> 1</a:t>
+            </a:r>
+          </a:p>
+          <a:p>
+            <a:pPr marL="342900" indent="-342900">
+              <a:buFont typeface="Arial" panose="020B0604020202020204" pitchFamily="34" charset="0"/>
+              <a:buChar char="•"/>
+            </a:pPr>
+            <a:r>
+              <a:rPr lang="en-US" sz="1600" dirty="0"/>
+              <a:t>visualize significance! </a:t>
+            </a:r>
+          </a:p>
+        </p:txBody>
+      </p:sp>
+      <p:sp>
+        <p:nvSpPr>
+          <p:cNvPr id="2" name="TextBox 1">
+            <a:extLst>
+              <a:ext uri="{FF2B5EF4-FFF2-40B4-BE49-F238E27FC236}">
+                <a16:creationId xmlns:a16="http://schemas.microsoft.com/office/drawing/2014/main" id="{59EF9DB0-DF24-49EE-BD58-0DB00B99D377}"/>
+              </a:ext>
+            </a:extLst>
+          </p:cNvPr>
+          <p:cNvSpPr txBox="1"/>
+          <p:nvPr/>
+        </p:nvSpPr>
+        <p:spPr>
+          <a:xfrm>
+            <a:off x="3505200" y="2677754"/>
+            <a:ext cx="2133600" cy="338554"/>
+          </a:xfrm>
+          <a:prstGeom prst="rect">
+            <a:avLst/>
+          </a:prstGeom>
+          <a:noFill/>
+        </p:spPr>
+        <p:txBody>
+          <a:bodyPr wrap="square" rtlCol="0">
+            <a:spAutoFit/>
+          </a:bodyPr>
+          <a:lstStyle/>
+          <a:p>
+            <a:pPr algn="ctr"/>
+            <a:r>
+              <a:rPr lang="en-US" sz="1600" dirty="0"/>
+              <a:t>odds ratio (</a:t>
+            </a:r>
+            <a:r>
+              <a:rPr lang="el-GR" sz="1600" dirty="0"/>
+              <a:t>θ</a:t>
+            </a:r>
+            <a:r>
+              <a:rPr lang="en-US" sz="1600" dirty="0"/>
+              <a:t>) = 1.84</a:t>
+            </a:r>
+          </a:p>
+        </p:txBody>
+      </p:sp>
+      <p:sp>
+        <p:nvSpPr>
+          <p:cNvPr id="3" name="Oval 2">
+            <a:extLst>
+              <a:ext uri="{FF2B5EF4-FFF2-40B4-BE49-F238E27FC236}">
+                <a16:creationId xmlns:a16="http://schemas.microsoft.com/office/drawing/2014/main" id="{E1DE4D23-8AD1-494F-9121-D68BC55F5B25}"/>
+              </a:ext>
+            </a:extLst>
+          </p:cNvPr>
+          <p:cNvSpPr/>
+          <p:nvPr/>
+        </p:nvSpPr>
+        <p:spPr>
+          <a:xfrm>
+            <a:off x="4876801" y="2703266"/>
+            <a:ext cx="685800" cy="287529"/>
+          </a:xfrm>
+          <a:prstGeom prst="ellipse">
+            <a:avLst/>
+          </a:prstGeom>
+          <a:noFill/>
+          <a:ln>
+            <a:solidFill>
+              <a:srgbClr val="FF0000"/>
+            </a:solidFill>
+          </a:ln>
+        </p:spPr>
+        <p:style>
+          <a:lnRef idx="2">
+            <a:schemeClr val="accent1">
+              <a:shade val="50000"/>
+            </a:schemeClr>
+          </a:lnRef>
+          <a:fillRef idx="1">
+            <a:schemeClr val="accent1"/>
+          </a:fillRef>
+          <a:effectRef idx="0">
+            <a:schemeClr val="accent1"/>
+          </a:effectRef>
+          <a:fontRef idx="minor">
+            <a:schemeClr val="lt1"/>
+          </a:fontRef>
+        </p:style>
+        <p:txBody>
+          <a:bodyPr rtlCol="0" anchor="ctr"/>
+          <a:lstStyle/>
+          <a:p>
+            <a:pPr algn="ctr"/>
+            <a:endParaRPr lang="en-US"/>
+          </a:p>
+        </p:txBody>
+      </p:sp>
+    </p:spTree>
+    <p:extLst>
+      <p:ext uri="{BB962C8B-B14F-4D97-AF65-F5344CB8AC3E}">
+        <p14:creationId xmlns:p14="http://schemas.microsoft.com/office/powerpoint/2010/main" val="2783808111"/>
+      </p:ext>
+    </p:extLst>
+  </p:cSld>
+  <p:clrMapOvr>
+    <a:masterClrMapping/>
+  </p:clrMapOvr>
+  <p:timing>
+    <p:tnLst>
+      <p:par>
+        <p:cTn id="1" dur="indefinite" restart="never" nodeType="tmRoot">
+          <p:childTnLst>
+            <p:seq concurrent="1" nextAc="seek">
+              <p:cTn id="2" dur="indefinite" nodeType="mainSeq">
+                <p:childTnLst>
+                  <p:par>
+                    <p:cTn id="3" fill="hold">
+                      <p:stCondLst>
+                        <p:cond delay="indefinite"/>
+                      </p:stCondLst>
+                      <p:childTnLst>
+                        <p:par>
+                          <p:cTn id="4" fill="hold">
+                            <p:stCondLst>
+                              <p:cond delay="0"/>
+                            </p:stCondLst>
+                            <p:childTnLst>
+                              <p:par>
+                                <p:cTn id="5" presetID="1" presetClass="entr" presetSubtype="0" fill="hold" grpId="0" nodeType="clickEffect">
+                                  <p:stCondLst>
+                                    <p:cond delay="0"/>
+                                  </p:stCondLst>
+                                  <p:childTnLst>
+                                    <p:set>
+                                      <p:cBhvr>
+                                        <p:cTn id="6" dur="1" fill="hold">
+                                          <p:stCondLst>
+                                            <p:cond delay="0"/>
+                                          </p:stCondLst>
+                                        </p:cTn>
+                                        <p:tgtEl>
+                                          <p:spTgt spid="7"/>
+                                        </p:tgtEl>
+                                        <p:attrNameLst>
+                                          <p:attrName>style.visibility</p:attrName>
+                                        </p:attrNameLst>
+                                      </p:cBhvr>
+                                      <p:to>
+                                        <p:strVal val="visible"/>
+                                      </p:to>
+                                    </p:set>
+                                  </p:childTnLst>
+                                </p:cTn>
+                              </p:par>
+                            </p:childTnLst>
+                          </p:cTn>
+                        </p:par>
+                      </p:childTnLst>
+                    </p:cTn>
+                  </p:par>
+                  <p:par>
+                    <p:cTn id="7" fill="hold">
+                      <p:stCondLst>
+                        <p:cond delay="indefinite"/>
+                      </p:stCondLst>
+                      <p:childTnLst>
+                        <p:par>
+                          <p:cTn id="8" fill="hold">
+                            <p:stCondLst>
+                              <p:cond delay="0"/>
+                            </p:stCondLst>
+                            <p:childTnLst>
+                              <p:par>
+                                <p:cTn id="9" presetID="1" presetClass="entr" presetSubtype="0" fill="hold" nodeType="clickEffect">
+                                  <p:stCondLst>
+                                    <p:cond delay="0"/>
+                                  </p:stCondLst>
+                                  <p:childTnLst>
+                                    <p:set>
+                                      <p:cBhvr>
+                                        <p:cTn id="10" dur="1" fill="hold">
+                                          <p:stCondLst>
+                                            <p:cond delay="0"/>
+                                          </p:stCondLst>
+                                        </p:cTn>
+                                        <p:tgtEl>
+                                          <p:spTgt spid="8"/>
+                                        </p:tgtEl>
+                                        <p:attrNameLst>
+                                          <p:attrName>style.visibility</p:attrName>
+                                        </p:attrNameLst>
+                                      </p:cBhvr>
+                                      <p:to>
+                                        <p:strVal val="visible"/>
+                                      </p:to>
+                                    </p:set>
+                                  </p:childTnLst>
+                                </p:cTn>
+                              </p:par>
+                              <p:par>
+                                <p:cTn id="11" presetID="1" presetClass="entr" presetSubtype="0" fill="hold" grpId="0" nodeType="withEffect">
+                                  <p:stCondLst>
+                                    <p:cond delay="0"/>
+                                  </p:stCondLst>
+                                  <p:childTnLst>
+                                    <p:set>
+                                      <p:cBhvr>
+                                        <p:cTn id="12" dur="1" fill="hold">
+                                          <p:stCondLst>
+                                            <p:cond delay="0"/>
+                                          </p:stCondLst>
+                                        </p:cTn>
+                                        <p:tgtEl>
+                                          <p:spTgt spid="9"/>
+                                        </p:tgtEl>
+                                        <p:attrNameLst>
+                                          <p:attrName>style.visibility</p:attrName>
+                                        </p:attrNameLst>
+                                      </p:cBhvr>
+                                      <p:to>
+                                        <p:strVal val="visible"/>
+                                      </p:to>
+                                    </p:set>
+                                  </p:childTnLst>
+                                </p:cTn>
+                              </p:par>
+                            </p:childTnLst>
+                          </p:cTn>
+                        </p:par>
+                      </p:childTnLst>
+                    </p:cTn>
+                  </p:par>
+                </p:childTnLst>
+              </p:cTn>
+              <p:prevCondLst>
+                <p:cond evt="onPrev" delay="0">
+                  <p:tgtEl>
+                    <p:sldTgt/>
+                  </p:tgtEl>
+                </p:cond>
+              </p:prevCondLst>
+              <p:nextCondLst>
+                <p:cond evt="onNext" delay="0">
+                  <p:tgtEl>
+                    <p:sldTgt/>
+                  </p:tgtEl>
+                </p:cond>
+              </p:nextCondLst>
+            </p:seq>
+          </p:childTnLst>
+        </p:cTn>
+      </p:par>
+    </p:tnLst>
+    <p:bldLst>
+      <p:bldP spid="7" grpId="0"/>
+      <p:bldP spid="9" grpId="0"/>
+    </p:bldLst>
+  </p:timing>
+</p:sld>
+</file>
+
 <file path=ppt/slides/slide5.xml><?xml version="1.0" encoding="utf-8"?>
 <p:sld xmlns:a="http://schemas.openxmlformats.org/drawingml/2006/main" xmlns:r="http://schemas.openxmlformats.org/officeDocument/2006/relationships" xmlns:p="http://schemas.openxmlformats.org/presentationml/2006/main">
   <p:cSld>
@@ -30182,840 +30349,6 @@
       </p:grpSpPr>
       <p:sp>
         <p:nvSpPr>
-          <p:cNvPr id="5" name="Title 4">
-            <a:extLst>
-              <a:ext uri="{FF2B5EF4-FFF2-40B4-BE49-F238E27FC236}">
-                <a16:creationId xmlns:a16="http://schemas.microsoft.com/office/drawing/2014/main" id="{FBB0B608-09F4-4FAE-B952-F2EA4B67C1CD}"/>
-              </a:ext>
-            </a:extLst>
-          </p:cNvPr>
-          <p:cNvSpPr>
-            <a:spLocks noGrp="1"/>
-          </p:cNvSpPr>
-          <p:nvPr>
-            <p:ph type="title"/>
-          </p:nvPr>
-        </p:nvSpPr>
-        <p:spPr/>
-        <p:txBody>
-          <a:bodyPr>
-            <a:normAutofit fontScale="90000"/>
-          </a:bodyPr>
-          <a:lstStyle/>
-          <a:p>
-            <a:r>
-              <a:rPr lang="en-US" dirty="0"/>
-              <a:t>Gender Bias at UC Berkeley?</a:t>
-            </a:r>
-          </a:p>
-        </p:txBody>
-      </p:sp>
-      <p:sp>
-        <p:nvSpPr>
-          <p:cNvPr id="4" name="Slide Number Placeholder 3">
-            <a:extLst>
-              <a:ext uri="{FF2B5EF4-FFF2-40B4-BE49-F238E27FC236}">
-                <a16:creationId xmlns:a16="http://schemas.microsoft.com/office/drawing/2014/main" id="{0EB36C39-2C61-4715-B02B-B6656DE04674}"/>
-              </a:ext>
-            </a:extLst>
-          </p:cNvPr>
-          <p:cNvSpPr>
-            <a:spLocks noGrp="1"/>
-          </p:cNvSpPr>
-          <p:nvPr>
-            <p:ph type="sldNum" sz="quarter" idx="12"/>
-          </p:nvPr>
-        </p:nvSpPr>
-        <p:spPr/>
-        <p:txBody>
-          <a:bodyPr/>
-          <a:lstStyle/>
-          <a:p>
-            <a:fld id="{621225AB-15B9-4C79-A121-04D1DC7E2307}" type="slidenum">
-              <a:rPr lang="en-US" smtClean="0"/>
-              <a:t>50</a:t>
-            </a:fld>
-            <a:endParaRPr lang="en-US"/>
-          </a:p>
-        </p:txBody>
-      </p:sp>
-      <p:pic>
-        <p:nvPicPr>
-          <p:cNvPr id="7" name="Picture 6" descr="Graphical user interface, text, application&#10;&#10;Description automatically generated">
-            <a:extLst>
-              <a:ext uri="{FF2B5EF4-FFF2-40B4-BE49-F238E27FC236}">
-                <a16:creationId xmlns:a16="http://schemas.microsoft.com/office/drawing/2014/main" id="{F5F6DE3D-4EDC-4A2F-B3B6-B1592D8A8CFA}"/>
-              </a:ext>
-            </a:extLst>
-          </p:cNvPr>
-          <p:cNvPicPr>
-            <a:picLocks noChangeAspect="1"/>
-          </p:cNvPicPr>
-          <p:nvPr/>
-        </p:nvPicPr>
-        <p:blipFill>
-          <a:blip r:embed="rId3">
-            <a:extLst>
-              <a:ext uri="{28A0092B-C50C-407E-A947-70E740481C1C}">
-                <a14:useLocalDpi xmlns:a14="http://schemas.microsoft.com/office/drawing/2010/main" val="0"/>
-              </a:ext>
-            </a:extLst>
-          </a:blip>
-          <a:stretch>
-            <a:fillRect/>
-          </a:stretch>
-        </p:blipFill>
-        <p:spPr>
-          <a:xfrm>
-            <a:off x="457200" y="1282495"/>
-            <a:ext cx="7796736" cy="5073855"/>
-          </a:xfrm>
-          <a:prstGeom prst="rect">
-            <a:avLst/>
-          </a:prstGeom>
-        </p:spPr>
-      </p:pic>
-      <p:sp>
-        <p:nvSpPr>
-          <p:cNvPr id="8" name="TextBox 7">
-            <a:extLst>
-              <a:ext uri="{FF2B5EF4-FFF2-40B4-BE49-F238E27FC236}">
-                <a16:creationId xmlns:a16="http://schemas.microsoft.com/office/drawing/2014/main" id="{7D1AE72F-D3AE-473C-8517-78606B01CBC0}"/>
-              </a:ext>
-            </a:extLst>
-          </p:cNvPr>
-          <p:cNvSpPr txBox="1"/>
-          <p:nvPr/>
-        </p:nvSpPr>
-        <p:spPr>
-          <a:xfrm>
-            <a:off x="762000" y="1351319"/>
-            <a:ext cx="3200400" cy="338554"/>
-          </a:xfrm>
-          <a:prstGeom prst="rect">
-            <a:avLst/>
-          </a:prstGeom>
-          <a:noFill/>
-        </p:spPr>
-        <p:txBody>
-          <a:bodyPr wrap="square" rtlCol="0">
-            <a:spAutoFit/>
-          </a:bodyPr>
-          <a:lstStyle/>
-          <a:p>
-            <a:r>
-              <a:rPr lang="en-US" sz="1600" i="1" dirty="0"/>
-              <a:t>Science</a:t>
-            </a:r>
-            <a:r>
-              <a:rPr lang="en-US" sz="1600" dirty="0"/>
-              <a:t>, 1975, </a:t>
-            </a:r>
-            <a:r>
-              <a:rPr lang="en-US" sz="1600" b="1" dirty="0"/>
-              <a:t>187:</a:t>
-            </a:r>
-            <a:r>
-              <a:rPr lang="en-US" sz="1600" dirty="0"/>
-              <a:t> 398--403</a:t>
-            </a:r>
-          </a:p>
-        </p:txBody>
-      </p:sp>
-      <p:sp>
-        <p:nvSpPr>
-          <p:cNvPr id="2" name="Rectangle 1">
-            <a:extLst>
-              <a:ext uri="{FF2B5EF4-FFF2-40B4-BE49-F238E27FC236}">
-                <a16:creationId xmlns:a16="http://schemas.microsoft.com/office/drawing/2014/main" id="{948ED357-BDE4-4ECF-93A7-4F7C9314CB6D}"/>
-              </a:ext>
-            </a:extLst>
-          </p:cNvPr>
-          <p:cNvSpPr/>
-          <p:nvPr/>
-        </p:nvSpPr>
-        <p:spPr>
-          <a:xfrm>
-            <a:off x="4114800" y="5257800"/>
-            <a:ext cx="3048000" cy="609600"/>
-          </a:xfrm>
-          <a:prstGeom prst="rect">
-            <a:avLst/>
-          </a:prstGeom>
-          <a:solidFill>
-            <a:srgbClr val="FFFF00">
-              <a:alpha val="10000"/>
-            </a:srgbClr>
-          </a:solidFill>
-          <a:ln>
-            <a:solidFill>
-              <a:srgbClr val="FFFF00"/>
-            </a:solidFill>
-          </a:ln>
-        </p:spPr>
-        <p:style>
-          <a:lnRef idx="2">
-            <a:schemeClr val="accent1">
-              <a:shade val="50000"/>
-            </a:schemeClr>
-          </a:lnRef>
-          <a:fillRef idx="1">
-            <a:schemeClr val="accent1"/>
-          </a:fillRef>
-          <a:effectRef idx="0">
-            <a:schemeClr val="accent1"/>
-          </a:effectRef>
-          <a:fontRef idx="minor">
-            <a:schemeClr val="lt1"/>
-          </a:fontRef>
-        </p:style>
-        <p:txBody>
-          <a:bodyPr rtlCol="0" anchor="ctr"/>
-          <a:lstStyle/>
-          <a:p>
-            <a:pPr algn="ctr"/>
-            <a:endParaRPr lang="en-US"/>
-          </a:p>
-        </p:txBody>
-      </p:sp>
-    </p:spTree>
-    <p:extLst>
-      <p:ext uri="{BB962C8B-B14F-4D97-AF65-F5344CB8AC3E}">
-        <p14:creationId xmlns:p14="http://schemas.microsoft.com/office/powerpoint/2010/main" val="1980819845"/>
-      </p:ext>
-    </p:extLst>
-  </p:cSld>
-  <p:clrMapOvr>
-    <a:masterClrMapping/>
-  </p:clrMapOvr>
-</p:sld>
-</file>
-
-<file path=ppt/slides/slide51.xml><?xml version="1.0" encoding="utf-8"?>
-<p:sld xmlns:a="http://schemas.openxmlformats.org/drawingml/2006/main" xmlns:r="http://schemas.openxmlformats.org/officeDocument/2006/relationships" xmlns:p="http://schemas.openxmlformats.org/presentationml/2006/main">
-  <p:cSld>
-    <p:spTree>
-      <p:nvGrpSpPr>
-        <p:cNvPr id="1" name=""/>
-        <p:cNvGrpSpPr/>
-        <p:nvPr/>
-      </p:nvGrpSpPr>
-      <p:grpSpPr>
-        <a:xfrm>
-          <a:off x="0" y="0"/>
-          <a:ext cx="0" cy="0"/>
-          <a:chOff x="0" y="0"/>
-          <a:chExt cx="0" cy="0"/>
-        </a:xfrm>
-      </p:grpSpPr>
-      <p:sp>
-        <p:nvSpPr>
-          <p:cNvPr id="5" name="Title 4">
-            <a:extLst>
-              <a:ext uri="{FF2B5EF4-FFF2-40B4-BE49-F238E27FC236}">
-                <a16:creationId xmlns:a16="http://schemas.microsoft.com/office/drawing/2014/main" id="{5270E141-34DC-4D2A-8223-1EC4A1A5EC73}"/>
-              </a:ext>
-            </a:extLst>
-          </p:cNvPr>
-          <p:cNvSpPr>
-            <a:spLocks noGrp="1"/>
-          </p:cNvSpPr>
-          <p:nvPr>
-            <p:ph type="title"/>
-          </p:nvPr>
-        </p:nvSpPr>
-        <p:spPr/>
-        <p:txBody>
-          <a:bodyPr>
-            <a:normAutofit/>
-          </a:bodyPr>
-          <a:lstStyle/>
-          <a:p>
-            <a:r>
-              <a:rPr lang="en-US" sz="3600" dirty="0"/>
-              <a:t>2 × 2 Frequency Tables: Fourfold displays</a:t>
-            </a:r>
-          </a:p>
-        </p:txBody>
-      </p:sp>
-      <p:sp>
-        <p:nvSpPr>
-          <p:cNvPr id="4" name="Slide Number Placeholder 3">
-            <a:extLst>
-              <a:ext uri="{FF2B5EF4-FFF2-40B4-BE49-F238E27FC236}">
-                <a16:creationId xmlns:a16="http://schemas.microsoft.com/office/drawing/2014/main" id="{7862DCE8-A80E-4E85-8457-41EFFE9B23D7}"/>
-              </a:ext>
-            </a:extLst>
-          </p:cNvPr>
-          <p:cNvSpPr>
-            <a:spLocks noGrp="1"/>
-          </p:cNvSpPr>
-          <p:nvPr>
-            <p:ph type="sldNum" sz="quarter" idx="12"/>
-          </p:nvPr>
-        </p:nvSpPr>
-        <p:spPr/>
-        <p:txBody>
-          <a:bodyPr/>
-          <a:lstStyle/>
-          <a:p>
-            <a:fld id="{621225AB-15B9-4C79-A121-04D1DC7E2307}" type="slidenum">
-              <a:rPr lang="en-US" smtClean="0"/>
-              <a:t>51</a:t>
-            </a:fld>
-            <a:endParaRPr lang="en-US"/>
-          </a:p>
-        </p:txBody>
-      </p:sp>
-      <p:pic>
-        <p:nvPicPr>
-          <p:cNvPr id="6" name="Picture 5" descr="Table&#10;&#10;Description automatically generated">
-            <a:extLst>
-              <a:ext uri="{FF2B5EF4-FFF2-40B4-BE49-F238E27FC236}">
-                <a16:creationId xmlns:a16="http://schemas.microsoft.com/office/drawing/2014/main" id="{A0003716-82A6-42CE-A13F-3FE83DC4A3E7}"/>
-              </a:ext>
-            </a:extLst>
-          </p:cNvPr>
-          <p:cNvPicPr>
-            <a:picLocks noChangeAspect="1"/>
-          </p:cNvPicPr>
-          <p:nvPr/>
-        </p:nvPicPr>
-        <p:blipFill>
-          <a:blip r:embed="rId3">
-            <a:extLst>
-              <a:ext uri="{28A0092B-C50C-407E-A947-70E740481C1C}">
-                <a14:useLocalDpi xmlns:a14="http://schemas.microsoft.com/office/drawing/2010/main" val="0"/>
-              </a:ext>
-            </a:extLst>
-          </a:blip>
-          <a:stretch>
-            <a:fillRect/>
-          </a:stretch>
-        </p:blipFill>
-        <p:spPr>
-          <a:xfrm>
-            <a:off x="457201" y="1447801"/>
-            <a:ext cx="5105400" cy="1162616"/>
-          </a:xfrm>
-          <a:prstGeom prst="rect">
-            <a:avLst/>
-          </a:prstGeom>
-        </p:spPr>
-      </p:pic>
-      <p:sp>
-        <p:nvSpPr>
-          <p:cNvPr id="7" name="TextBox 6">
-            <a:extLst>
-              <a:ext uri="{FF2B5EF4-FFF2-40B4-BE49-F238E27FC236}">
-                <a16:creationId xmlns:a16="http://schemas.microsoft.com/office/drawing/2014/main" id="{B3A69596-6F28-4C7B-9D2C-C0C6B96ECFEB}"/>
-              </a:ext>
-            </a:extLst>
-          </p:cNvPr>
-          <p:cNvSpPr txBox="1"/>
-          <p:nvPr/>
-        </p:nvSpPr>
-        <p:spPr>
-          <a:xfrm>
-            <a:off x="457200" y="3554163"/>
-            <a:ext cx="3505200" cy="2308324"/>
-          </a:xfrm>
-          <a:prstGeom prst="rect">
-            <a:avLst/>
-          </a:prstGeom>
-          <a:noFill/>
-        </p:spPr>
-        <p:txBody>
-          <a:bodyPr wrap="square" rtlCol="0">
-            <a:spAutoFit/>
-          </a:bodyPr>
-          <a:lstStyle/>
-          <a:p>
-            <a:r>
-              <a:rPr lang="en-US" dirty="0"/>
-              <a:t>Males nearly </a:t>
-            </a:r>
-            <a:r>
-              <a:rPr lang="en-US" dirty="0">
-                <a:highlight>
-                  <a:srgbClr val="FFFF00"/>
-                </a:highlight>
-              </a:rPr>
-              <a:t>twice</a:t>
-            </a:r>
-            <a:r>
-              <a:rPr lang="en-US" dirty="0"/>
-              <a:t> as likely to be admitted</a:t>
-            </a:r>
-          </a:p>
-          <a:p>
-            <a:pPr marL="285750" indent="-285750">
-              <a:buFont typeface="Arial" panose="020B0604020202020204" pitchFamily="34" charset="0"/>
-              <a:buChar char="•"/>
-            </a:pPr>
-            <a:r>
-              <a:rPr lang="en-US" dirty="0"/>
-              <a:t>Is this a “significant” association?</a:t>
-            </a:r>
-          </a:p>
-          <a:p>
-            <a:pPr marL="285750" indent="-285750">
-              <a:buFont typeface="Arial" panose="020B0604020202020204" pitchFamily="34" charset="0"/>
-              <a:buChar char="•"/>
-            </a:pPr>
-            <a:r>
-              <a:rPr lang="en-US" dirty="0"/>
-              <a:t>Is it evidence for gender bias?</a:t>
-            </a:r>
-          </a:p>
-          <a:p>
-            <a:pPr marL="285750" indent="-285750">
-              <a:buFont typeface="Arial" panose="020B0604020202020204" pitchFamily="34" charset="0"/>
-              <a:buChar char="•"/>
-            </a:pPr>
-            <a:r>
-              <a:rPr lang="en-US" dirty="0"/>
-              <a:t>How to measure strength of association?</a:t>
-            </a:r>
-          </a:p>
-          <a:p>
-            <a:pPr marL="285750" indent="-285750">
-              <a:buFont typeface="Arial" panose="020B0604020202020204" pitchFamily="34" charset="0"/>
-              <a:buChar char="•"/>
-            </a:pPr>
-            <a:r>
-              <a:rPr lang="en-US" dirty="0"/>
-              <a:t>How to visualize?</a:t>
-            </a:r>
-          </a:p>
-        </p:txBody>
-      </p:sp>
-      <p:pic>
-        <p:nvPicPr>
-          <p:cNvPr id="8" name="Picture 7" descr="Chart, pie chart&#10;&#10;Description automatically generated">
-            <a:extLst>
-              <a:ext uri="{FF2B5EF4-FFF2-40B4-BE49-F238E27FC236}">
-                <a16:creationId xmlns:a16="http://schemas.microsoft.com/office/drawing/2014/main" id="{332EC77A-0916-4E9E-A333-65DE3D9602CB}"/>
-              </a:ext>
-            </a:extLst>
-          </p:cNvPr>
-          <p:cNvPicPr>
-            <a:picLocks noChangeAspect="1"/>
-          </p:cNvPicPr>
-          <p:nvPr/>
-        </p:nvPicPr>
-        <p:blipFill>
-          <a:blip r:embed="rId4">
-            <a:extLst>
-              <a:ext uri="{28A0092B-C50C-407E-A947-70E740481C1C}">
-                <a14:useLocalDpi xmlns:a14="http://schemas.microsoft.com/office/drawing/2010/main" val="0"/>
-              </a:ext>
-            </a:extLst>
-          </a:blip>
-          <a:stretch>
-            <a:fillRect/>
-          </a:stretch>
-        </p:blipFill>
-        <p:spPr>
-          <a:xfrm>
-            <a:off x="5867400" y="1495967"/>
-            <a:ext cx="2754302" cy="2774082"/>
-          </a:xfrm>
-          <a:prstGeom prst="rect">
-            <a:avLst/>
-          </a:prstGeom>
-        </p:spPr>
-      </p:pic>
-      <p:sp>
-        <p:nvSpPr>
-          <p:cNvPr id="9" name="TextBox 8">
-            <a:extLst>
-              <a:ext uri="{FF2B5EF4-FFF2-40B4-BE49-F238E27FC236}">
-                <a16:creationId xmlns:a16="http://schemas.microsoft.com/office/drawing/2014/main" id="{BD8345E1-09FA-47FB-8411-74FC5E2F83EB}"/>
-              </a:ext>
-            </a:extLst>
-          </p:cNvPr>
-          <p:cNvSpPr txBox="1"/>
-          <p:nvPr/>
-        </p:nvSpPr>
-        <p:spPr>
-          <a:xfrm>
-            <a:off x="5257800" y="4572000"/>
-            <a:ext cx="3733800" cy="1323439"/>
-          </a:xfrm>
-          <a:prstGeom prst="rect">
-            <a:avLst/>
-          </a:prstGeom>
-          <a:noFill/>
-        </p:spPr>
-        <p:txBody>
-          <a:bodyPr wrap="square" rtlCol="0">
-            <a:spAutoFit/>
-          </a:bodyPr>
-          <a:lstStyle/>
-          <a:p>
-            <a:r>
-              <a:rPr lang="en-US" sz="1600" dirty="0"/>
-              <a:t>Fourfold display:</a:t>
-            </a:r>
-          </a:p>
-          <a:p>
-            <a:pPr marL="342900" indent="-342900">
-              <a:buFont typeface="Arial" panose="020B0604020202020204" pitchFamily="34" charset="0"/>
-              <a:buChar char="•"/>
-            </a:pPr>
-            <a:r>
-              <a:rPr lang="en-US" sz="1600" dirty="0"/>
-              <a:t>quarter circles, area ~ frequency</a:t>
-            </a:r>
-          </a:p>
-          <a:p>
-            <a:pPr marL="342900" indent="-342900">
-              <a:buFont typeface="Arial" panose="020B0604020202020204" pitchFamily="34" charset="0"/>
-              <a:buChar char="•"/>
-            </a:pPr>
-            <a:r>
-              <a:rPr lang="en-US" sz="1600" dirty="0"/>
-              <a:t>ratio of areas: odds ratio (</a:t>
-            </a:r>
-            <a:r>
-              <a:rPr lang="el-GR" sz="1600" dirty="0"/>
-              <a:t>θ</a:t>
-            </a:r>
-            <a:r>
-              <a:rPr lang="en-US" sz="1600" dirty="0"/>
-              <a:t>)</a:t>
-            </a:r>
-          </a:p>
-          <a:p>
-            <a:pPr marL="342900" indent="-342900">
-              <a:buFont typeface="Arial" panose="020B0604020202020204" pitchFamily="34" charset="0"/>
-              <a:buChar char="•"/>
-            </a:pPr>
-            <a:r>
-              <a:rPr lang="en-US" sz="1600" dirty="0"/>
-              <a:t>confidence bands: overlap </a:t>
-            </a:r>
-            <a:r>
-              <a:rPr lang="en-US" sz="1600" dirty="0" err="1"/>
-              <a:t>iff</a:t>
-            </a:r>
-            <a:r>
-              <a:rPr lang="en-US" sz="1600" dirty="0"/>
-              <a:t> </a:t>
-            </a:r>
-            <a:r>
-              <a:rPr lang="el-GR" sz="1600" dirty="0"/>
-              <a:t>θ</a:t>
-            </a:r>
-            <a:r>
-              <a:rPr lang="en-US" sz="1600" dirty="0"/>
-              <a:t> </a:t>
-            </a:r>
-            <a:r>
-              <a:rPr lang="el-GR" sz="1600" dirty="0">
-                <a:sym typeface="Symbol" panose="05050102010706020507" pitchFamily="18" charset="2"/>
-              </a:rPr>
-              <a:t></a:t>
-            </a:r>
-            <a:r>
-              <a:rPr lang="en-US" sz="1600" dirty="0">
-                <a:sym typeface="Symbol" panose="05050102010706020507" pitchFamily="18" charset="2"/>
-              </a:rPr>
-              <a:t> 1</a:t>
-            </a:r>
-          </a:p>
-          <a:p>
-            <a:pPr marL="342900" indent="-342900">
-              <a:buFont typeface="Arial" panose="020B0604020202020204" pitchFamily="34" charset="0"/>
-              <a:buChar char="•"/>
-            </a:pPr>
-            <a:r>
-              <a:rPr lang="en-US" sz="1600" dirty="0"/>
-              <a:t>visualize significance! </a:t>
-            </a:r>
-          </a:p>
-        </p:txBody>
-      </p:sp>
-      <p:sp>
-        <p:nvSpPr>
-          <p:cNvPr id="2" name="TextBox 1">
-            <a:extLst>
-              <a:ext uri="{FF2B5EF4-FFF2-40B4-BE49-F238E27FC236}">
-                <a16:creationId xmlns:a16="http://schemas.microsoft.com/office/drawing/2014/main" id="{59EF9DB0-DF24-49EE-BD58-0DB00B99D377}"/>
-              </a:ext>
-            </a:extLst>
-          </p:cNvPr>
-          <p:cNvSpPr txBox="1"/>
-          <p:nvPr/>
-        </p:nvSpPr>
-        <p:spPr>
-          <a:xfrm>
-            <a:off x="3505200" y="2677754"/>
-            <a:ext cx="2133600" cy="338554"/>
-          </a:xfrm>
-          <a:prstGeom prst="rect">
-            <a:avLst/>
-          </a:prstGeom>
-          <a:noFill/>
-        </p:spPr>
-        <p:txBody>
-          <a:bodyPr wrap="square" rtlCol="0">
-            <a:spAutoFit/>
-          </a:bodyPr>
-          <a:lstStyle/>
-          <a:p>
-            <a:pPr algn="ctr"/>
-            <a:r>
-              <a:rPr lang="en-US" sz="1600" dirty="0"/>
-              <a:t>odds ratio (</a:t>
-            </a:r>
-            <a:r>
-              <a:rPr lang="el-GR" sz="1600" dirty="0"/>
-              <a:t>θ</a:t>
-            </a:r>
-            <a:r>
-              <a:rPr lang="en-US" sz="1600" dirty="0"/>
-              <a:t>) = 1.84</a:t>
-            </a:r>
-          </a:p>
-        </p:txBody>
-      </p:sp>
-      <p:sp>
-        <p:nvSpPr>
-          <p:cNvPr id="3" name="Oval 2">
-            <a:extLst>
-              <a:ext uri="{FF2B5EF4-FFF2-40B4-BE49-F238E27FC236}">
-                <a16:creationId xmlns:a16="http://schemas.microsoft.com/office/drawing/2014/main" id="{E1DE4D23-8AD1-494F-9121-D68BC55F5B25}"/>
-              </a:ext>
-            </a:extLst>
-          </p:cNvPr>
-          <p:cNvSpPr/>
-          <p:nvPr/>
-        </p:nvSpPr>
-        <p:spPr>
-          <a:xfrm>
-            <a:off x="4876801" y="2703266"/>
-            <a:ext cx="685800" cy="287529"/>
-          </a:xfrm>
-          <a:prstGeom prst="ellipse">
-            <a:avLst/>
-          </a:prstGeom>
-          <a:noFill/>
-          <a:ln>
-            <a:solidFill>
-              <a:srgbClr val="FF0000"/>
-            </a:solidFill>
-          </a:ln>
-        </p:spPr>
-        <p:style>
-          <a:lnRef idx="2">
-            <a:schemeClr val="accent1">
-              <a:shade val="50000"/>
-            </a:schemeClr>
-          </a:lnRef>
-          <a:fillRef idx="1">
-            <a:schemeClr val="accent1"/>
-          </a:fillRef>
-          <a:effectRef idx="0">
-            <a:schemeClr val="accent1"/>
-          </a:effectRef>
-          <a:fontRef idx="minor">
-            <a:schemeClr val="lt1"/>
-          </a:fontRef>
-        </p:style>
-        <p:txBody>
-          <a:bodyPr rtlCol="0" anchor="ctr"/>
-          <a:lstStyle/>
-          <a:p>
-            <a:pPr algn="ctr"/>
-            <a:endParaRPr lang="en-US"/>
-          </a:p>
-        </p:txBody>
-      </p:sp>
-    </p:spTree>
-    <p:extLst>
-      <p:ext uri="{BB962C8B-B14F-4D97-AF65-F5344CB8AC3E}">
-        <p14:creationId xmlns:p14="http://schemas.microsoft.com/office/powerpoint/2010/main" val="2783808111"/>
-      </p:ext>
-    </p:extLst>
-  </p:cSld>
-  <p:clrMapOvr>
-    <a:masterClrMapping/>
-  </p:clrMapOvr>
-  <p:timing>
-    <p:tnLst>
-      <p:par>
-        <p:cTn id="1" dur="indefinite" restart="never" nodeType="tmRoot">
-          <p:childTnLst>
-            <p:seq concurrent="1" nextAc="seek">
-              <p:cTn id="2" dur="indefinite" nodeType="mainSeq">
-                <p:childTnLst>
-                  <p:par>
-                    <p:cTn id="3" fill="hold">
-                      <p:stCondLst>
-                        <p:cond delay="indefinite"/>
-                      </p:stCondLst>
-                      <p:childTnLst>
-                        <p:par>
-                          <p:cTn id="4" fill="hold">
-                            <p:stCondLst>
-                              <p:cond delay="0"/>
-                            </p:stCondLst>
-                            <p:childTnLst>
-                              <p:par>
-                                <p:cTn id="5" presetID="1" presetClass="entr" presetSubtype="0" fill="hold" grpId="0" nodeType="clickEffect">
-                                  <p:stCondLst>
-                                    <p:cond delay="0"/>
-                                  </p:stCondLst>
-                                  <p:childTnLst>
-                                    <p:set>
-                                      <p:cBhvr>
-                                        <p:cTn id="6" dur="1" fill="hold">
-                                          <p:stCondLst>
-                                            <p:cond delay="0"/>
-                                          </p:stCondLst>
-                                        </p:cTn>
-                                        <p:tgtEl>
-                                          <p:spTgt spid="7"/>
-                                        </p:tgtEl>
-                                        <p:attrNameLst>
-                                          <p:attrName>style.visibility</p:attrName>
-                                        </p:attrNameLst>
-                                      </p:cBhvr>
-                                      <p:to>
-                                        <p:strVal val="visible"/>
-                                      </p:to>
-                                    </p:set>
-                                  </p:childTnLst>
-                                </p:cTn>
-                              </p:par>
-                            </p:childTnLst>
-                          </p:cTn>
-                        </p:par>
-                      </p:childTnLst>
-                    </p:cTn>
-                  </p:par>
-                  <p:par>
-                    <p:cTn id="7" fill="hold">
-                      <p:stCondLst>
-                        <p:cond delay="indefinite"/>
-                      </p:stCondLst>
-                      <p:childTnLst>
-                        <p:par>
-                          <p:cTn id="8" fill="hold">
-                            <p:stCondLst>
-                              <p:cond delay="0"/>
-                            </p:stCondLst>
-                            <p:childTnLst>
-                              <p:par>
-                                <p:cTn id="9" presetID="1" presetClass="entr" presetSubtype="0" fill="hold" nodeType="clickEffect">
-                                  <p:stCondLst>
-                                    <p:cond delay="0"/>
-                                  </p:stCondLst>
-                                  <p:childTnLst>
-                                    <p:set>
-                                      <p:cBhvr>
-                                        <p:cTn id="10" dur="1" fill="hold">
-                                          <p:stCondLst>
-                                            <p:cond delay="0"/>
-                                          </p:stCondLst>
-                                        </p:cTn>
-                                        <p:tgtEl>
-                                          <p:spTgt spid="8"/>
-                                        </p:tgtEl>
-                                        <p:attrNameLst>
-                                          <p:attrName>style.visibility</p:attrName>
-                                        </p:attrNameLst>
-                                      </p:cBhvr>
-                                      <p:to>
-                                        <p:strVal val="visible"/>
-                                      </p:to>
-                                    </p:set>
-                                  </p:childTnLst>
-                                </p:cTn>
-                              </p:par>
-                              <p:par>
-                                <p:cTn id="11" presetID="1" presetClass="entr" presetSubtype="0" fill="hold" grpId="0" nodeType="withEffect">
-                                  <p:stCondLst>
-                                    <p:cond delay="0"/>
-                                  </p:stCondLst>
-                                  <p:childTnLst>
-                                    <p:set>
-                                      <p:cBhvr>
-                                        <p:cTn id="12" dur="1" fill="hold">
-                                          <p:stCondLst>
-                                            <p:cond delay="0"/>
-                                          </p:stCondLst>
-                                        </p:cTn>
-                                        <p:tgtEl>
-                                          <p:spTgt spid="9"/>
-                                        </p:tgtEl>
-                                        <p:attrNameLst>
-                                          <p:attrName>style.visibility</p:attrName>
-                                        </p:attrNameLst>
-                                      </p:cBhvr>
-                                      <p:to>
-                                        <p:strVal val="visible"/>
-                                      </p:to>
-                                    </p:set>
-                                  </p:childTnLst>
-                                </p:cTn>
-                              </p:par>
-                            </p:childTnLst>
-                          </p:cTn>
-                        </p:par>
-                      </p:childTnLst>
-                    </p:cTn>
-                  </p:par>
-                </p:childTnLst>
-              </p:cTn>
-              <p:prevCondLst>
-                <p:cond evt="onPrev" delay="0">
-                  <p:tgtEl>
-                    <p:sldTgt/>
-                  </p:tgtEl>
-                </p:cond>
-              </p:prevCondLst>
-              <p:nextCondLst>
-                <p:cond evt="onNext" delay="0">
-                  <p:tgtEl>
-                    <p:sldTgt/>
-                  </p:tgtEl>
-                </p:cond>
-              </p:nextCondLst>
-            </p:seq>
-          </p:childTnLst>
-        </p:cTn>
-      </p:par>
-    </p:tnLst>
-    <p:bldLst>
-      <p:bldP spid="7" grpId="0"/>
-      <p:bldP spid="9" grpId="0"/>
-    </p:bldLst>
-  </p:timing>
-</p:sld>
-</file>
-
-<file path=ppt/slides/slide52.xml><?xml version="1.0" encoding="utf-8"?>
-<p:sld xmlns:a="http://schemas.openxmlformats.org/drawingml/2006/main" xmlns:r="http://schemas.openxmlformats.org/officeDocument/2006/relationships" xmlns:p="http://schemas.openxmlformats.org/presentationml/2006/main">
-  <p:cSld>
-    <p:spTree>
-      <p:nvGrpSpPr>
-        <p:cNvPr id="1" name=""/>
-        <p:cNvGrpSpPr/>
-        <p:nvPr/>
-      </p:nvGrpSpPr>
-      <p:grpSpPr>
-        <a:xfrm>
-          <a:off x="0" y="0"/>
-          <a:ext cx="0" cy="0"/>
-          <a:chOff x="0" y="0"/>
-          <a:chExt cx="0" cy="0"/>
-        </a:xfrm>
-      </p:grpSpPr>
-      <p:sp>
-        <p:nvSpPr>
           <p:cNvPr id="2" name="Title 1">
             <a:extLst>
               <a:ext uri="{FF2B5EF4-FFF2-40B4-BE49-F238E27FC236}">
@@ -31072,7 +30405,7 @@
           <a:p>
             <a:fld id="{621225AB-15B9-4C79-A121-04D1DC7E2307}" type="slidenum">
               <a:rPr lang="en-US" smtClean="0"/>
-              <a:t>52</a:t>
+              <a:t>50</a:t>
             </a:fld>
             <a:endParaRPr lang="en-US"/>
           </a:p>
@@ -31245,7 +30578,7 @@
 </p:sld>
 </file>
 
-<file path=ppt/slides/slide53.xml><?xml version="1.0" encoding="utf-8"?>
+<file path=ppt/slides/slide51.xml><?xml version="1.0" encoding="utf-8"?>
 <p:sld xmlns:a="http://schemas.openxmlformats.org/drawingml/2006/main" xmlns:r="http://schemas.openxmlformats.org/officeDocument/2006/relationships" xmlns:p="http://schemas.openxmlformats.org/presentationml/2006/main">
   <p:cSld>
     <p:spTree>
@@ -31320,7 +30653,7 @@
           <a:p>
             <a:fld id="{621225AB-15B9-4C79-A121-04D1DC7E2307}" type="slidenum">
               <a:rPr lang="en-US" smtClean="0"/>
-              <a:t>53</a:t>
+              <a:t>51</a:t>
             </a:fld>
             <a:endParaRPr lang="en-US"/>
           </a:p>
@@ -32046,7 +31379,7 @@
 </p:sld>
 </file>
 
-<file path=ppt/slides/slide54.xml><?xml version="1.0" encoding="utf-8"?>
+<file path=ppt/slides/slide52.xml><?xml version="1.0" encoding="utf-8"?>
 <p:sld xmlns:a="http://schemas.openxmlformats.org/drawingml/2006/main" xmlns:r="http://schemas.openxmlformats.org/officeDocument/2006/relationships" xmlns:p="http://schemas.openxmlformats.org/presentationml/2006/main">
   <p:cSld>
     <p:spTree>
@@ -32116,7 +31449,7 @@
           <a:p>
             <a:fld id="{621225AB-15B9-4C79-A121-04D1DC7E2307}" type="slidenum">
               <a:rPr lang="en-US" smtClean="0"/>
-              <a:t>54</a:t>
+              <a:t>52</a:t>
             </a:fld>
             <a:endParaRPr lang="en-US" dirty="0"/>
           </a:p>
@@ -32700,7 +32033,7 @@
 </p:sld>
 </file>
 
-<file path=ppt/slides/slide55.xml><?xml version="1.0" encoding="utf-8"?>
+<file path=ppt/slides/slide53.xml><?xml version="1.0" encoding="utf-8"?>
 <p:sld xmlns:a="http://schemas.openxmlformats.org/drawingml/2006/main" xmlns:r="http://schemas.openxmlformats.org/officeDocument/2006/relationships" xmlns:p="http://schemas.openxmlformats.org/presentationml/2006/main">
   <p:cSld>
     <p:spTree>
@@ -32770,7 +32103,7 @@
           <a:p>
             <a:fld id="{621225AB-15B9-4C79-A121-04D1DC7E2307}" type="slidenum">
               <a:rPr lang="en-US" smtClean="0"/>
-              <a:t>55</a:t>
+              <a:t>53</a:t>
             </a:fld>
             <a:endParaRPr lang="en-US"/>
           </a:p>
@@ -33004,7 +32337,7 @@
 </p:sld>
 </file>
 
-<file path=ppt/slides/slide56.xml><?xml version="1.0" encoding="utf-8"?>
+<file path=ppt/slides/slide54.xml><?xml version="1.0" encoding="utf-8"?>
 <p:sld xmlns:a="http://schemas.openxmlformats.org/drawingml/2006/main" xmlns:r="http://schemas.openxmlformats.org/officeDocument/2006/relationships" xmlns:p="http://schemas.openxmlformats.org/presentationml/2006/main">
   <p:cSld>
     <p:spTree>
@@ -33080,16 +32413,8 @@
           <a:lstStyle/>
           <a:p>
             <a:r>
-              <a:rPr lang="en-CA" sz="2400" b="1" dirty="0">
-                <a:solidFill>
-                  <a:srgbClr val="0070C0"/>
-                </a:solidFill>
-              </a:rPr>
-              <a:t>Data plots</a:t>
-            </a:r>
-            <a:r>
               <a:rPr lang="en-CA" sz="2400" dirty="0"/>
-              <a:t>: well-known. Help to answer:</a:t>
+              <a:t>Data plots: well-known. Help to answer:</a:t>
             </a:r>
           </a:p>
           <a:p>
@@ -33117,11 +32442,7 @@
           </a:p>
           <a:p>
             <a:r>
-              <a:rPr lang="en-CA" sz="2400" b="1" dirty="0">
-                <a:solidFill>
-                  <a:srgbClr val="0070C0"/>
-                </a:solidFill>
-              </a:rPr>
+              <a:rPr lang="en-CA" sz="2400" dirty="0"/>
               <a:t>Model plots</a:t>
             </a:r>
           </a:p>
@@ -33148,19 +32469,11 @@
           </a:p>
           <a:p>
             <a:r>
-              <a:rPr lang="en-CA" sz="2400" b="1" dirty="0" err="1">
-                <a:solidFill>
-                  <a:srgbClr val="0070C0"/>
-                </a:solidFill>
-              </a:rPr>
+              <a:rPr lang="en-CA" sz="2400" dirty="0" err="1"/>
               <a:t>Data+Model</a:t>
             </a:r>
             <a:r>
-              <a:rPr lang="en-CA" sz="2400" b="1" dirty="0">
-                <a:solidFill>
-                  <a:srgbClr val="0070C0"/>
-                </a:solidFill>
-              </a:rPr>
+              <a:rPr lang="en-CA" sz="2400" dirty="0"/>
               <a:t> plots</a:t>
             </a:r>
           </a:p>
@@ -33217,7 +32530,7 @@
           <a:p>
             <a:fld id="{621225AB-15B9-4C79-A121-04D1DC7E2307}" type="slidenum">
               <a:rPr lang="en-US" smtClean="0"/>
-              <a:t>56</a:t>
+              <a:t>54</a:t>
             </a:fld>
             <a:endParaRPr lang="en-US"/>
           </a:p>
@@ -34175,7 +33488,7 @@
 </p:sld>
 </file>
 
-<file path=ppt/slides/slide57.xml><?xml version="1.0" encoding="utf-8"?>
+<file path=ppt/slides/slide55.xml><?xml version="1.0" encoding="utf-8"?>
 <p:sld xmlns:a="http://schemas.openxmlformats.org/drawingml/2006/main" xmlns:r="http://schemas.openxmlformats.org/officeDocument/2006/relationships" xmlns:p="http://schemas.openxmlformats.org/presentationml/2006/main">
   <p:cSld>
     <p:spTree>
@@ -34446,7 +33759,7 @@
           <a:p>
             <a:fld id="{621225AB-15B9-4C79-A121-04D1DC7E2307}" type="slidenum">
               <a:rPr lang="en-US" smtClean="0"/>
-              <a:t>57</a:t>
+              <a:t>55</a:t>
             </a:fld>
             <a:endParaRPr lang="en-US"/>
           </a:p>
@@ -36501,7 +35814,7 @@
           <p:cNvPr id="2" name="Title 1">
             <a:extLst>
               <a:ext uri="{FF2B5EF4-FFF2-40B4-BE49-F238E27FC236}">
-                <a16:creationId xmlns:a16="http://schemas.microsoft.com/office/drawing/2014/main" id="{103D32D3-49CE-92D3-6217-2B649C339E01}"/>
+                <a16:creationId xmlns:a16="http://schemas.microsoft.com/office/drawing/2014/main" id="{D7D457C1-C4F3-4D51-8F6C-90FD0E5AA094}"/>
               </a:ext>
             </a:extLst>
           </p:cNvPr>
@@ -36520,171 +35833,8 @@
           <a:lstStyle/>
           <a:p>
             <a:r>
-              <a:rPr lang="en-CA" dirty="0"/>
-              <a:t>Categorical data analysis: History</a:t>
-            </a:r>
-          </a:p>
-        </p:txBody>
-      </p:sp>
-      <p:sp>
-        <p:nvSpPr>
-          <p:cNvPr id="4" name="Content Placeholder 3">
-            <a:extLst>
-              <a:ext uri="{FF2B5EF4-FFF2-40B4-BE49-F238E27FC236}">
-                <a16:creationId xmlns:a16="http://schemas.microsoft.com/office/drawing/2014/main" id="{BA2C6215-C8EF-D34D-91BE-935179DE5CB5}"/>
-              </a:ext>
-            </a:extLst>
-          </p:cNvPr>
-          <p:cNvSpPr>
-            <a:spLocks noGrp="1"/>
-          </p:cNvSpPr>
-          <p:nvPr>
-            <p:ph idx="1"/>
-          </p:nvPr>
-        </p:nvSpPr>
-        <p:spPr/>
-        <p:txBody>
-          <a:bodyPr>
-            <a:normAutofit fontScale="92500" lnSpcReduction="20000"/>
-          </a:bodyPr>
-          <a:lstStyle/>
-          <a:p>
-            <a:r>
-              <a:rPr lang="en-CA" dirty="0"/>
-              <a:t>Categorical data analysis is a relatively recent arrival</a:t>
-            </a:r>
-          </a:p>
-          <a:p>
-            <a:pPr lvl="1"/>
-            <a:r>
-              <a:rPr lang="en-CA" dirty="0"/>
-              <a:t>1888 – Galton introduces the concept of correlation</a:t>
-            </a:r>
-          </a:p>
-          <a:p>
-            <a:pPr lvl="1"/>
-            <a:r>
-              <a:rPr lang="en-CA" dirty="0"/>
-              <a:t>1908 – Student's t-distribution for the mean of small samples</a:t>
-            </a:r>
-          </a:p>
-          <a:p>
-            <a:pPr lvl="1"/>
-            <a:r>
-              <a:rPr lang="en-CA" dirty="0"/>
-              <a:t>1931 – L. L. </a:t>
-            </a:r>
-            <a:r>
-              <a:rPr lang="en-CA" dirty="0" err="1"/>
-              <a:t>Thrustone</a:t>
-            </a:r>
-            <a:r>
-              <a:rPr lang="en-CA" dirty="0"/>
-              <a:t>: Multiple factor analysis</a:t>
-            </a:r>
-          </a:p>
-          <a:p>
-            <a:pPr lvl="1"/>
-            <a:r>
-              <a:rPr lang="en-CA" dirty="0"/>
-              <a:t>1935 – R. A. Fisher's Design of Experiments – ANOVA</a:t>
-            </a:r>
-          </a:p>
-          <a:p>
-            <a:pPr lvl="1"/>
-            <a:r>
-              <a:rPr lang="en-CA" dirty="0"/>
-              <a:t>. . . (time passes)</a:t>
-            </a:r>
-          </a:p>
-          <a:p>
-            <a:pPr marL="457200" lvl="1" indent="0">
-              <a:buNone/>
-            </a:pPr>
-            <a:endParaRPr lang="en-CA" dirty="0"/>
-          </a:p>
-          <a:p>
-            <a:pPr lvl="1"/>
-            <a:r>
-              <a:rPr lang="en-CA" dirty="0"/>
-              <a:t>1972 – </a:t>
-            </a:r>
-            <a:r>
-              <a:rPr lang="en-CA" dirty="0" err="1"/>
-              <a:t>Nelder</a:t>
-            </a:r>
-            <a:r>
-              <a:rPr lang="en-CA" dirty="0"/>
-              <a:t> &amp; Wedderburn develop the central ideas of </a:t>
-            </a:r>
-            <a:r>
-              <a:rPr lang="en-CA" dirty="0">
-                <a:solidFill>
-                  <a:srgbClr val="0070C0"/>
-                </a:solidFill>
-              </a:rPr>
-              <a:t>generalized linear models </a:t>
-            </a:r>
-            <a:r>
-              <a:rPr lang="en-CA" dirty="0"/>
-              <a:t>(logistic &amp; poison regression)</a:t>
-            </a:r>
-          </a:p>
-          <a:p>
-            <a:pPr lvl="1"/>
-            <a:r>
-              <a:rPr lang="en-CA" dirty="0"/>
-              <a:t>1973 – J-P. </a:t>
-            </a:r>
-            <a:r>
-              <a:rPr lang="en-CA" dirty="0" err="1"/>
-              <a:t>Benzecri</a:t>
-            </a:r>
-            <a:r>
-              <a:rPr lang="en-CA" dirty="0"/>
-              <a:t>: Correspondence analysis (analysis des </a:t>
-            </a:r>
-            <a:r>
-              <a:rPr lang="en-CA" dirty="0" err="1"/>
-              <a:t>donnés</a:t>
-            </a:r>
-            <a:r>
-              <a:rPr lang="en-CA" dirty="0"/>
-              <a:t>)</a:t>
-            </a:r>
-          </a:p>
-          <a:p>
-            <a:pPr lvl="1"/>
-            <a:r>
-              <a:rPr lang="en-CA" dirty="0"/>
-              <a:t>1974 – Bishop , Fienberg, Holland introduce the </a:t>
-            </a:r>
-            <a:r>
-              <a:rPr lang="en-CA" dirty="0">
-                <a:solidFill>
-                  <a:srgbClr val="0070C0"/>
-                </a:solidFill>
-              </a:rPr>
-              <a:t>loglinear model</a:t>
-            </a:r>
-            <a:r>
-              <a:rPr lang="en-CA" dirty="0"/>
-              <a:t> for discrete data, ANOVA for log(Freq)</a:t>
-            </a:r>
-          </a:p>
-          <a:p>
-            <a:pPr lvl="1"/>
-            <a:r>
-              <a:rPr lang="en-CA" dirty="0"/>
-              <a:t>1984 – Leo Goodman enhanced loglinear models for complex data: RC models, mobility </a:t>
-            </a:r>
-            <a:r>
-              <a:rPr lang="en-CA" dirty="0" err="1"/>
-              <a:t>tables,panel</a:t>
-            </a:r>
-            <a:r>
-              <a:rPr lang="en-CA" dirty="0"/>
-              <a:t> data, …</a:t>
+              <a:rPr lang="en-US" dirty="0"/>
+              <a:t>What is categorical data?</a:t>
             </a:r>
           </a:p>
         </p:txBody>
@@ -36694,7 +35844,7 @@
           <p:cNvPr id="3" name="Slide Number Placeholder 2">
             <a:extLst>
               <a:ext uri="{FF2B5EF4-FFF2-40B4-BE49-F238E27FC236}">
-                <a16:creationId xmlns:a16="http://schemas.microsoft.com/office/drawing/2014/main" id="{47D776BD-9668-B1E7-2FE8-973F2E3E4608}"/>
+                <a16:creationId xmlns:a16="http://schemas.microsoft.com/office/drawing/2014/main" id="{822F5FE0-E7BF-4EC6-86DF-AF52E2ABC86B}"/>
               </a:ext>
             </a:extLst>
           </p:cNvPr>
@@ -36718,16 +35868,159 @@
           </a:p>
         </p:txBody>
       </p:sp>
+      <p:pic>
+        <p:nvPicPr>
+          <p:cNvPr id="4" name="Picture 3">
+            <a:extLst>
+              <a:ext uri="{FF2B5EF4-FFF2-40B4-BE49-F238E27FC236}">
+                <a16:creationId xmlns:a16="http://schemas.microsoft.com/office/drawing/2014/main" id="{E496DE98-2AB7-448F-B5DB-BCB8B9447B66}"/>
+              </a:ext>
+            </a:extLst>
+          </p:cNvPr>
+          <p:cNvPicPr>
+            <a:picLocks noChangeAspect="1"/>
+          </p:cNvPicPr>
+          <p:nvPr/>
+        </p:nvPicPr>
+        <p:blipFill>
+          <a:blip r:embed="rId2"/>
+          <a:stretch>
+            <a:fillRect/>
+          </a:stretch>
+        </p:blipFill>
+        <p:spPr>
+          <a:xfrm>
+            <a:off x="457200" y="1371600"/>
+            <a:ext cx="8142857" cy="2933333"/>
+          </a:xfrm>
+          <a:prstGeom prst="rect">
+            <a:avLst/>
+          </a:prstGeom>
+        </p:spPr>
+      </p:pic>
+      <p:sp>
+        <p:nvSpPr>
+          <p:cNvPr id="5" name="TextBox 4">
+            <a:extLst>
+              <a:ext uri="{FF2B5EF4-FFF2-40B4-BE49-F238E27FC236}">
+                <a16:creationId xmlns:a16="http://schemas.microsoft.com/office/drawing/2014/main" id="{DB08D334-2823-4AFD-AF3C-B20205C5DD78}"/>
+              </a:ext>
+            </a:extLst>
+          </p:cNvPr>
+          <p:cNvSpPr txBox="1"/>
+          <p:nvPr/>
+        </p:nvSpPr>
+        <p:spPr>
+          <a:xfrm>
+            <a:off x="457200" y="4648200"/>
+            <a:ext cx="8001000" cy="1200329"/>
+          </a:xfrm>
+          <a:prstGeom prst="rect">
+            <a:avLst/>
+          </a:prstGeom>
+          <a:noFill/>
+        </p:spPr>
+        <p:txBody>
+          <a:bodyPr wrap="square" rtlCol="0">
+            <a:spAutoFit/>
+          </a:bodyPr>
+          <a:lstStyle/>
+          <a:p>
+            <a:r>
+              <a:rPr lang="en-US" dirty="0"/>
+              <a:t>Questions:</a:t>
+            </a:r>
+          </a:p>
+          <a:p>
+            <a:pPr marL="285750" indent="-285750">
+              <a:buFont typeface="Arial" panose="020B0604020202020204" pitchFamily="34" charset="0"/>
+              <a:buChar char="•"/>
+            </a:pPr>
+            <a:r>
+              <a:rPr lang="en-US" dirty="0"/>
+              <a:t>Which of these are </a:t>
+            </a:r>
+            <a:r>
+              <a:rPr lang="en-US" dirty="0">
+                <a:solidFill>
+                  <a:srgbClr val="0070C0"/>
+                </a:solidFill>
+              </a:rPr>
+              <a:t>ordered</a:t>
+            </a:r>
+            <a:r>
+              <a:rPr lang="en-US" dirty="0"/>
+              <a:t> (ordinal)?</a:t>
+            </a:r>
+          </a:p>
+          <a:p>
+            <a:pPr marL="285750" indent="-285750">
+              <a:buFont typeface="Arial" panose="020B0604020202020204" pitchFamily="34" charset="0"/>
+              <a:buChar char="•"/>
+            </a:pPr>
+            <a:r>
+              <a:rPr lang="en-US" dirty="0"/>
+              <a:t>Which could be treated as </a:t>
+            </a:r>
+            <a:r>
+              <a:rPr lang="en-US" dirty="0">
+                <a:solidFill>
+                  <a:srgbClr val="0070C0"/>
+                </a:solidFill>
+              </a:rPr>
+              <a:t>numeric</a:t>
+            </a:r>
+            <a:r>
+              <a:rPr lang="en-US" dirty="0"/>
+              <a:t>? How?</a:t>
+            </a:r>
+          </a:p>
+          <a:p>
+            <a:pPr marL="285750" indent="-285750">
+              <a:buFont typeface="Arial" panose="020B0604020202020204" pitchFamily="34" charset="0"/>
+              <a:buChar char="•"/>
+            </a:pPr>
+            <a:r>
+              <a:rPr lang="en-US" dirty="0"/>
+              <a:t>Which have </a:t>
+            </a:r>
+            <a:r>
+              <a:rPr lang="en-US" dirty="0">
+                <a:solidFill>
+                  <a:srgbClr val="0070C0"/>
+                </a:solidFill>
+              </a:rPr>
+              <a:t>missing categories</a:t>
+            </a:r>
+            <a:r>
+              <a:rPr lang="en-US" dirty="0"/>
+              <a:t>, sometimes ignored, or treated as “Other”</a:t>
+            </a:r>
+          </a:p>
+        </p:txBody>
+      </p:sp>
     </p:spTree>
     <p:extLst>
       <p:ext uri="{BB962C8B-B14F-4D97-AF65-F5344CB8AC3E}">
-        <p14:creationId xmlns:p14="http://schemas.microsoft.com/office/powerpoint/2010/main" val="2159938115"/>
+        <p14:creationId xmlns:p14="http://schemas.microsoft.com/office/powerpoint/2010/main" val="908899151"/>
       </p:ext>
     </p:extLst>
   </p:cSld>
   <p:clrMapOvr>
     <a:masterClrMapping/>
   </p:clrMapOvr>
+  <mc:AlternateContent xmlns:mc="http://schemas.openxmlformats.org/markup-compatibility/2006" xmlns:p14="http://schemas.microsoft.com/office/powerpoint/2010/main">
+    <mc:Choice Requires="p14">
+      <p:transition spd="slow" p14:dur="2000">
+        <p14:prism isContent="1"/>
+      </p:transition>
+    </mc:Choice>
+    <mc:Fallback xmlns="">
+      <p:transition spd="slow">
+        <p:fade/>
+      </p:transition>
+    </mc:Fallback>
+  </mc:AlternateContent>
 </p:sld>
 </file>
 
